--- a/Beleg/Praese.pptx
+++ b/Beleg/Praese.pptx
@@ -2,7 +2,7 @@
 <file path=ppt/presentation.xml><?xml version="1.0" encoding="utf-8"?>
 <p:presentation xmlns:a="http://schemas.openxmlformats.org/drawingml/2006/main" xmlns:r="http://schemas.openxmlformats.org/officeDocument/2006/relationships" xmlns:p="http://schemas.openxmlformats.org/presentationml/2006/main" saveSubsetFonts="1">
   <p:sldMasterIdLst>
-    <p:sldMasterId id="2147483660" r:id="rId1"/>
+    <p:sldMasterId id="2147483672" r:id="rId1"/>
   </p:sldMasterIdLst>
   <p:sldIdLst>
     <p:sldId id="256" r:id="rId2"/>
@@ -14,13 +14,13 @@
     <p:sldId id="262" r:id="rId8"/>
     <p:sldId id="263" r:id="rId9"/>
     <p:sldId id="264" r:id="rId10"/>
-    <p:sldId id="265" r:id="rId11"/>
-    <p:sldId id="266" r:id="rId12"/>
-    <p:sldId id="270" r:id="rId13"/>
-    <p:sldId id="269" r:id="rId14"/>
-    <p:sldId id="267" r:id="rId15"/>
-    <p:sldId id="268" r:id="rId16"/>
-    <p:sldId id="271" r:id="rId17"/>
+    <p:sldId id="266" r:id="rId11"/>
+    <p:sldId id="270" r:id="rId12"/>
+    <p:sldId id="269" r:id="rId13"/>
+    <p:sldId id="267" r:id="rId14"/>
+    <p:sldId id="268" r:id="rId15"/>
+    <p:sldId id="271" r:id="rId16"/>
+    <p:sldId id="272" r:id="rId17"/>
   </p:sldIdLst>
   <p:sldSz cx="9144000" cy="6858000" type="screen4x3"/>
   <p:notesSz cx="6858000" cy="9144000"/>
@@ -123,7 +123,7 @@
 </file>
 
 <file path=ppt/slideLayouts/slideLayout1.xml><?xml version="1.0" encoding="utf-8"?>
-<p:sldLayout xmlns:a="http://schemas.openxmlformats.org/drawingml/2006/main" xmlns:r="http://schemas.openxmlformats.org/officeDocument/2006/relationships" xmlns:p="http://schemas.openxmlformats.org/presentationml/2006/main" showMasterSp="0" type="title" preserve="1">
+<p:sldLayout xmlns:a="http://schemas.openxmlformats.org/drawingml/2006/main" xmlns:r="http://schemas.openxmlformats.org/officeDocument/2006/relationships" xmlns:p="http://schemas.openxmlformats.org/presentationml/2006/main" type="title" preserve="1">
   <p:cSld name="Titelfolie">
     <p:spTree>
       <p:nvGrpSpPr>
@@ -141,57 +141,7 @@
       </p:grpSpPr>
       <p:sp>
         <p:nvSpPr>
-          <p:cNvPr id="7" name="Gerade Verbindung 6"/>
-          <p:cNvSpPr>
-            <a:spLocks noChangeShapeType="1"/>
-          </p:cNvSpPr>
-          <p:nvPr/>
-        </p:nvSpPr>
-        <p:spPr bwMode="auto">
-          <a:xfrm>
-            <a:off x="514350" y="5349902"/>
-            <a:ext cx="8629650" cy="2381"/>
-          </a:xfrm>
-          <a:prstGeom prst="line">
-            <a:avLst/>
-          </a:prstGeom>
-          <a:noFill/>
-          <a:ln w="9525" cap="flat" cmpd="sng" algn="ctr">
-            <a:gradFill flip="none" rotWithShape="1">
-              <a:gsLst>
-                <a:gs pos="0">
-                  <a:schemeClr val="accent1">
-                    <a:alpha val="0"/>
-                  </a:schemeClr>
-                </a:gs>
-                <a:gs pos="17000">
-                  <a:schemeClr val="accent1"/>
-                </a:gs>
-                <a:gs pos="100000">
-                  <a:schemeClr val="accent1"/>
-                </a:gs>
-              </a:gsLst>
-              <a:lin ang="0" scaled="1"/>
-              <a:tileRect/>
-            </a:gradFill>
-            <a:prstDash val="solid"/>
-            <a:round/>
-            <a:headEnd type="none" w="med" len="med"/>
-            <a:tailEnd type="none" w="med" len="med"/>
-          </a:ln>
-          <a:effectLst/>
-        </p:spPr>
-        <p:txBody>
-          <a:bodyPr vert="horz" wrap="square" lIns="91440" tIns="45720" rIns="91440" bIns="45720" anchor="t" compatLnSpc="1"/>
-          <a:lstStyle/>
-          <a:p>
-            <a:endParaRPr kumimoji="0" lang="en-US"/>
-          </a:p>
-        </p:txBody>
-      </p:sp>
-      <p:sp>
-        <p:nvSpPr>
-          <p:cNvPr id="29" name="Titel 28"/>
+          <p:cNvPr id="14" name="Titel 13"/>
           <p:cNvSpPr>
             <a:spLocks noGrp="1"/>
           </p:cNvSpPr>
@@ -201,13 +151,18 @@
         </p:nvSpPr>
         <p:spPr>
           <a:xfrm>
-            <a:off x="381000" y="4853411"/>
-            <a:ext cx="8458200" cy="1222375"/>
+            <a:off x="1432560" y="359898"/>
+            <a:ext cx="7406640" cy="1472184"/>
           </a:xfrm>
         </p:spPr>
         <p:txBody>
-          <a:bodyPr anchor="t"/>
-          <a:lstStyle/>
+          <a:bodyPr anchor="b"/>
+          <a:lstStyle>
+            <a:lvl1pPr algn="l">
+              <a:defRPr/>
+            </a:lvl1pPr>
+            <a:extLst/>
+          </a:lstStyle>
           <a:p>
             <a:r>
               <a:rPr kumimoji="0" lang="de-DE" smtClean="0"/>
@@ -219,7 +174,7 @@
       </p:sp>
       <p:sp>
         <p:nvSpPr>
-          <p:cNvPr id="9" name="Untertitel 8"/>
+          <p:cNvPr id="22" name="Untertitel 21"/>
           <p:cNvSpPr>
             <a:spLocks noGrp="1"/>
           </p:cNvSpPr>
@@ -229,19 +184,20 @@
         </p:nvSpPr>
         <p:spPr>
           <a:xfrm>
-            <a:off x="381000" y="3886200"/>
-            <a:ext cx="8458200" cy="914400"/>
+            <a:off x="1432560" y="1850064"/>
+            <a:ext cx="7406640" cy="1752600"/>
           </a:xfrm>
         </p:spPr>
         <p:txBody>
-          <a:bodyPr anchor="b"/>
-          <a:lstStyle>
-            <a:lvl1pPr marL="0" indent="0" algn="l">
+          <a:bodyPr tIns="0"/>
+          <a:lstStyle>
+            <a:lvl1pPr marL="27432" indent="0" algn="l">
               <a:buNone/>
-              <a:defRPr sz="2400">
+              <a:defRPr sz="2600">
                 <a:solidFill>
                   <a:schemeClr val="tx2">
-                    <a:shade val="75000"/>
+                    <a:shade val="30000"/>
+                    <a:satMod val="150000"/>
                   </a:schemeClr>
                 </a:solidFill>
               </a:defRPr>
@@ -270,6 +226,7 @@
             <a:lvl9pPr marL="3657600" indent="0" algn="ctr">
               <a:buNone/>
             </a:lvl9pPr>
+            <a:extLst/>
           </a:lstStyle>
           <a:p>
             <a:r>
@@ -282,7 +239,7 @@
       </p:sp>
       <p:sp>
         <p:nvSpPr>
-          <p:cNvPr id="16" name="Datumsplatzhalter 15"/>
+          <p:cNvPr id="7" name="Datumsplatzhalter 6"/>
           <p:cNvSpPr>
             <a:spLocks noGrp="1"/>
           </p:cNvSpPr>
@@ -293,7 +250,9 @@
         <p:spPr/>
         <p:txBody>
           <a:bodyPr/>
-          <a:lstStyle/>
+          <a:lstStyle>
+            <a:extLst/>
+          </a:lstStyle>
           <a:p>
             <a:fld id="{5174542B-B21A-4025-B0A9-225DBF527871}" type="datetimeFigureOut">
               <a:rPr lang="de-DE" smtClean="0"/>
@@ -305,7 +264,7 @@
       </p:sp>
       <p:sp>
         <p:nvSpPr>
-          <p:cNvPr id="2" name="Fußzeilenplatzhalter 1"/>
+          <p:cNvPr id="20" name="Fußzeilenplatzhalter 19"/>
           <p:cNvSpPr>
             <a:spLocks noGrp="1"/>
           </p:cNvSpPr>
@@ -316,7 +275,9 @@
         <p:spPr/>
         <p:txBody>
           <a:bodyPr/>
-          <a:lstStyle/>
+          <a:lstStyle>
+            <a:extLst/>
+          </a:lstStyle>
           <a:p>
             <a:endParaRPr lang="de-DE"/>
           </a:p>
@@ -324,7 +285,7 @@
       </p:sp>
       <p:sp>
         <p:nvSpPr>
-          <p:cNvPr id="15" name="Foliennummernplatzhalter 14"/>
+          <p:cNvPr id="10" name="Foliennummernplatzhalter 9"/>
           <p:cNvSpPr>
             <a:spLocks noGrp="1"/>
           </p:cNvSpPr>
@@ -332,21 +293,156 @@
             <p:ph type="sldNum" sz="quarter" idx="12"/>
           </p:nvPr>
         </p:nvSpPr>
-        <p:spPr>
-          <a:xfrm>
-            <a:off x="8229600" y="6473952"/>
-            <a:ext cx="758952" cy="246888"/>
-          </a:xfrm>
-        </p:spPr>
+        <p:spPr/>
         <p:txBody>
           <a:bodyPr/>
-          <a:lstStyle/>
+          <a:lstStyle>
+            <a:extLst/>
+          </a:lstStyle>
           <a:p>
             <a:fld id="{A1B8449B-F5B3-4CD1-A5D9-FFDDEE314C7D}" type="slidenum">
               <a:rPr lang="de-DE" smtClean="0"/>
               <a:t>‹Nr.›</a:t>
             </a:fld>
             <a:endParaRPr lang="de-DE"/>
+          </a:p>
+        </p:txBody>
+      </p:sp>
+      <p:sp>
+        <p:nvSpPr>
+          <p:cNvPr id="8" name="Ellipse 7"/>
+          <p:cNvSpPr/>
+          <p:nvPr/>
+        </p:nvSpPr>
+        <p:spPr>
+          <a:xfrm>
+            <a:off x="921433" y="1413802"/>
+            <a:ext cx="210312" cy="210312"/>
+          </a:xfrm>
+          <a:prstGeom prst="ellipse">
+            <a:avLst/>
+          </a:prstGeom>
+          <a:gradFill rotWithShape="1">
+            <a:gsLst>
+              <a:gs pos="0">
+                <a:schemeClr val="accent1">
+                  <a:tint val="20000"/>
+                  <a:satMod val="450000"/>
+                  <a:alpha val="95000"/>
+                </a:schemeClr>
+              </a:gs>
+              <a:gs pos="50000">
+                <a:schemeClr val="accent1">
+                  <a:tint val="38000"/>
+                  <a:satMod val="250000"/>
+                  <a:alpha val="90000"/>
+                </a:schemeClr>
+              </a:gs>
+              <a:gs pos="95000">
+                <a:schemeClr val="accent1">
+                  <a:tint val="75000"/>
+                  <a:satMod val="255000"/>
+                  <a:alpha val="88000"/>
+                </a:schemeClr>
+              </a:gs>
+              <a:gs pos="100000">
+                <a:schemeClr val="accent1">
+                  <a:tint val="100000"/>
+                  <a:shade val="90000"/>
+                  <a:satMod val="255000"/>
+                  <a:alpha val="85000"/>
+                </a:schemeClr>
+              </a:gs>
+            </a:gsLst>
+            <a:path path="circle">
+              <a:fillToRect l="25000" t="12500" r="75000" b="87500"/>
+            </a:path>
+          </a:gradFill>
+          <a:ln w="2000" cap="rnd" cmpd="sng" algn="ctr">
+            <a:solidFill>
+              <a:schemeClr val="accent1">
+                <a:shade val="90000"/>
+                <a:satMod val="110000"/>
+                <a:alpha val="60000"/>
+              </a:schemeClr>
+            </a:solidFill>
+            <a:prstDash val="solid"/>
+          </a:ln>
+          <a:effectLst/>
+        </p:spPr>
+        <p:style>
+          <a:lnRef idx="1">
+            <a:schemeClr val="accent1"/>
+          </a:lnRef>
+          <a:fillRef idx="2">
+            <a:schemeClr val="accent1"/>
+          </a:fillRef>
+          <a:effectRef idx="1">
+            <a:schemeClr val="accent1"/>
+          </a:effectRef>
+          <a:fontRef idx="minor">
+            <a:schemeClr val="dk1"/>
+          </a:fontRef>
+        </p:style>
+        <p:txBody>
+          <a:bodyPr anchor="ctr"/>
+          <a:lstStyle>
+            <a:extLst/>
+          </a:lstStyle>
+          <a:p>
+            <a:pPr algn="ctr" eaLnBrk="1" latinLnBrk="0" hangingPunct="1"/>
+            <a:endParaRPr kumimoji="0" lang="en-US"/>
+          </a:p>
+        </p:txBody>
+      </p:sp>
+      <p:sp>
+        <p:nvSpPr>
+          <p:cNvPr id="9" name="Ellipse 8"/>
+          <p:cNvSpPr/>
+          <p:nvPr/>
+        </p:nvSpPr>
+        <p:spPr>
+          <a:xfrm>
+            <a:off x="1157176" y="1345016"/>
+            <a:ext cx="64008" cy="64008"/>
+          </a:xfrm>
+          <a:prstGeom prst="ellipse">
+            <a:avLst/>
+          </a:prstGeom>
+          <a:noFill/>
+          <a:ln w="12700" cap="rnd" cmpd="sng" algn="ctr">
+            <a:solidFill>
+              <a:schemeClr val="accent1">
+                <a:shade val="75000"/>
+                <a:alpha val="60000"/>
+              </a:schemeClr>
+            </a:solidFill>
+            <a:prstDash val="solid"/>
+          </a:ln>
+          <a:effectLst/>
+        </p:spPr>
+        <p:style>
+          <a:lnRef idx="1">
+            <a:schemeClr val="accent1"/>
+          </a:lnRef>
+          <a:fillRef idx="2">
+            <a:schemeClr val="accent1"/>
+          </a:fillRef>
+          <a:effectRef idx="1">
+            <a:schemeClr val="accent1"/>
+          </a:effectRef>
+          <a:fontRef idx="minor">
+            <a:schemeClr val="dk1"/>
+          </a:fontRef>
+        </p:style>
+        <p:txBody>
+          <a:bodyPr anchor="ctr"/>
+          <a:lstStyle>
+            <a:extLst/>
+          </a:lstStyle>
+          <a:p>
+            <a:pPr algn="ctr" eaLnBrk="1" latinLnBrk="0" hangingPunct="1"/>
+            <a:endParaRPr kumimoji="0" lang="en-US"/>
           </a:p>
         </p:txBody>
       </p:sp>
@@ -388,7 +484,9 @@
         <p:spPr/>
         <p:txBody>
           <a:bodyPr/>
-          <a:lstStyle/>
+          <a:lstStyle>
+            <a:extLst/>
+          </a:lstStyle>
           <a:p>
             <a:r>
               <a:rPr kumimoji="0" lang="de-DE" smtClean="0"/>
@@ -411,7 +509,9 @@
         <p:spPr/>
         <p:txBody>
           <a:bodyPr vert="eaVert"/>
-          <a:lstStyle/>
+          <a:lstStyle>
+            <a:extLst/>
+          </a:lstStyle>
           <a:p>
             <a:pPr lvl="0" eaLnBrk="1" latinLnBrk="0" hangingPunct="1"/>
             <a:r>
@@ -463,7 +563,9 @@
         <p:spPr/>
         <p:txBody>
           <a:bodyPr/>
-          <a:lstStyle/>
+          <a:lstStyle>
+            <a:extLst/>
+          </a:lstStyle>
           <a:p>
             <a:fld id="{5174542B-B21A-4025-B0A9-225DBF527871}" type="datetimeFigureOut">
               <a:rPr lang="de-DE" smtClean="0"/>
@@ -486,7 +588,9 @@
         <p:spPr/>
         <p:txBody>
           <a:bodyPr/>
-          <a:lstStyle/>
+          <a:lstStyle>
+            <a:extLst/>
+          </a:lstStyle>
           <a:p>
             <a:endParaRPr lang="de-DE"/>
           </a:p>
@@ -505,7 +609,9 @@
         <p:spPr/>
         <p:txBody>
           <a:bodyPr/>
-          <a:lstStyle/>
+          <a:lstStyle>
+            <a:extLst/>
+          </a:lstStyle>
           <a:p>
             <a:fld id="{A1B8449B-F5B3-4CD1-A5D9-FFDDEE314C7D}" type="slidenum">
               <a:rPr lang="de-DE" smtClean="0"/>
@@ -524,7 +630,7 @@
 </file>
 
 <file path=ppt/slideLayouts/slideLayout11.xml><?xml version="1.0" encoding="utf-8"?>
-<p:sldLayout xmlns:a="http://schemas.openxmlformats.org/drawingml/2006/main" xmlns:r="http://schemas.openxmlformats.org/officeDocument/2006/relationships" xmlns:p="http://schemas.openxmlformats.org/presentationml/2006/main" showMasterSp="0" type="vertTitleAndTx" preserve="1">
+<p:sldLayout xmlns:a="http://schemas.openxmlformats.org/drawingml/2006/main" xmlns:r="http://schemas.openxmlformats.org/officeDocument/2006/relationships" xmlns:p="http://schemas.openxmlformats.org/presentationml/2006/main" type="vertTitleAndTx" preserve="1">
   <p:cSld name="Vertikaler Titel und Text">
     <p:spTree>
       <p:nvGrpSpPr>
@@ -552,13 +658,15 @@
         </p:nvSpPr>
         <p:spPr>
           <a:xfrm>
-            <a:off x="6858000" y="549276"/>
+            <a:off x="6858000" y="274639"/>
             <a:ext cx="1828800" cy="5851525"/>
           </a:xfrm>
         </p:spPr>
         <p:txBody>
           <a:bodyPr vert="eaVert"/>
-          <a:lstStyle/>
+          <a:lstStyle>
+            <a:extLst/>
+          </a:lstStyle>
           <a:p>
             <a:r>
               <a:rPr kumimoji="0" lang="de-DE" smtClean="0"/>
@@ -580,13 +688,15 @@
         </p:nvSpPr>
         <p:spPr>
           <a:xfrm>
-            <a:off x="457200" y="549276"/>
-            <a:ext cx="6248400" cy="5851525"/>
+            <a:off x="1143000" y="274640"/>
+            <a:ext cx="5562600" cy="5851525"/>
           </a:xfrm>
         </p:spPr>
         <p:txBody>
           <a:bodyPr vert="eaVert"/>
-          <a:lstStyle/>
+          <a:lstStyle>
+            <a:extLst/>
+          </a:lstStyle>
           <a:p>
             <a:pPr lvl="0" eaLnBrk="1" latinLnBrk="0" hangingPunct="1"/>
             <a:r>
@@ -638,7 +748,9 @@
         <p:spPr/>
         <p:txBody>
           <a:bodyPr/>
-          <a:lstStyle/>
+          <a:lstStyle>
+            <a:extLst/>
+          </a:lstStyle>
           <a:p>
             <a:fld id="{5174542B-B21A-4025-B0A9-225DBF527871}" type="datetimeFigureOut">
               <a:rPr lang="de-DE" smtClean="0"/>
@@ -661,7 +773,9 @@
         <p:spPr/>
         <p:txBody>
           <a:bodyPr/>
-          <a:lstStyle/>
+          <a:lstStyle>
+            <a:extLst/>
+          </a:lstStyle>
           <a:p>
             <a:endParaRPr lang="de-DE"/>
           </a:p>
@@ -680,7 +794,9 @@
         <p:spPr/>
         <p:txBody>
           <a:bodyPr/>
-          <a:lstStyle/>
+          <a:lstStyle>
+            <a:extLst/>
+          </a:lstStyle>
           <a:p>
             <a:fld id="{A1B8449B-F5B3-4CD1-A5D9-FFDDEE314C7D}" type="slidenum">
               <a:rPr lang="de-DE" smtClean="0"/>
@@ -717,7 +833,7 @@
       </p:grpSpPr>
       <p:sp>
         <p:nvSpPr>
-          <p:cNvPr id="22" name="Titel 21"/>
+          <p:cNvPr id="2" name="Titel 1"/>
           <p:cNvSpPr>
             <a:spLocks noGrp="1"/>
           </p:cNvSpPr>
@@ -728,7 +844,9 @@
         <p:spPr/>
         <p:txBody>
           <a:bodyPr/>
-          <a:lstStyle/>
+          <a:lstStyle>
+            <a:extLst/>
+          </a:lstStyle>
           <a:p>
             <a:r>
               <a:rPr kumimoji="0" lang="de-DE" smtClean="0"/>
@@ -740,7 +858,7 @@
       </p:sp>
       <p:sp>
         <p:nvSpPr>
-          <p:cNvPr id="27" name="Inhaltsplatzhalter 26"/>
+          <p:cNvPr id="3" name="Inhaltsplatzhalter 2"/>
           <p:cNvSpPr>
             <a:spLocks noGrp="1"/>
           </p:cNvSpPr>
@@ -751,7 +869,9 @@
         <p:spPr/>
         <p:txBody>
           <a:bodyPr/>
-          <a:lstStyle/>
+          <a:lstStyle>
+            <a:extLst/>
+          </a:lstStyle>
           <a:p>
             <a:pPr lvl="0" eaLnBrk="1" latinLnBrk="0" hangingPunct="1"/>
             <a:r>
@@ -792,7 +912,7 @@
       </p:sp>
       <p:sp>
         <p:nvSpPr>
-          <p:cNvPr id="25" name="Datumsplatzhalter 24"/>
+          <p:cNvPr id="4" name="Datumsplatzhalter 3"/>
           <p:cNvSpPr>
             <a:spLocks noGrp="1"/>
           </p:cNvSpPr>
@@ -803,7 +923,9 @@
         <p:spPr/>
         <p:txBody>
           <a:bodyPr/>
-          <a:lstStyle/>
+          <a:lstStyle>
+            <a:extLst/>
+          </a:lstStyle>
           <a:p>
             <a:fld id="{5174542B-B21A-4025-B0A9-225DBF527871}" type="datetimeFigureOut">
               <a:rPr lang="de-DE" smtClean="0"/>
@@ -815,7 +937,7 @@
       </p:sp>
       <p:sp>
         <p:nvSpPr>
-          <p:cNvPr id="19" name="Fußzeilenplatzhalter 18"/>
+          <p:cNvPr id="5" name="Fußzeilenplatzhalter 4"/>
           <p:cNvSpPr>
             <a:spLocks noGrp="1"/>
           </p:cNvSpPr>
@@ -823,15 +945,12 @@
             <p:ph type="ftr" sz="quarter" idx="11"/>
           </p:nvPr>
         </p:nvSpPr>
-        <p:spPr>
-          <a:xfrm>
-            <a:off x="3581400" y="76200"/>
-            <a:ext cx="2895600" cy="288925"/>
-          </a:xfrm>
-        </p:spPr>
+        <p:spPr/>
         <p:txBody>
           <a:bodyPr/>
-          <a:lstStyle/>
+          <a:lstStyle>
+            <a:extLst/>
+          </a:lstStyle>
           <a:p>
             <a:endParaRPr lang="de-DE"/>
           </a:p>
@@ -839,7 +958,7 @@
       </p:sp>
       <p:sp>
         <p:nvSpPr>
-          <p:cNvPr id="16" name="Foliennummernplatzhalter 15"/>
+          <p:cNvPr id="6" name="Foliennummernplatzhalter 5"/>
           <p:cNvSpPr>
             <a:spLocks noGrp="1"/>
           </p:cNvSpPr>
@@ -847,15 +966,12 @@
             <p:ph type="sldNum" sz="quarter" idx="12"/>
           </p:nvPr>
         </p:nvSpPr>
-        <p:spPr>
-          <a:xfrm>
-            <a:off x="8229600" y="6473952"/>
-            <a:ext cx="758952" cy="246888"/>
-          </a:xfrm>
-        </p:spPr>
+        <p:spPr/>
         <p:txBody>
           <a:bodyPr/>
-          <a:lstStyle/>
+          <a:lstStyle>
+            <a:extLst/>
+          </a:lstStyle>
           <a:p>
             <a:fld id="{A1B8449B-F5B3-4CD1-A5D9-FFDDEE314C7D}" type="slidenum">
               <a:rPr lang="de-DE" smtClean="0"/>
@@ -876,11 +992,6 @@
 <file path=ppt/slideLayouts/slideLayout3.xml><?xml version="1.0" encoding="utf-8"?>
 <p:sldLayout xmlns:a="http://schemas.openxmlformats.org/drawingml/2006/main" xmlns:r="http://schemas.openxmlformats.org/officeDocument/2006/relationships" xmlns:p="http://schemas.openxmlformats.org/presentationml/2006/main" showMasterSp="0" type="secHead" preserve="1">
   <p:cSld name="Abschnittsüberschrift">
-    <p:bg>
-      <p:bgRef idx="1003">
-        <a:schemeClr val="bg2"/>
-      </p:bgRef>
-    </p:bg>
     <p:spTree>
       <p:nvGrpSpPr>
         <p:cNvPr id="1" name=""/>
@@ -897,79 +1008,121 @@
       </p:grpSpPr>
       <p:sp>
         <p:nvSpPr>
-          <p:cNvPr id="7" name="Gerade Verbindung 6"/>
-          <p:cNvSpPr>
-            <a:spLocks noChangeShapeType="1"/>
-          </p:cNvSpPr>
+          <p:cNvPr id="7" name="Rechteck 6"/>
+          <p:cNvSpPr/>
           <p:nvPr/>
         </p:nvSpPr>
-        <p:spPr bwMode="auto">
+        <p:spPr>
           <a:xfrm>
-            <a:off x="514350" y="3444902"/>
-            <a:ext cx="8629650" cy="2381"/>
+            <a:off x="2282890" y="-54"/>
+            <a:ext cx="6858000" cy="6858054"/>
           </a:xfrm>
-          <a:prstGeom prst="line">
+          <a:prstGeom prst="rect">
             <a:avLst/>
           </a:prstGeom>
-          <a:noFill/>
-          <a:ln w="9525" cap="flat" cmpd="sng" algn="ctr">
-            <a:gradFill flip="none" rotWithShape="1">
-              <a:gsLst>
-                <a:gs pos="0">
-                  <a:schemeClr val="accent1">
-                    <a:alpha val="0"/>
-                  </a:schemeClr>
-                </a:gs>
-                <a:gs pos="17000">
-                  <a:schemeClr val="accent1"/>
-                </a:gs>
-                <a:gs pos="100000">
-                  <a:schemeClr val="accent1"/>
-                </a:gs>
-              </a:gsLst>
-              <a:lin ang="0" scaled="1"/>
-              <a:tileRect/>
-            </a:gradFill>
+          <a:solidFill>
+            <a:schemeClr val="bg1"/>
+          </a:solidFill>
+          <a:ln w="25400" cap="rnd" cmpd="sng" algn="ctr">
+            <a:noFill/>
             <a:prstDash val="solid"/>
-            <a:round/>
-            <a:headEnd type="none" w="med" len="med"/>
-            <a:tailEnd type="none" w="med" len="med"/>
           </a:ln>
           <a:effectLst/>
         </p:spPr>
-        <p:txBody>
-          <a:bodyPr vert="horz" wrap="square" lIns="91440" tIns="45720" rIns="91440" bIns="45720" anchor="t" compatLnSpc="1"/>
-          <a:lstStyle/>
-          <a:p>
+        <p:style>
+          <a:lnRef idx="3">
+            <a:schemeClr val="lt1"/>
+          </a:lnRef>
+          <a:fillRef idx="1">
+            <a:schemeClr val="accent1"/>
+          </a:fillRef>
+          <a:effectRef idx="1">
+            <a:schemeClr val="accent1"/>
+          </a:effectRef>
+          <a:fontRef idx="minor">
+            <a:schemeClr val="lt1"/>
+          </a:fontRef>
+        </p:style>
+        <p:txBody>
+          <a:bodyPr anchor="ctr"/>
+          <a:lstStyle>
+            <a:extLst/>
+          </a:lstStyle>
+          <a:p>
+            <a:pPr algn="ctr" eaLnBrk="1" latinLnBrk="0" hangingPunct="1"/>
             <a:endParaRPr kumimoji="0" lang="en-US"/>
           </a:p>
         </p:txBody>
       </p:sp>
       <p:sp>
         <p:nvSpPr>
-          <p:cNvPr id="6" name="Textplatzhalter 5"/>
-          <p:cNvSpPr>
-            <a:spLocks noGrp="1"/>
-          </p:cNvSpPr>
-          <p:nvPr>
-            <p:ph type="body" idx="1"/>
+          <p:cNvPr id="2" name="Titel 1"/>
+          <p:cNvSpPr>
+            <a:spLocks noGrp="1"/>
+          </p:cNvSpPr>
+          <p:nvPr>
+            <p:ph type="title"/>
           </p:nvPr>
         </p:nvSpPr>
         <p:spPr>
           <a:xfrm>
-            <a:off x="381000" y="1676400"/>
-            <a:ext cx="8458200" cy="1219200"/>
+            <a:off x="2578392" y="2600325"/>
+            <a:ext cx="6400800" cy="2286000"/>
           </a:xfrm>
         </p:spPr>
         <p:txBody>
+          <a:bodyPr anchor="t"/>
+          <a:lstStyle>
+            <a:lvl1pPr algn="l">
+              <a:lnSpc>
+                <a:spcPts val="4500"/>
+              </a:lnSpc>
+              <a:buNone/>
+              <a:defRPr sz="4000" b="1" cap="all"/>
+            </a:lvl1pPr>
+            <a:extLst/>
+          </a:lstStyle>
+          <a:p>
+            <a:r>
+              <a:rPr kumimoji="0" lang="de-DE" smtClean="0"/>
+              <a:t>Titelmasterformat durch Klicken bearbeiten</a:t>
+            </a:r>
+            <a:endParaRPr kumimoji="0" lang="en-US"/>
+          </a:p>
+        </p:txBody>
+      </p:sp>
+      <p:sp>
+        <p:nvSpPr>
+          <p:cNvPr id="3" name="Textplatzhalter 2"/>
+          <p:cNvSpPr>
+            <a:spLocks noGrp="1"/>
+          </p:cNvSpPr>
+          <p:nvPr>
+            <p:ph type="body" idx="1"/>
+          </p:nvPr>
+        </p:nvSpPr>
+        <p:spPr>
+          <a:xfrm>
+            <a:off x="2578392" y="1066800"/>
+            <a:ext cx="6400800" cy="1509712"/>
+          </a:xfrm>
+        </p:spPr>
+        <p:txBody>
           <a:bodyPr anchor="b"/>
           <a:lstStyle>
-            <a:lvl1pPr marL="0" indent="0" algn="r">
+            <a:lvl1pPr marL="18288" indent="0">
+              <a:lnSpc>
+                <a:spcPts val="2300"/>
+              </a:lnSpc>
+              <a:spcBef>
+                <a:spcPts val="0"/>
+              </a:spcBef>
               <a:buNone/>
               <a:defRPr sz="2000">
                 <a:solidFill>
                   <a:schemeClr val="tx2">
-                    <a:shade val="75000"/>
+                    <a:shade val="30000"/>
+                    <a:satMod val="150000"/>
                   </a:schemeClr>
                 </a:solidFill>
               </a:defRPr>
@@ -1014,6 +1167,7 @@
                 </a:solidFill>
               </a:defRPr>
             </a:lvl5pPr>
+            <a:extLst/>
           </a:lstStyle>
           <a:p>
             <a:pPr lvl="0" eaLnBrk="1" latinLnBrk="0" hangingPunct="1"/>
@@ -1026,7 +1180,7 @@
       </p:sp>
       <p:sp>
         <p:nvSpPr>
-          <p:cNvPr id="19" name="Datumsplatzhalter 18"/>
+          <p:cNvPr id="4" name="Datumsplatzhalter 3"/>
           <p:cNvSpPr>
             <a:spLocks noGrp="1"/>
           </p:cNvSpPr>
@@ -1037,7 +1191,9 @@
         <p:spPr/>
         <p:txBody>
           <a:bodyPr/>
-          <a:lstStyle/>
+          <a:lstStyle>
+            <a:extLst/>
+          </a:lstStyle>
           <a:p>
             <a:fld id="{5174542B-B21A-4025-B0A9-225DBF527871}" type="datetimeFigureOut">
               <a:rPr lang="de-DE" smtClean="0"/>
@@ -1049,7 +1205,7 @@
       </p:sp>
       <p:sp>
         <p:nvSpPr>
-          <p:cNvPr id="11" name="Fußzeilenplatzhalter 10"/>
+          <p:cNvPr id="5" name="Fußzeilenplatzhalter 4"/>
           <p:cNvSpPr>
             <a:spLocks noGrp="1"/>
           </p:cNvSpPr>
@@ -1060,7 +1216,9 @@
         <p:spPr/>
         <p:txBody>
           <a:bodyPr/>
-          <a:lstStyle/>
+          <a:lstStyle>
+            <a:extLst/>
+          </a:lstStyle>
           <a:p>
             <a:endParaRPr lang="de-DE"/>
           </a:p>
@@ -1068,7 +1226,7 @@
       </p:sp>
       <p:sp>
         <p:nvSpPr>
-          <p:cNvPr id="16" name="Foliennummernplatzhalter 15"/>
+          <p:cNvPr id="6" name="Foliennummernplatzhalter 5"/>
           <p:cNvSpPr>
             <a:spLocks noGrp="1"/>
           </p:cNvSpPr>
@@ -1079,7 +1237,9 @@
         <p:spPr/>
         <p:txBody>
           <a:bodyPr/>
-          <a:lstStyle/>
+          <a:lstStyle>
+            <a:extLst/>
+          </a:lstStyle>
           <a:p>
             <a:fld id="{A1B8449B-F5B3-4CD1-A5D9-FFDDEE314C7D}" type="slidenum">
               <a:rPr lang="de-DE" smtClean="0"/>
@@ -1091,32 +1251,194 @@
       </p:sp>
       <p:sp>
         <p:nvSpPr>
-          <p:cNvPr id="8" name="Titel 7"/>
-          <p:cNvSpPr>
-            <a:spLocks noGrp="1"/>
-          </p:cNvSpPr>
-          <p:nvPr>
-            <p:ph type="title"/>
-          </p:nvPr>
+          <p:cNvPr id="10" name="Rechteck 9"/>
+          <p:cNvSpPr/>
+          <p:nvPr/>
+        </p:nvSpPr>
+        <p:spPr bwMode="invGray">
+          <a:xfrm>
+            <a:off x="2286000" y="0"/>
+            <a:ext cx="76200" cy="6858054"/>
+          </a:xfrm>
+          <a:prstGeom prst="rect">
+            <a:avLst/>
+          </a:prstGeom>
+          <a:solidFill>
+            <a:schemeClr val="bg1"/>
+          </a:solidFill>
+          <a:ln w="25400" cap="rnd" cmpd="sng" algn="ctr">
+            <a:noFill/>
+            <a:prstDash val="solid"/>
+          </a:ln>
+          <a:effectLst>
+            <a:outerShdw blurRad="38550" dist="38000" dir="10800000" algn="tl" rotWithShape="0">
+              <a:schemeClr val="bg2">
+                <a:shade val="20000"/>
+                <a:satMod val="110000"/>
+                <a:alpha val="25000"/>
+              </a:schemeClr>
+            </a:outerShdw>
+          </a:effectLst>
+        </p:spPr>
+        <p:style>
+          <a:lnRef idx="3">
+            <a:schemeClr val="lt1"/>
+          </a:lnRef>
+          <a:fillRef idx="1">
+            <a:schemeClr val="accent1"/>
+          </a:fillRef>
+          <a:effectRef idx="1">
+            <a:schemeClr val="accent1"/>
+          </a:effectRef>
+          <a:fontRef idx="minor">
+            <a:schemeClr val="lt1"/>
+          </a:fontRef>
+        </p:style>
+        <p:txBody>
+          <a:bodyPr anchor="ctr"/>
+          <a:lstStyle>
+            <a:extLst/>
+          </a:lstStyle>
+          <a:p>
+            <a:pPr algn="ctr" eaLnBrk="1" latinLnBrk="0" hangingPunct="1"/>
+            <a:endParaRPr kumimoji="0" lang="en-US"/>
+          </a:p>
+        </p:txBody>
+      </p:sp>
+      <p:sp>
+        <p:nvSpPr>
+          <p:cNvPr id="8" name="Ellipse 7"/>
+          <p:cNvSpPr/>
+          <p:nvPr/>
         </p:nvSpPr>
         <p:spPr>
           <a:xfrm>
-            <a:off x="180475" y="2947085"/>
-            <a:ext cx="8686800" cy="1184825"/>
+            <a:off x="2172321" y="2814656"/>
+            <a:ext cx="210312" cy="210312"/>
           </a:xfrm>
+          <a:prstGeom prst="ellipse">
+            <a:avLst/>
+          </a:prstGeom>
+          <a:gradFill rotWithShape="1">
+            <a:gsLst>
+              <a:gs pos="0">
+                <a:schemeClr val="accent1">
+                  <a:tint val="20000"/>
+                  <a:satMod val="450000"/>
+                  <a:alpha val="95000"/>
+                </a:schemeClr>
+              </a:gs>
+              <a:gs pos="50000">
+                <a:schemeClr val="accent1">
+                  <a:tint val="38000"/>
+                  <a:satMod val="250000"/>
+                  <a:alpha val="90000"/>
+                </a:schemeClr>
+              </a:gs>
+              <a:gs pos="95000">
+                <a:schemeClr val="accent1">
+                  <a:tint val="75000"/>
+                  <a:satMod val="255000"/>
+                  <a:alpha val="88000"/>
+                </a:schemeClr>
+              </a:gs>
+              <a:gs pos="100000">
+                <a:schemeClr val="accent1">
+                  <a:tint val="100000"/>
+                  <a:shade val="90000"/>
+                  <a:satMod val="255000"/>
+                  <a:alpha val="85000"/>
+                </a:schemeClr>
+              </a:gs>
+            </a:gsLst>
+            <a:path path="circle">
+              <a:fillToRect l="25000" t="12500" r="75000" b="87500"/>
+            </a:path>
+          </a:gradFill>
+          <a:ln w="2000" cap="rnd" cmpd="sng" algn="ctr">
+            <a:solidFill>
+              <a:schemeClr val="accent1">
+                <a:shade val="90000"/>
+                <a:satMod val="110000"/>
+                <a:alpha val="60000"/>
+              </a:schemeClr>
+            </a:solidFill>
+            <a:prstDash val="solid"/>
+          </a:ln>
+          <a:effectLst/>
         </p:spPr>
-        <p:txBody>
-          <a:bodyPr rtlCol="0" anchor="t"/>
-          <a:lstStyle>
-            <a:lvl1pPr algn="r">
-              <a:defRPr/>
-            </a:lvl1pPr>
-          </a:lstStyle>
-          <a:p>
-            <a:r>
-              <a:rPr kumimoji="0" lang="de-DE" smtClean="0"/>
-              <a:t>Titelmasterformat durch Klicken bearbeiten</a:t>
-            </a:r>
+        <p:style>
+          <a:lnRef idx="1">
+            <a:schemeClr val="accent1"/>
+          </a:lnRef>
+          <a:fillRef idx="2">
+            <a:schemeClr val="accent1"/>
+          </a:fillRef>
+          <a:effectRef idx="1">
+            <a:schemeClr val="accent1"/>
+          </a:effectRef>
+          <a:fontRef idx="minor">
+            <a:schemeClr val="dk1"/>
+          </a:fontRef>
+        </p:style>
+        <p:txBody>
+          <a:bodyPr anchor="ctr"/>
+          <a:lstStyle>
+            <a:extLst/>
+          </a:lstStyle>
+          <a:p>
+            <a:pPr algn="ctr" eaLnBrk="1" latinLnBrk="0" hangingPunct="1"/>
+            <a:endParaRPr kumimoji="0" lang="en-US"/>
+          </a:p>
+        </p:txBody>
+      </p:sp>
+      <p:sp>
+        <p:nvSpPr>
+          <p:cNvPr id="9" name="Ellipse 8"/>
+          <p:cNvSpPr/>
+          <p:nvPr/>
+        </p:nvSpPr>
+        <p:spPr>
+          <a:xfrm>
+            <a:off x="2408064" y="2745870"/>
+            <a:ext cx="64008" cy="64008"/>
+          </a:xfrm>
+          <a:prstGeom prst="ellipse">
+            <a:avLst/>
+          </a:prstGeom>
+          <a:noFill/>
+          <a:ln w="12700" cap="rnd" cmpd="sng" algn="ctr">
+            <a:solidFill>
+              <a:schemeClr val="accent1">
+                <a:shade val="75000"/>
+                <a:alpha val="60000"/>
+              </a:schemeClr>
+            </a:solidFill>
+            <a:prstDash val="solid"/>
+          </a:ln>
+          <a:effectLst/>
+        </p:spPr>
+        <p:style>
+          <a:lnRef idx="1">
+            <a:schemeClr val="accent1"/>
+          </a:lnRef>
+          <a:fillRef idx="2">
+            <a:schemeClr val="accent1"/>
+          </a:fillRef>
+          <a:effectRef idx="1">
+            <a:schemeClr val="accent1"/>
+          </a:effectRef>
+          <a:fontRef idx="minor">
+            <a:schemeClr val="dk1"/>
+          </a:fontRef>
+        </p:style>
+        <p:txBody>
+          <a:bodyPr anchor="ctr"/>
+          <a:lstStyle>
+            <a:extLst/>
+          </a:lstStyle>
+          <a:p>
+            <a:pPr algn="ctr" eaLnBrk="1" latinLnBrk="0" hangingPunct="1"/>
             <a:endParaRPr kumimoji="0" lang="en-US"/>
           </a:p>
         </p:txBody>
@@ -1124,7 +1446,7 @@
     </p:spTree>
   </p:cSld>
   <p:clrMapOvr>
-    <a:overrideClrMapping bg1="dk1" tx1="lt1" bg2="dk2" tx2="lt2" accent1="accent1" accent2="accent2" accent3="accent3" accent4="accent4" accent5="accent5" accent6="accent6" hlink="hlink" folHlink="folHlink"/>
+    <a:masterClrMapping/>
   </p:clrMapOvr>
 </p:sldLayout>
 </file>
@@ -1148,7 +1470,7 @@
       </p:grpSpPr>
       <p:sp>
         <p:nvSpPr>
-          <p:cNvPr id="20" name="Titel 19"/>
+          <p:cNvPr id="2" name="Titel 1"/>
           <p:cNvSpPr>
             <a:spLocks noGrp="1"/>
           </p:cNvSpPr>
@@ -1158,13 +1480,15 @@
         </p:nvSpPr>
         <p:spPr>
           <a:xfrm>
-            <a:off x="301752" y="457200"/>
-            <a:ext cx="8686800" cy="841248"/>
+            <a:off x="1435608" y="274320"/>
+            <a:ext cx="7498080" cy="1143000"/>
           </a:xfrm>
         </p:spPr>
         <p:txBody>
           <a:bodyPr/>
-          <a:lstStyle/>
+          <a:lstStyle>
+            <a:extLst/>
+          </a:lstStyle>
           <a:p>
             <a:r>
               <a:rPr kumimoji="0" lang="de-DE" smtClean="0"/>
@@ -1176,7 +1500,7 @@
       </p:sp>
       <p:sp>
         <p:nvSpPr>
-          <p:cNvPr id="14" name="Inhaltsplatzhalter 13"/>
+          <p:cNvPr id="3" name="Inhaltsplatzhalter 2"/>
           <p:cNvSpPr>
             <a:spLocks noGrp="1"/>
           </p:cNvSpPr>
@@ -1186,8 +1510,8 @@
         </p:nvSpPr>
         <p:spPr>
           <a:xfrm>
-            <a:off x="304800" y="1600200"/>
-            <a:ext cx="4191000" cy="4724400"/>
+            <a:off x="1435608" y="1524000"/>
+            <a:ext cx="3657600" cy="4663440"/>
           </a:xfrm>
         </p:spPr>
         <p:txBody>
@@ -1208,6 +1532,7 @@
             <a:lvl5pPr>
               <a:defRPr sz="1800"/>
             </a:lvl5pPr>
+            <a:extLst/>
           </a:lstStyle>
           <a:p>
             <a:pPr lvl="0" eaLnBrk="1" latinLnBrk="0" hangingPunct="1"/>
@@ -1249,7 +1574,7 @@
       </p:sp>
       <p:sp>
         <p:nvSpPr>
-          <p:cNvPr id="13" name="Inhaltsplatzhalter 12"/>
+          <p:cNvPr id="4" name="Inhaltsplatzhalter 3"/>
           <p:cNvSpPr>
             <a:spLocks noGrp="1"/>
           </p:cNvSpPr>
@@ -1259,8 +1584,8 @@
         </p:nvSpPr>
         <p:spPr>
           <a:xfrm>
-            <a:off x="4648200" y="1600200"/>
-            <a:ext cx="4343400" cy="4724400"/>
+            <a:off x="5276088" y="1524000"/>
+            <a:ext cx="3657600" cy="4663440"/>
           </a:xfrm>
         </p:spPr>
         <p:txBody>
@@ -1281,6 +1606,7 @@
             <a:lvl5pPr>
               <a:defRPr sz="1800"/>
             </a:lvl5pPr>
+            <a:extLst/>
           </a:lstStyle>
           <a:p>
             <a:pPr lvl="0" eaLnBrk="1" latinLnBrk="0" hangingPunct="1"/>
@@ -1322,7 +1648,7 @@
       </p:sp>
       <p:sp>
         <p:nvSpPr>
-          <p:cNvPr id="21" name="Datumsplatzhalter 20"/>
+          <p:cNvPr id="5" name="Datumsplatzhalter 4"/>
           <p:cNvSpPr>
             <a:spLocks noGrp="1"/>
           </p:cNvSpPr>
@@ -1333,7 +1659,9 @@
         <p:spPr/>
         <p:txBody>
           <a:bodyPr/>
-          <a:lstStyle/>
+          <a:lstStyle>
+            <a:extLst/>
+          </a:lstStyle>
           <a:p>
             <a:fld id="{5174542B-B21A-4025-B0A9-225DBF527871}" type="datetimeFigureOut">
               <a:rPr lang="de-DE" smtClean="0"/>
@@ -1345,7 +1673,7 @@
       </p:sp>
       <p:sp>
         <p:nvSpPr>
-          <p:cNvPr id="10" name="Fußzeilenplatzhalter 9"/>
+          <p:cNvPr id="6" name="Fußzeilenplatzhalter 5"/>
           <p:cNvSpPr>
             <a:spLocks noGrp="1"/>
           </p:cNvSpPr>
@@ -1356,7 +1684,9 @@
         <p:spPr/>
         <p:txBody>
           <a:bodyPr/>
-          <a:lstStyle/>
+          <a:lstStyle>
+            <a:extLst/>
+          </a:lstStyle>
           <a:p>
             <a:endParaRPr lang="de-DE"/>
           </a:p>
@@ -1364,7 +1694,7 @@
       </p:sp>
       <p:sp>
         <p:nvSpPr>
-          <p:cNvPr id="31" name="Foliennummernplatzhalter 30"/>
+          <p:cNvPr id="7" name="Foliennummernplatzhalter 6"/>
           <p:cNvSpPr>
             <a:spLocks noGrp="1"/>
           </p:cNvSpPr>
@@ -1375,7 +1705,9 @@
         <p:spPr/>
         <p:txBody>
           <a:bodyPr/>
-          <a:lstStyle/>
+          <a:lstStyle>
+            <a:extLst/>
+          </a:lstStyle>
           <a:p>
             <a:fld id="{A1B8449B-F5B3-4CD1-A5D9-FFDDEE314C7D}" type="slidenum">
               <a:rPr lang="de-DE" smtClean="0"/>
@@ -1412,7 +1744,7 @@
       </p:grpSpPr>
       <p:sp>
         <p:nvSpPr>
-          <p:cNvPr id="29" name="Titel 28"/>
+          <p:cNvPr id="2" name="Titel 1"/>
           <p:cNvSpPr>
             <a:spLocks noGrp="1"/>
           </p:cNvSpPr>
@@ -1422,16 +1754,17 @@
         </p:nvSpPr>
         <p:spPr>
           <a:xfrm>
-            <a:off x="304800" y="5410200"/>
-            <a:ext cx="8610600" cy="882650"/>
+            <a:off x="457200" y="5160336"/>
+            <a:ext cx="8229600" cy="1143000"/>
           </a:xfrm>
         </p:spPr>
         <p:txBody>
           <a:bodyPr anchor="ctr"/>
           <a:lstStyle>
-            <a:lvl1pPr>
-              <a:defRPr/>
+            <a:lvl1pPr algn="ctr">
+              <a:defRPr sz="4500" b="1" cap="none" baseline="0"/>
             </a:lvl1pPr>
+            <a:extLst/>
           </a:lstStyle>
           <a:p>
             <a:r>
@@ -1444,7 +1777,7 @@
       </p:sp>
       <p:sp>
         <p:nvSpPr>
-          <p:cNvPr id="13" name="Textplatzhalter 12"/>
+          <p:cNvPr id="3" name="Textplatzhalter 2"/>
           <p:cNvSpPr>
             <a:spLocks noGrp="1"/>
           </p:cNvSpPr>
@@ -1454,24 +1787,34 @@
         </p:nvSpPr>
         <p:spPr>
           <a:xfrm>
-            <a:off x="281444" y="666750"/>
-            <a:ext cx="4290556" cy="639762"/>
+            <a:off x="457200" y="328278"/>
+            <a:ext cx="4023360" cy="640080"/>
           </a:xfrm>
+          <a:solidFill>
+            <a:schemeClr val="bg1"/>
+          </a:solidFill>
+          <a:ln w="10795">
+            <a:solidFill>
+              <a:schemeClr val="bg1"/>
+            </a:solidFill>
+            <a:miter lim="800000"/>
+          </a:ln>
         </p:spPr>
         <p:txBody>
           <a:bodyPr anchor="ctr"/>
           <a:lstStyle>
-            <a:lvl1pPr marL="0" indent="0">
+            <a:lvl1pPr marL="64008" indent="0" algn="l">
+              <a:lnSpc>
+                <a:spcPct val="100000"/>
+              </a:lnSpc>
+              <a:spcBef>
+                <a:spcPts val="100"/>
+              </a:spcBef>
               <a:buNone/>
-              <a:defRPr sz="1800" b="0" cap="all" baseline="0">
+              <a:defRPr sz="1900" b="0">
                 <a:solidFill>
-                  <a:schemeClr val="accent1">
-                    <a:shade val="50000"/>
-                  </a:schemeClr>
+                  <a:schemeClr val="tx1"/>
                 </a:solidFill>
-                <a:latin typeface="+mj-lt"/>
-                <a:ea typeface="+mj-ea"/>
-                <a:cs typeface="+mj-cs"/>
               </a:defRPr>
             </a:lvl1pPr>
             <a:lvl2pPr>
@@ -1490,6 +1833,7 @@
               <a:buNone/>
               <a:defRPr sz="1600" b="1"/>
             </a:lvl5pPr>
+            <a:extLst/>
           </a:lstStyle>
           <a:p>
             <a:pPr lvl="0" eaLnBrk="1" latinLnBrk="0" hangingPunct="1"/>
@@ -1502,7 +1846,7 @@
       </p:sp>
       <p:sp>
         <p:nvSpPr>
-          <p:cNvPr id="25" name="Textplatzhalter 24"/>
+          <p:cNvPr id="4" name="Textplatzhalter 3"/>
           <p:cNvSpPr>
             <a:spLocks noGrp="1"/>
           </p:cNvSpPr>
@@ -1512,24 +1856,34 @@
         </p:nvSpPr>
         <p:spPr>
           <a:xfrm>
-            <a:off x="4645025" y="666750"/>
-            <a:ext cx="4292241" cy="639762"/>
+            <a:off x="4663440" y="328278"/>
+            <a:ext cx="4023360" cy="640080"/>
           </a:xfrm>
+          <a:solidFill>
+            <a:schemeClr val="bg1"/>
+          </a:solidFill>
+          <a:ln w="10795">
+            <a:solidFill>
+              <a:schemeClr val="bg1"/>
+            </a:solidFill>
+            <a:miter lim="800000"/>
+          </a:ln>
         </p:spPr>
         <p:txBody>
           <a:bodyPr anchor="ctr"/>
           <a:lstStyle>
-            <a:lvl1pPr marL="0" indent="0">
+            <a:lvl1pPr marL="64008" indent="0" algn="l">
+              <a:lnSpc>
+                <a:spcPct val="100000"/>
+              </a:lnSpc>
+              <a:spcBef>
+                <a:spcPts val="100"/>
+              </a:spcBef>
               <a:buNone/>
-              <a:defRPr sz="1800" b="0" cap="all" baseline="0">
+              <a:defRPr sz="1900" b="0">
                 <a:solidFill>
-                  <a:schemeClr val="accent1">
-                    <a:shade val="50000"/>
-                  </a:schemeClr>
+                  <a:schemeClr val="tx1"/>
                 </a:solidFill>
-                <a:latin typeface="+mj-lt"/>
-                <a:ea typeface="+mj-ea"/>
-                <a:cs typeface="+mj-cs"/>
               </a:defRPr>
             </a:lvl1pPr>
             <a:lvl2pPr>
@@ -1548,6 +1902,7 @@
               <a:buNone/>
               <a:defRPr sz="1600" b="1"/>
             </a:lvl5pPr>
+            <a:extLst/>
           </a:lstStyle>
           <a:p>
             <a:pPr lvl="0" eaLnBrk="1" latinLnBrk="0" hangingPunct="1"/>
@@ -1560,7 +1915,7 @@
       </p:sp>
       <p:sp>
         <p:nvSpPr>
-          <p:cNvPr id="4" name="Inhaltsplatzhalter 3"/>
+          <p:cNvPr id="5" name="Inhaltsplatzhalter 4"/>
           <p:cNvSpPr>
             <a:spLocks noGrp="1"/>
           </p:cNvSpPr>
@@ -1570,28 +1925,66 @@
         </p:nvSpPr>
         <p:spPr>
           <a:xfrm>
-            <a:off x="281444" y="1316037"/>
-            <a:ext cx="4290556" cy="3941763"/>
+            <a:off x="457200" y="969336"/>
+            <a:ext cx="4023360" cy="4114800"/>
           </a:xfrm>
+          <a:ln w="10795">
+            <a:solidFill>
+              <a:schemeClr val="bg1"/>
+            </a:solidFill>
+            <a:prstDash val="dash"/>
+            <a:miter lim="800000"/>
+          </a:ln>
         </p:spPr>
         <p:txBody>
           <a:bodyPr/>
           <a:lstStyle>
-            <a:lvl1pPr>
+            <a:lvl1pPr marL="393192" indent="-274320">
+              <a:lnSpc>
+                <a:spcPct val="100000"/>
+              </a:lnSpc>
+              <a:spcBef>
+                <a:spcPts val="700"/>
+              </a:spcBef>
               <a:defRPr sz="2400"/>
             </a:lvl1pPr>
             <a:lvl2pPr>
+              <a:lnSpc>
+                <a:spcPct val="100000"/>
+              </a:lnSpc>
+              <a:spcBef>
+                <a:spcPts val="700"/>
+              </a:spcBef>
               <a:defRPr sz="2000"/>
             </a:lvl2pPr>
             <a:lvl3pPr>
+              <a:lnSpc>
+                <a:spcPct val="100000"/>
+              </a:lnSpc>
+              <a:spcBef>
+                <a:spcPts val="700"/>
+              </a:spcBef>
               <a:defRPr sz="1800"/>
             </a:lvl3pPr>
             <a:lvl4pPr>
+              <a:lnSpc>
+                <a:spcPct val="100000"/>
+              </a:lnSpc>
+              <a:spcBef>
+                <a:spcPts val="700"/>
+              </a:spcBef>
               <a:defRPr sz="1600"/>
             </a:lvl4pPr>
             <a:lvl5pPr>
+              <a:lnSpc>
+                <a:spcPct val="100000"/>
+              </a:lnSpc>
+              <a:spcBef>
+                <a:spcPts val="700"/>
+              </a:spcBef>
               <a:defRPr sz="1600"/>
             </a:lvl5pPr>
+            <a:extLst/>
           </a:lstStyle>
           <a:p>
             <a:pPr lvl="0" eaLnBrk="1" latinLnBrk="0" hangingPunct="1"/>
@@ -1633,7 +2026,7 @@
       </p:sp>
       <p:sp>
         <p:nvSpPr>
-          <p:cNvPr id="28" name="Inhaltsplatzhalter 27"/>
+          <p:cNvPr id="6" name="Inhaltsplatzhalter 5"/>
           <p:cNvSpPr>
             <a:spLocks noGrp="1"/>
           </p:cNvSpPr>
@@ -1643,28 +2036,66 @@
         </p:nvSpPr>
         <p:spPr>
           <a:xfrm>
-            <a:off x="4648730" y="1316037"/>
-            <a:ext cx="4288536" cy="3941763"/>
+            <a:off x="4663440" y="969336"/>
+            <a:ext cx="4023360" cy="4114800"/>
           </a:xfrm>
+          <a:ln w="10795">
+            <a:solidFill>
+              <a:schemeClr val="bg1"/>
+            </a:solidFill>
+            <a:prstDash val="dash"/>
+            <a:miter lim="800000"/>
+          </a:ln>
         </p:spPr>
         <p:txBody>
           <a:bodyPr/>
           <a:lstStyle>
-            <a:lvl1pPr>
+            <a:lvl1pPr marL="393192" indent="-274320">
+              <a:lnSpc>
+                <a:spcPct val="100000"/>
+              </a:lnSpc>
+              <a:spcBef>
+                <a:spcPts val="700"/>
+              </a:spcBef>
               <a:defRPr sz="2400"/>
             </a:lvl1pPr>
             <a:lvl2pPr>
+              <a:lnSpc>
+                <a:spcPct val="100000"/>
+              </a:lnSpc>
+              <a:spcBef>
+                <a:spcPts val="700"/>
+              </a:spcBef>
               <a:defRPr sz="2000"/>
             </a:lvl2pPr>
             <a:lvl3pPr>
+              <a:lnSpc>
+                <a:spcPct val="100000"/>
+              </a:lnSpc>
+              <a:spcBef>
+                <a:spcPts val="700"/>
+              </a:spcBef>
               <a:defRPr sz="1800"/>
             </a:lvl3pPr>
             <a:lvl4pPr>
+              <a:lnSpc>
+                <a:spcPct val="100000"/>
+              </a:lnSpc>
+              <a:spcBef>
+                <a:spcPts val="700"/>
+              </a:spcBef>
               <a:defRPr sz="1600"/>
             </a:lvl4pPr>
             <a:lvl5pPr>
+              <a:lnSpc>
+                <a:spcPct val="100000"/>
+              </a:lnSpc>
+              <a:spcBef>
+                <a:spcPts val="700"/>
+              </a:spcBef>
               <a:defRPr sz="1600"/>
             </a:lvl5pPr>
+            <a:extLst/>
           </a:lstStyle>
           <a:p>
             <a:pPr lvl="0" eaLnBrk="1" latinLnBrk="0" hangingPunct="1"/>
@@ -1706,7 +2137,7 @@
       </p:sp>
       <p:sp>
         <p:nvSpPr>
-          <p:cNvPr id="10" name="Datumsplatzhalter 9"/>
+          <p:cNvPr id="7" name="Datumsplatzhalter 6"/>
           <p:cNvSpPr>
             <a:spLocks noGrp="1"/>
           </p:cNvSpPr>
@@ -1717,7 +2148,9 @@
         <p:spPr/>
         <p:txBody>
           <a:bodyPr/>
-          <a:lstStyle/>
+          <a:lstStyle>
+            <a:extLst/>
+          </a:lstStyle>
           <a:p>
             <a:fld id="{5174542B-B21A-4025-B0A9-225DBF527871}" type="datetimeFigureOut">
               <a:rPr lang="de-DE" smtClean="0"/>
@@ -1729,7 +2162,7 @@
       </p:sp>
       <p:sp>
         <p:nvSpPr>
-          <p:cNvPr id="6" name="Fußzeilenplatzhalter 5"/>
+          <p:cNvPr id="8" name="Fußzeilenplatzhalter 7"/>
           <p:cNvSpPr>
             <a:spLocks noGrp="1"/>
           </p:cNvSpPr>
@@ -1740,7 +2173,9 @@
         <p:spPr/>
         <p:txBody>
           <a:bodyPr/>
-          <a:lstStyle/>
+          <a:lstStyle>
+            <a:extLst/>
+          </a:lstStyle>
           <a:p>
             <a:endParaRPr lang="de-DE"/>
           </a:p>
@@ -1748,7 +2183,7 @@
       </p:sp>
       <p:sp>
         <p:nvSpPr>
-          <p:cNvPr id="7" name="Foliennummernplatzhalter 6"/>
+          <p:cNvPr id="9" name="Foliennummernplatzhalter 8"/>
           <p:cNvSpPr>
             <a:spLocks noGrp="1"/>
           </p:cNvSpPr>
@@ -1756,71 +2191,18 @@
             <p:ph type="sldNum" sz="quarter" idx="12"/>
           </p:nvPr>
         </p:nvSpPr>
-        <p:spPr>
-          <a:xfrm>
-            <a:off x="8229600" y="6477000"/>
-            <a:ext cx="762000" cy="246888"/>
-          </a:xfrm>
-        </p:spPr>
+        <p:spPr/>
         <p:txBody>
           <a:bodyPr/>
-          <a:lstStyle/>
+          <a:lstStyle>
+            <a:extLst/>
+          </a:lstStyle>
           <a:p>
             <a:fld id="{A1B8449B-F5B3-4CD1-A5D9-FFDDEE314C7D}" type="slidenum">
               <a:rPr lang="de-DE" smtClean="0"/>
               <a:t>‹Nr.›</a:t>
             </a:fld>
             <a:endParaRPr lang="de-DE"/>
-          </a:p>
-        </p:txBody>
-      </p:sp>
-      <p:sp>
-        <p:nvSpPr>
-          <p:cNvPr id="11" name="Gerade Verbindung 10"/>
-          <p:cNvSpPr>
-            <a:spLocks noChangeShapeType="1"/>
-          </p:cNvSpPr>
-          <p:nvPr/>
-        </p:nvSpPr>
-        <p:spPr bwMode="auto">
-          <a:xfrm>
-            <a:off x="514350" y="6019800"/>
-            <a:ext cx="8629650" cy="2381"/>
-          </a:xfrm>
-          <a:prstGeom prst="line">
-            <a:avLst/>
-          </a:prstGeom>
-          <a:noFill/>
-          <a:ln w="9525" cap="flat" cmpd="sng" algn="ctr">
-            <a:gradFill flip="none" rotWithShape="1">
-              <a:gsLst>
-                <a:gs pos="0">
-                  <a:schemeClr val="accent1">
-                    <a:alpha val="0"/>
-                  </a:schemeClr>
-                </a:gs>
-                <a:gs pos="17000">
-                  <a:schemeClr val="accent1"/>
-                </a:gs>
-                <a:gs pos="100000">
-                  <a:schemeClr val="accent1"/>
-                </a:gs>
-              </a:gsLst>
-              <a:lin ang="0" scaled="1"/>
-              <a:tileRect/>
-            </a:gradFill>
-            <a:prstDash val="solid"/>
-            <a:round/>
-            <a:headEnd type="none" w="med" len="med"/>
-            <a:tailEnd type="none" w="med" len="med"/>
-          </a:ln>
-          <a:effectLst/>
-        </p:spPr>
-        <p:txBody>
-          <a:bodyPr vert="horz" wrap="square" lIns="91440" tIns="45720" rIns="91440" bIns="45720" anchor="t" compatLnSpc="1"/>
-          <a:lstStyle/>
-          <a:p>
-            <a:endParaRPr kumimoji="0" lang="en-US"/>
           </a:p>
         </p:txBody>
       </p:sp>
@@ -1851,7 +2233,7 @@
       </p:grpSpPr>
       <p:sp>
         <p:nvSpPr>
-          <p:cNvPr id="30" name="Titel 29"/>
+          <p:cNvPr id="2" name="Titel 1"/>
           <p:cNvSpPr>
             <a:spLocks noGrp="1"/>
           </p:cNvSpPr>
@@ -1861,13 +2243,15 @@
         </p:nvSpPr>
         <p:spPr>
           <a:xfrm>
-            <a:off x="301752" y="457200"/>
-            <a:ext cx="8686800" cy="841248"/>
+            <a:off x="1435608" y="274320"/>
+            <a:ext cx="7498080" cy="1143000"/>
           </a:xfrm>
         </p:spPr>
         <p:txBody>
-          <a:bodyPr/>
-          <a:lstStyle/>
+          <a:bodyPr anchor="ctr"/>
+          <a:lstStyle>
+            <a:extLst/>
+          </a:lstStyle>
           <a:p>
             <a:r>
               <a:rPr kumimoji="0" lang="de-DE" smtClean="0"/>
@@ -1879,7 +2263,7 @@
       </p:sp>
       <p:sp>
         <p:nvSpPr>
-          <p:cNvPr id="12" name="Datumsplatzhalter 11"/>
+          <p:cNvPr id="3" name="Datumsplatzhalter 2"/>
           <p:cNvSpPr>
             <a:spLocks noGrp="1"/>
           </p:cNvSpPr>
@@ -1890,7 +2274,9 @@
         <p:spPr/>
         <p:txBody>
           <a:bodyPr/>
-          <a:lstStyle/>
+          <a:lstStyle>
+            <a:extLst/>
+          </a:lstStyle>
           <a:p>
             <a:fld id="{5174542B-B21A-4025-B0A9-225DBF527871}" type="datetimeFigureOut">
               <a:rPr lang="de-DE" smtClean="0"/>
@@ -1902,7 +2288,7 @@
       </p:sp>
       <p:sp>
         <p:nvSpPr>
-          <p:cNvPr id="21" name="Fußzeilenplatzhalter 20"/>
+          <p:cNvPr id="4" name="Fußzeilenplatzhalter 3"/>
           <p:cNvSpPr>
             <a:spLocks noGrp="1"/>
           </p:cNvSpPr>
@@ -1913,7 +2299,9 @@
         <p:spPr/>
         <p:txBody>
           <a:bodyPr/>
-          <a:lstStyle/>
+          <a:lstStyle>
+            <a:extLst/>
+          </a:lstStyle>
           <a:p>
             <a:endParaRPr lang="de-DE"/>
           </a:p>
@@ -1921,7 +2309,7 @@
       </p:sp>
       <p:sp>
         <p:nvSpPr>
-          <p:cNvPr id="6" name="Foliennummernplatzhalter 5"/>
+          <p:cNvPr id="5" name="Foliennummernplatzhalter 4"/>
           <p:cNvSpPr>
             <a:spLocks noGrp="1"/>
           </p:cNvSpPr>
@@ -1932,7 +2320,9 @@
         <p:spPr/>
         <p:txBody>
           <a:bodyPr/>
-          <a:lstStyle/>
+          <a:lstStyle>
+            <a:extLst/>
+          </a:lstStyle>
           <a:p>
             <a:fld id="{A1B8449B-F5B3-4CD1-A5D9-FFDDEE314C7D}" type="slidenum">
               <a:rPr lang="de-DE" smtClean="0"/>
@@ -1969,7 +2359,55 @@
       </p:grpSpPr>
       <p:sp>
         <p:nvSpPr>
-          <p:cNvPr id="3" name="Datumsplatzhalter 2"/>
+          <p:cNvPr id="5" name="Rechteck 4"/>
+          <p:cNvSpPr/>
+          <p:nvPr/>
+        </p:nvSpPr>
+        <p:spPr>
+          <a:xfrm>
+            <a:off x="1014984" y="0"/>
+            <a:ext cx="8129016" cy="6858000"/>
+          </a:xfrm>
+          <a:prstGeom prst="rect">
+            <a:avLst/>
+          </a:prstGeom>
+          <a:solidFill>
+            <a:schemeClr val="bg1"/>
+          </a:solidFill>
+          <a:ln w="25400" cap="rnd" cmpd="sng" algn="ctr">
+            <a:noFill/>
+            <a:prstDash val="solid"/>
+          </a:ln>
+          <a:effectLst/>
+        </p:spPr>
+        <p:style>
+          <a:lnRef idx="3">
+            <a:schemeClr val="lt1"/>
+          </a:lnRef>
+          <a:fillRef idx="1">
+            <a:schemeClr val="accent1"/>
+          </a:fillRef>
+          <a:effectRef idx="1">
+            <a:schemeClr val="accent1"/>
+          </a:effectRef>
+          <a:fontRef idx="minor">
+            <a:schemeClr val="lt1"/>
+          </a:fontRef>
+        </p:style>
+        <p:txBody>
+          <a:bodyPr anchor="ctr"/>
+          <a:lstStyle>
+            <a:extLst/>
+          </a:lstStyle>
+          <a:p>
+            <a:pPr algn="ctr" eaLnBrk="1" latinLnBrk="0" hangingPunct="1"/>
+            <a:endParaRPr kumimoji="0" lang="en-US"/>
+          </a:p>
+        </p:txBody>
+      </p:sp>
+      <p:sp>
+        <p:nvSpPr>
+          <p:cNvPr id="2" name="Datumsplatzhalter 1"/>
           <p:cNvSpPr>
             <a:spLocks noGrp="1"/>
           </p:cNvSpPr>
@@ -1980,7 +2418,9 @@
         <p:spPr/>
         <p:txBody>
           <a:bodyPr/>
-          <a:lstStyle/>
+          <a:lstStyle>
+            <a:extLst/>
+          </a:lstStyle>
           <a:p>
             <a:fld id="{5174542B-B21A-4025-B0A9-225DBF527871}" type="datetimeFigureOut">
               <a:rPr lang="de-DE" smtClean="0"/>
@@ -1992,7 +2432,7 @@
       </p:sp>
       <p:sp>
         <p:nvSpPr>
-          <p:cNvPr id="24" name="Fußzeilenplatzhalter 23"/>
+          <p:cNvPr id="3" name="Fußzeilenplatzhalter 2"/>
           <p:cNvSpPr>
             <a:spLocks noGrp="1"/>
           </p:cNvSpPr>
@@ -2003,7 +2443,9 @@
         <p:spPr/>
         <p:txBody>
           <a:bodyPr/>
-          <a:lstStyle/>
+          <a:lstStyle>
+            <a:extLst/>
+          </a:lstStyle>
           <a:p>
             <a:endParaRPr lang="de-DE"/>
           </a:p>
@@ -2011,7 +2453,7 @@
       </p:sp>
       <p:sp>
         <p:nvSpPr>
-          <p:cNvPr id="7" name="Foliennummernplatzhalter 6"/>
+          <p:cNvPr id="4" name="Foliennummernplatzhalter 3"/>
           <p:cNvSpPr>
             <a:spLocks noGrp="1"/>
           </p:cNvSpPr>
@@ -2022,13 +2464,71 @@
         <p:spPr/>
         <p:txBody>
           <a:bodyPr/>
-          <a:lstStyle/>
+          <a:lstStyle>
+            <a:extLst/>
+          </a:lstStyle>
           <a:p>
             <a:fld id="{A1B8449B-F5B3-4CD1-A5D9-FFDDEE314C7D}" type="slidenum">
               <a:rPr lang="de-DE" smtClean="0"/>
               <a:t>‹Nr.›</a:t>
             </a:fld>
             <a:endParaRPr lang="de-DE"/>
+          </a:p>
+        </p:txBody>
+      </p:sp>
+      <p:sp>
+        <p:nvSpPr>
+          <p:cNvPr id="6" name="Rechteck 5"/>
+          <p:cNvSpPr/>
+          <p:nvPr/>
+        </p:nvSpPr>
+        <p:spPr bwMode="invGray">
+          <a:xfrm>
+            <a:off x="1014984" y="-54"/>
+            <a:ext cx="73152" cy="6858054"/>
+          </a:xfrm>
+          <a:prstGeom prst="rect">
+            <a:avLst/>
+          </a:prstGeom>
+          <a:solidFill>
+            <a:schemeClr val="bg1"/>
+          </a:solidFill>
+          <a:ln w="25400" cap="rnd" cmpd="sng" algn="ctr">
+            <a:noFill/>
+            <a:prstDash val="solid"/>
+          </a:ln>
+          <a:effectLst>
+            <a:outerShdw blurRad="38550" dist="38000" dir="10800000" algn="tl" rotWithShape="0">
+              <a:schemeClr val="bg2">
+                <a:shade val="20000"/>
+                <a:satMod val="110000"/>
+                <a:alpha val="25000"/>
+              </a:schemeClr>
+            </a:outerShdw>
+          </a:effectLst>
+        </p:spPr>
+        <p:style>
+          <a:lnRef idx="3">
+            <a:schemeClr val="lt1"/>
+          </a:lnRef>
+          <a:fillRef idx="1">
+            <a:schemeClr val="accent1"/>
+          </a:fillRef>
+          <a:effectRef idx="1">
+            <a:schemeClr val="accent1"/>
+          </a:effectRef>
+          <a:fontRef idx="minor">
+            <a:schemeClr val="lt1"/>
+          </a:fontRef>
+        </p:style>
+        <p:txBody>
+          <a:bodyPr anchor="ctr"/>
+          <a:lstStyle>
+            <a:extLst/>
+          </a:lstStyle>
+          <a:p>
+            <a:pPr algn="ctr" eaLnBrk="1" latinLnBrk="0" hangingPunct="1"/>
+            <a:endParaRPr kumimoji="0" lang="en-US"/>
           </a:p>
         </p:txBody>
       </p:sp>
@@ -2059,57 +2559,7 @@
       </p:grpSpPr>
       <p:sp>
         <p:nvSpPr>
-          <p:cNvPr id="8" name="Gerade Verbindung 7"/>
-          <p:cNvSpPr>
-            <a:spLocks noChangeShapeType="1"/>
-          </p:cNvSpPr>
-          <p:nvPr/>
-        </p:nvSpPr>
-        <p:spPr bwMode="auto">
-          <a:xfrm>
-            <a:off x="514350" y="5849117"/>
-            <a:ext cx="8629650" cy="2381"/>
-          </a:xfrm>
-          <a:prstGeom prst="line">
-            <a:avLst/>
-          </a:prstGeom>
-          <a:noFill/>
-          <a:ln w="9525" cap="flat" cmpd="sng" algn="ctr">
-            <a:gradFill flip="none" rotWithShape="1">
-              <a:gsLst>
-                <a:gs pos="0">
-                  <a:schemeClr val="accent1">
-                    <a:alpha val="0"/>
-                  </a:schemeClr>
-                </a:gs>
-                <a:gs pos="17000">
-                  <a:schemeClr val="accent1"/>
-                </a:gs>
-                <a:gs pos="100000">
-                  <a:schemeClr val="accent1"/>
-                </a:gs>
-              </a:gsLst>
-              <a:lin ang="0" scaled="1"/>
-              <a:tileRect/>
-            </a:gradFill>
-            <a:prstDash val="solid"/>
-            <a:round/>
-            <a:headEnd type="none" w="med" len="med"/>
-            <a:tailEnd type="none" w="med" len="med"/>
-          </a:ln>
-          <a:effectLst/>
-        </p:spPr>
-        <p:txBody>
-          <a:bodyPr vert="horz" wrap="square" lIns="91440" tIns="45720" rIns="91440" bIns="45720" anchor="t" compatLnSpc="1"/>
-          <a:lstStyle/>
-          <a:p>
-            <a:endParaRPr kumimoji="0" lang="en-US"/>
-          </a:p>
-        </p:txBody>
-      </p:sp>
-      <p:sp>
-        <p:nvSpPr>
-          <p:cNvPr id="12" name="Titel 11"/>
+          <p:cNvPr id="2" name="Titel 1"/>
           <p:cNvSpPr>
             <a:spLocks noGrp="1"/>
           </p:cNvSpPr>
@@ -2119,47 +2569,60 @@
         </p:nvSpPr>
         <p:spPr>
           <a:xfrm>
-            <a:off x="457200" y="5486400"/>
-            <a:ext cx="8458200" cy="520700"/>
+            <a:off x="457200" y="216778"/>
+            <a:ext cx="3810000" cy="1162050"/>
+          </a:xfrm>
+          <a:ln>
+            <a:noFill/>
+          </a:ln>
+        </p:spPr>
+        <p:txBody>
+          <a:bodyPr anchor="b"/>
+          <a:lstStyle>
+            <a:lvl1pPr algn="l">
+              <a:lnSpc>
+                <a:spcPts val="2000"/>
+              </a:lnSpc>
+              <a:buNone/>
+              <a:defRPr sz="2200" b="1" cap="all" baseline="0"/>
+            </a:lvl1pPr>
+            <a:extLst/>
+          </a:lstStyle>
+          <a:p>
+            <a:r>
+              <a:rPr kumimoji="0" lang="de-DE" smtClean="0"/>
+              <a:t>Titelmasterformat durch Klicken bearbeiten</a:t>
+            </a:r>
+            <a:endParaRPr kumimoji="0" lang="en-US"/>
+          </a:p>
+        </p:txBody>
+      </p:sp>
+      <p:sp>
+        <p:nvSpPr>
+          <p:cNvPr id="3" name="Textplatzhalter 2"/>
+          <p:cNvSpPr>
+            <a:spLocks noGrp="1"/>
+          </p:cNvSpPr>
+          <p:nvPr>
+            <p:ph type="body" idx="2"/>
+          </p:nvPr>
+        </p:nvSpPr>
+        <p:spPr>
+          <a:xfrm>
+            <a:off x="457200" y="1406964"/>
+            <a:ext cx="3810000" cy="698500"/>
           </a:xfrm>
         </p:spPr>
         <p:txBody>
-          <a:bodyPr anchor="ctr"/>
-          <a:lstStyle>
-            <a:lvl1pPr algn="l">
-              <a:buNone/>
-              <a:defRPr sz="2000" b="1"/>
-            </a:lvl1pPr>
-          </a:lstStyle>
-          <a:p>
-            <a:r>
-              <a:rPr kumimoji="0" lang="de-DE" smtClean="0"/>
-              <a:t>Titelmasterformat durch Klicken bearbeiten</a:t>
-            </a:r>
-            <a:endParaRPr kumimoji="0" lang="en-US"/>
-          </a:p>
-        </p:txBody>
-      </p:sp>
-      <p:sp>
-        <p:nvSpPr>
-          <p:cNvPr id="26" name="Textplatzhalter 25"/>
-          <p:cNvSpPr>
-            <a:spLocks noGrp="1"/>
-          </p:cNvSpPr>
-          <p:nvPr>
-            <p:ph type="body" idx="2"/>
-          </p:nvPr>
-        </p:nvSpPr>
-        <p:spPr>
-          <a:xfrm>
-            <a:off x="457200" y="609600"/>
-            <a:ext cx="3008313" cy="4800600"/>
-          </a:xfrm>
-        </p:spPr>
-        <p:txBody>
           <a:bodyPr/>
           <a:lstStyle>
-            <a:lvl1pPr marL="0" indent="0">
+            <a:lvl1pPr marL="45720" indent="0">
+              <a:lnSpc>
+                <a:spcPct val="100000"/>
+              </a:lnSpc>
+              <a:spcBef>
+                <a:spcPts val="0"/>
+              </a:spcBef>
               <a:buNone/>
               <a:defRPr sz="1400"/>
             </a:lvl1pPr>
@@ -2179,6 +2642,7 @@
               <a:buNone/>
               <a:defRPr sz="900"/>
             </a:lvl5pPr>
+            <a:extLst/>
           </a:lstStyle>
           <a:p>
             <a:pPr lvl="0" eaLnBrk="1" latinLnBrk="0" hangingPunct="1"/>
@@ -2191,7 +2655,7 @@
       </p:sp>
       <p:sp>
         <p:nvSpPr>
-          <p:cNvPr id="14" name="Inhaltsplatzhalter 13"/>
+          <p:cNvPr id="4" name="Inhaltsplatzhalter 3"/>
           <p:cNvSpPr>
             <a:spLocks noGrp="1"/>
           </p:cNvSpPr>
@@ -2201,8 +2665,8 @@
         </p:nvSpPr>
         <p:spPr>
           <a:xfrm>
-            <a:off x="3575050" y="609600"/>
-            <a:ext cx="5340350" cy="4800600"/>
+            <a:off x="457200" y="2133600"/>
+            <a:ext cx="8153400" cy="3992563"/>
           </a:xfrm>
         </p:spPr>
         <p:txBody>
@@ -2223,6 +2687,7 @@
             <a:lvl5pPr>
               <a:defRPr sz="2000"/>
             </a:lvl5pPr>
+            <a:extLst/>
           </a:lstStyle>
           <a:p>
             <a:pPr lvl="0" eaLnBrk="1" latinLnBrk="0" hangingPunct="1"/>
@@ -2264,7 +2729,7 @@
       </p:sp>
       <p:sp>
         <p:nvSpPr>
-          <p:cNvPr id="25" name="Datumsplatzhalter 24"/>
+          <p:cNvPr id="5" name="Datumsplatzhalter 4"/>
           <p:cNvSpPr>
             <a:spLocks noGrp="1"/>
           </p:cNvSpPr>
@@ -2275,7 +2740,9 @@
         <p:spPr/>
         <p:txBody>
           <a:bodyPr/>
-          <a:lstStyle/>
+          <a:lstStyle>
+            <a:extLst/>
+          </a:lstStyle>
           <a:p>
             <a:fld id="{5174542B-B21A-4025-B0A9-225DBF527871}" type="datetimeFigureOut">
               <a:rPr lang="de-DE" smtClean="0"/>
@@ -2287,7 +2754,7 @@
       </p:sp>
       <p:sp>
         <p:nvSpPr>
-          <p:cNvPr id="29" name="Fußzeilenplatzhalter 28"/>
+          <p:cNvPr id="6" name="Fußzeilenplatzhalter 5"/>
           <p:cNvSpPr>
             <a:spLocks noGrp="1"/>
           </p:cNvSpPr>
@@ -2298,7 +2765,9 @@
         <p:spPr/>
         <p:txBody>
           <a:bodyPr/>
-          <a:lstStyle/>
+          <a:lstStyle>
+            <a:extLst/>
+          </a:lstStyle>
           <a:p>
             <a:endParaRPr lang="de-DE"/>
           </a:p>
@@ -2317,7 +2786,9 @@
         <p:spPr/>
         <p:txBody>
           <a:bodyPr/>
-          <a:lstStyle/>
+          <a:lstStyle>
+            <a:extLst/>
+          </a:lstStyle>
           <a:p>
             <a:fld id="{A1B8449B-F5B3-4CD1-A5D9-FFDDEE314C7D}" type="slidenum">
               <a:rPr lang="de-DE" smtClean="0"/>
@@ -2354,62 +2825,58 @@
       </p:grpSpPr>
       <p:sp>
         <p:nvSpPr>
-          <p:cNvPr id="13" name="Bildplatzhalter 12"/>
-          <p:cNvSpPr>
-            <a:spLocks noGrp="1"/>
-          </p:cNvSpPr>
-          <p:nvPr>
-            <p:ph type="pic" idx="1"/>
+          <p:cNvPr id="2" name="Titel 1"/>
+          <p:cNvSpPr>
+            <a:spLocks noGrp="1"/>
+          </p:cNvSpPr>
+          <p:nvPr>
+            <p:ph type="title"/>
           </p:nvPr>
         </p:nvSpPr>
         <p:spPr>
           <a:xfrm>
-            <a:off x="3505200" y="616634"/>
-            <a:ext cx="5029200" cy="3657600"/>
+            <a:off x="5886896" y="1066800"/>
+            <a:ext cx="2743200" cy="1981200"/>
           </a:xfrm>
-          <a:solidFill>
-            <a:schemeClr val="bg1"/>
-          </a:solidFill>
-          <a:ln w="6350">
-            <a:solidFill>
-              <a:schemeClr val="accent1"/>
-            </a:solidFill>
-          </a:ln>
-          <a:effectLst>
-            <a:reflection blurRad="1000" stA="49000" endA="500" endPos="10000" dist="900" dir="5400000" sy="-90000" algn="bl" rotWithShape="0"/>
-          </a:effectLst>
         </p:spPr>
         <p:txBody>
+          <a:bodyPr anchor="b">
+            <a:noAutofit/>
+          </a:bodyPr>
+          <a:lstStyle>
+            <a:lvl1pPr algn="l">
+              <a:buNone/>
+              <a:defRPr sz="2100" b="1">
+                <a:effectLst/>
+              </a:defRPr>
+            </a:lvl1pPr>
+            <a:extLst/>
+          </a:lstStyle>
+          <a:p>
+            <a:r>
+              <a:rPr kumimoji="0" lang="de-DE" smtClean="0"/>
+              <a:t>Titelmasterformat durch Klicken bearbeiten</a:t>
+            </a:r>
+            <a:endParaRPr kumimoji="0" lang="en-US"/>
+          </a:p>
+        </p:txBody>
+      </p:sp>
+      <p:sp>
+        <p:nvSpPr>
+          <p:cNvPr id="5" name="Datumsplatzhalter 4"/>
+          <p:cNvSpPr>
+            <a:spLocks noGrp="1"/>
+          </p:cNvSpPr>
+          <p:nvPr>
+            <p:ph type="dt" sz="half" idx="10"/>
+          </p:nvPr>
+        </p:nvSpPr>
+        <p:spPr/>
+        <p:txBody>
           <a:bodyPr/>
           <a:lstStyle>
-            <a:lvl1pPr marL="0" indent="0">
-              <a:buNone/>
-              <a:defRPr sz="3200"/>
-            </a:lvl1pPr>
-          </a:lstStyle>
-          <a:p>
-            <a:r>
-              <a:rPr kumimoji="0" lang="de-DE" smtClean="0"/>
-              <a:t>Bild durch Klicken auf Symbol hinzufügen</a:t>
-            </a:r>
-            <a:endParaRPr kumimoji="0" lang="en-US" dirty="0"/>
-          </a:p>
-        </p:txBody>
-      </p:sp>
-      <p:sp>
-        <p:nvSpPr>
-          <p:cNvPr id="7" name="Datumsplatzhalter 6"/>
-          <p:cNvSpPr>
-            <a:spLocks noGrp="1"/>
-          </p:cNvSpPr>
-          <p:nvPr>
-            <p:ph type="dt" sz="half" idx="10"/>
-          </p:nvPr>
-        </p:nvSpPr>
-        <p:spPr/>
-        <p:txBody>
-          <a:bodyPr/>
-          <a:lstStyle/>
+            <a:extLst/>
+          </a:lstStyle>
           <a:p>
             <a:fld id="{5174542B-B21A-4025-B0A9-225DBF527871}" type="datetimeFigureOut">
               <a:rPr lang="de-DE" smtClean="0"/>
@@ -2421,7 +2888,7 @@
       </p:sp>
       <p:sp>
         <p:nvSpPr>
-          <p:cNvPr id="5" name="Fußzeilenplatzhalter 4"/>
+          <p:cNvPr id="6" name="Fußzeilenplatzhalter 5"/>
           <p:cNvSpPr>
             <a:spLocks noGrp="1"/>
           </p:cNvSpPr>
@@ -2432,7 +2899,9 @@
         <p:spPr/>
         <p:txBody>
           <a:bodyPr/>
-          <a:lstStyle/>
+          <a:lstStyle>
+            <a:extLst/>
+          </a:lstStyle>
           <a:p>
             <a:endParaRPr lang="de-DE"/>
           </a:p>
@@ -2440,7 +2909,7 @@
       </p:sp>
       <p:sp>
         <p:nvSpPr>
-          <p:cNvPr id="31" name="Foliennummernplatzhalter 30"/>
+          <p:cNvPr id="7" name="Foliennummernplatzhalter 6"/>
           <p:cNvSpPr>
             <a:spLocks noGrp="1"/>
           </p:cNvSpPr>
@@ -2451,7 +2920,9 @@
         <p:spPr/>
         <p:txBody>
           <a:bodyPr/>
-          <a:lstStyle/>
+          <a:lstStyle>
+            <a:extLst/>
+          </a:lstStyle>
           <a:p>
             <a:fld id="{A1B8449B-F5B3-4CD1-A5D9-FFDDEE314C7D}" type="slidenum">
               <a:rPr lang="de-DE" smtClean="0"/>
@@ -2463,59 +2934,282 @@
       </p:sp>
       <p:sp>
         <p:nvSpPr>
-          <p:cNvPr id="17" name="Titel 16"/>
-          <p:cNvSpPr>
-            <a:spLocks noGrp="1"/>
-          </p:cNvSpPr>
-          <p:nvPr>
-            <p:ph type="title"/>
-          </p:nvPr>
+          <p:cNvPr id="8" name="Rechteck 7"/>
+          <p:cNvSpPr/>
+          <p:nvPr/>
         </p:nvSpPr>
         <p:spPr>
           <a:xfrm>
-            <a:off x="381000" y="4993760"/>
-            <a:ext cx="5867400" cy="522288"/>
+            <a:off x="762000" y="1066800"/>
+            <a:ext cx="4572000" cy="4572000"/>
+          </a:xfrm>
+          <a:prstGeom prst="rect">
+            <a:avLst/>
+          </a:prstGeom>
+          <a:solidFill>
+            <a:srgbClr val="FFFFFF"/>
+          </a:solidFill>
+          <a:ln w="88900" cap="sq">
+            <a:solidFill>
+              <a:srgbClr val="FFFFFF"/>
+            </a:solidFill>
+            <a:miter lim="800000"/>
+          </a:ln>
+          <a:effectLst>
+            <a:outerShdw blurRad="55500" dist="18500" dir="5400000" algn="tl" rotWithShape="0">
+              <a:srgbClr val="000000">
+                <a:alpha val="35000"/>
+              </a:srgbClr>
+            </a:outerShdw>
+          </a:effectLst>
+          <a:scene3d>
+            <a:camera prst="orthographicFront"/>
+            <a:lightRig rig="twoPt" dir="t">
+              <a:rot lat="0" lon="0" rev="7200000"/>
+            </a:lightRig>
+          </a:scene3d>
+          <a:sp3d contourW="635">
+            <a:bevelT w="25400" h="19050"/>
+            <a:contourClr>
+              <a:srgbClr val="969696"/>
+            </a:contourClr>
+          </a:sp3d>
+        </p:spPr>
+        <p:txBody>
+          <a:bodyPr lIns="91440" tIns="274320" rtlCol="0" anchor="t">
+            <a:normAutofit/>
+          </a:bodyPr>
+          <a:lstStyle>
+            <a:extLst/>
+          </a:lstStyle>
+          <a:p>
+            <a:pPr marL="0" indent="-283464" algn="l" rtl="0" eaLnBrk="1" latinLnBrk="0" hangingPunct="1">
+              <a:lnSpc>
+                <a:spcPts val="3000"/>
+              </a:lnSpc>
+              <a:spcBef>
+                <a:spcPts val="600"/>
+              </a:spcBef>
+              <a:buClr>
+                <a:schemeClr val="accent1"/>
+              </a:buClr>
+              <a:buSzPct val="80000"/>
+              <a:buFont typeface="Wingdings 2"/>
+              <a:buNone/>
+            </a:pPr>
+            <a:endParaRPr kumimoji="0" lang="en-US" sz="3200" kern="1200">
+              <a:solidFill>
+                <a:schemeClr val="tx1"/>
+              </a:solidFill>
+              <a:latin typeface="+mn-lt"/>
+              <a:ea typeface="+mn-ea"/>
+              <a:cs typeface="+mn-cs"/>
+            </a:endParaRPr>
+          </a:p>
+        </p:txBody>
+      </p:sp>
+      <p:sp>
+        <p:nvSpPr>
+          <p:cNvPr id="3" name="Bildplatzhalter 2"/>
+          <p:cNvSpPr>
+            <a:spLocks noGrp="1"/>
+          </p:cNvSpPr>
+          <p:nvPr>
+            <p:ph type="pic" idx="1"/>
+          </p:nvPr>
+        </p:nvSpPr>
+        <p:spPr>
+          <a:xfrm>
+            <a:off x="838200" y="1143003"/>
+            <a:ext cx="4419600" cy="3514531"/>
+          </a:xfrm>
+          <a:prstGeom prst="roundRect">
+            <a:avLst>
+              <a:gd name="adj" fmla="val 783"/>
+            </a:avLst>
+          </a:prstGeom>
+          <a:solidFill>
+            <a:schemeClr val="bg2"/>
+          </a:solidFill>
+          <a:ln w="127000">
+            <a:noFill/>
+            <a:miter lim="800000"/>
+          </a:ln>
+          <a:effectLst/>
+        </p:spPr>
+        <p:txBody>
+          <a:bodyPr lIns="91440" tIns="274320" anchor="t"/>
+          <a:lstStyle>
+            <a:lvl1pPr indent="0">
+              <a:buNone/>
+              <a:defRPr sz="3200"/>
+            </a:lvl1pPr>
+            <a:extLst/>
+          </a:lstStyle>
+          <a:p>
+            <a:pPr marL="0" algn="l" eaLnBrk="1" latinLnBrk="0" hangingPunct="1"/>
+            <a:r>
+              <a:rPr kumimoji="0" lang="de-DE" smtClean="0"/>
+              <a:t>Bild durch Klicken auf Symbol hinzufügen</a:t>
+            </a:r>
+            <a:endParaRPr kumimoji="0" lang="en-US" dirty="0"/>
+          </a:p>
+        </p:txBody>
+      </p:sp>
+      <p:sp>
+        <p:nvSpPr>
+          <p:cNvPr id="9" name="Flussdiagramm: Prozess 8"/>
+          <p:cNvSpPr/>
+          <p:nvPr/>
+        </p:nvSpPr>
+        <p:spPr>
+          <a:xfrm rot="19468671">
+            <a:off x="396725" y="954341"/>
+            <a:ext cx="685800" cy="204310"/>
+          </a:xfrm>
+          <a:prstGeom prst="flowChartProcess">
+            <a:avLst/>
+          </a:prstGeom>
+          <a:solidFill>
+            <a:srgbClr val="FBFBFB">
+              <a:alpha val="45098"/>
+            </a:srgbClr>
+          </a:solidFill>
+          <a:ln w="6350" cap="rnd" cmpd="sng" algn="ctr">
+            <a:solidFill>
+              <a:srgbClr val="FFFFFF">
+                <a:alpha val="100000"/>
+              </a:srgbClr>
+            </a:solidFill>
+            <a:prstDash val="solid"/>
+          </a:ln>
+          <a:effectLst>
+            <a:outerShdw blurRad="25400" dist="25400" dir="3300000" sx="96000" sy="96000" algn="tl" rotWithShape="0">
+              <a:schemeClr val="bg2">
+                <a:shade val="90000"/>
+                <a:satMod val="200000"/>
+                <a:alpha val="40000"/>
+              </a:schemeClr>
+            </a:outerShdw>
+          </a:effectLst>
+        </p:spPr>
+        <p:style>
+          <a:lnRef idx="3">
+            <a:schemeClr val="lt1"/>
+          </a:lnRef>
+          <a:fillRef idx="1">
+            <a:schemeClr val="accent1"/>
+          </a:fillRef>
+          <a:effectRef idx="1">
+            <a:schemeClr val="accent1"/>
+          </a:effectRef>
+          <a:fontRef idx="minor">
+            <a:schemeClr val="lt1"/>
+          </a:fontRef>
+        </p:style>
+        <p:txBody>
+          <a:bodyPr anchor="ctr"/>
+          <a:lstStyle>
+            <a:extLst/>
+          </a:lstStyle>
+          <a:p>
+            <a:pPr algn="ctr" eaLnBrk="1" latinLnBrk="0" hangingPunct="1"/>
+            <a:endParaRPr kumimoji="0" lang="en-US"/>
+          </a:p>
+        </p:txBody>
+      </p:sp>
+      <p:sp>
+        <p:nvSpPr>
+          <p:cNvPr id="10" name="Flussdiagramm: Prozess 9"/>
+          <p:cNvSpPr/>
+          <p:nvPr/>
+        </p:nvSpPr>
+        <p:spPr>
+          <a:xfrm rot="2103354" flipH="1">
+            <a:off x="5003667" y="936786"/>
+            <a:ext cx="649224" cy="204310"/>
+          </a:xfrm>
+          <a:prstGeom prst="flowChartProcess">
+            <a:avLst/>
+          </a:prstGeom>
+          <a:solidFill>
+            <a:srgbClr val="FBFBFB">
+              <a:alpha val="45098"/>
+            </a:srgbClr>
+          </a:solidFill>
+          <a:ln w="6350" cap="rnd" cmpd="sng" algn="ctr">
+            <a:solidFill>
+              <a:srgbClr val="FFFFFF">
+                <a:alpha val="100000"/>
+              </a:srgbClr>
+            </a:solidFill>
+            <a:prstDash val="solid"/>
+          </a:ln>
+          <a:effectLst>
+            <a:outerShdw blurRad="25400" dist="25400" dir="3300000" sx="96000" sy="96000" algn="tl" rotWithShape="0">
+              <a:schemeClr val="bg2">
+                <a:alpha val="20000"/>
+              </a:schemeClr>
+            </a:outerShdw>
+          </a:effectLst>
+        </p:spPr>
+        <p:style>
+          <a:lnRef idx="3">
+            <a:schemeClr val="lt1"/>
+          </a:lnRef>
+          <a:fillRef idx="1">
+            <a:schemeClr val="accent1"/>
+          </a:fillRef>
+          <a:effectRef idx="1">
+            <a:schemeClr val="accent1"/>
+          </a:effectRef>
+          <a:fontRef idx="minor">
+            <a:schemeClr val="lt1"/>
+          </a:fontRef>
+        </p:style>
+        <p:txBody>
+          <a:bodyPr anchor="ctr"/>
+          <a:lstStyle>
+            <a:extLst/>
+          </a:lstStyle>
+          <a:p>
+            <a:pPr algn="ctr" eaLnBrk="1" latinLnBrk="0" hangingPunct="1"/>
+            <a:endParaRPr kumimoji="0" lang="en-US" dirty="0"/>
+          </a:p>
+        </p:txBody>
+      </p:sp>
+      <p:sp>
+        <p:nvSpPr>
+          <p:cNvPr id="4" name="Textplatzhalter 3"/>
+          <p:cNvSpPr>
+            <a:spLocks noGrp="1"/>
+          </p:cNvSpPr>
+          <p:nvPr>
+            <p:ph type="body" sz="half" idx="2"/>
+          </p:nvPr>
+        </p:nvSpPr>
+        <p:spPr>
+          <a:xfrm>
+            <a:off x="838200" y="4800600"/>
+            <a:ext cx="4419600" cy="762000"/>
           </a:xfrm>
         </p:spPr>
         <p:txBody>
           <a:bodyPr anchor="ctr"/>
           <a:lstStyle>
-            <a:lvl1pPr algn="l">
+            <a:lvl1pPr marL="0" indent="0" algn="l">
+              <a:lnSpc>
+                <a:spcPts val="1600"/>
+              </a:lnSpc>
+              <a:spcBef>
+                <a:spcPts val="0"/>
+              </a:spcBef>
               <a:buNone/>
-              <a:defRPr sz="2000" b="1"/>
-            </a:lvl1pPr>
-          </a:lstStyle>
-          <a:p>
-            <a:r>
-              <a:rPr kumimoji="0" lang="de-DE" smtClean="0"/>
-              <a:t>Titelmasterformat durch Klicken bearbeiten</a:t>
-            </a:r>
-            <a:endParaRPr kumimoji="0" lang="en-US"/>
-          </a:p>
-        </p:txBody>
-      </p:sp>
-      <p:sp>
-        <p:nvSpPr>
-          <p:cNvPr id="26" name="Textplatzhalter 25"/>
-          <p:cNvSpPr>
-            <a:spLocks noGrp="1"/>
-          </p:cNvSpPr>
-          <p:nvPr>
-            <p:ph type="body" sz="half" idx="2"/>
-          </p:nvPr>
-        </p:nvSpPr>
-        <p:spPr>
-          <a:xfrm>
-            <a:off x="381000" y="5533218"/>
-            <a:ext cx="5867400" cy="768350"/>
-          </a:xfrm>
-        </p:spPr>
-        <p:txBody>
-          <a:bodyPr lIns="109728" tIns="0"/>
-          <a:lstStyle>
-            <a:lvl1pPr marL="0" indent="0">
-              <a:buNone/>
-              <a:defRPr sz="1400"/>
+              <a:defRPr sz="1400">
+                <a:solidFill>
+                  <a:srgbClr val="777777"/>
+                </a:solidFill>
+              </a:defRPr>
             </a:lvl1pPr>
             <a:lvl2pPr>
               <a:defRPr sz="1200"/>
@@ -2529,6 +3223,7 @@
             <a:lvl5pPr>
               <a:defRPr sz="900"/>
             </a:lvl5pPr>
+            <a:extLst/>
           </a:lstStyle>
           <a:p>
             <a:pPr lvl="0" eaLnBrk="1" latinLnBrk="0" hangingPunct="1"/>
@@ -2571,111 +3266,295 @@
       </p:grpSpPr>
       <p:sp>
         <p:nvSpPr>
-          <p:cNvPr id="7" name="Gerade Verbindung 6"/>
-          <p:cNvSpPr>
-            <a:spLocks noChangeShapeType="1"/>
-          </p:cNvSpPr>
+          <p:cNvPr id="7" name="Torte 6"/>
+          <p:cNvSpPr/>
           <p:nvPr/>
         </p:nvSpPr>
-        <p:spPr bwMode="auto">
+        <p:spPr>
           <a:xfrm>
-            <a:off x="514350" y="1050898"/>
-            <a:ext cx="8629650" cy="2381"/>
+            <a:off x="-815927" y="-815922"/>
+            <a:ext cx="1638887" cy="1638887"/>
           </a:xfrm>
-          <a:prstGeom prst="line">
+          <a:prstGeom prst="pie">
+            <a:avLst>
+              <a:gd name="adj1" fmla="val 0"/>
+              <a:gd name="adj2" fmla="val 5402120"/>
+            </a:avLst>
+          </a:prstGeom>
+          <a:solidFill>
+            <a:schemeClr val="bg2">
+              <a:tint val="18000"/>
+              <a:satMod val="220000"/>
+              <a:alpha val="33000"/>
+            </a:schemeClr>
+          </a:solidFill>
+          <a:ln w="3175" cap="rnd" cmpd="sng" algn="ctr">
+            <a:solidFill>
+              <a:schemeClr val="bg2">
+                <a:shade val="70000"/>
+                <a:satMod val="200000"/>
+                <a:alpha val="100000"/>
+              </a:schemeClr>
+            </a:solidFill>
+            <a:prstDash val="solid"/>
+          </a:ln>
+          <a:effectLst/>
+        </p:spPr>
+        <p:style>
+          <a:lnRef idx="3">
+            <a:schemeClr val="lt1"/>
+          </a:lnRef>
+          <a:fillRef idx="1">
+            <a:schemeClr val="accent1"/>
+          </a:fillRef>
+          <a:effectRef idx="1">
+            <a:schemeClr val="accent1"/>
+          </a:effectRef>
+          <a:fontRef idx="minor">
+            <a:schemeClr val="lt1"/>
+          </a:fontRef>
+        </p:style>
+        <p:txBody>
+          <a:bodyPr anchor="ctr"/>
+          <a:lstStyle>
+            <a:extLst/>
+          </a:lstStyle>
+          <a:p>
+            <a:pPr algn="ctr" eaLnBrk="1" latinLnBrk="0" hangingPunct="1"/>
+            <a:endParaRPr kumimoji="0" lang="en-US"/>
+          </a:p>
+        </p:txBody>
+      </p:sp>
+      <p:sp>
+        <p:nvSpPr>
+          <p:cNvPr id="8" name="Ellipse 7"/>
+          <p:cNvSpPr/>
+          <p:nvPr/>
+        </p:nvSpPr>
+        <p:spPr>
+          <a:xfrm>
+            <a:off x="168816" y="21102"/>
+            <a:ext cx="1702191" cy="1702191"/>
+          </a:xfrm>
+          <a:prstGeom prst="ellipse">
             <a:avLst/>
           </a:prstGeom>
           <a:noFill/>
-          <a:ln w="9525" cap="flat" cmpd="sng" algn="ctr">
-            <a:gradFill flip="none" rotWithShape="1">
-              <a:gsLst>
-                <a:gs pos="0">
-                  <a:schemeClr val="accent1">
-                    <a:alpha val="0"/>
-                  </a:schemeClr>
-                </a:gs>
-                <a:gs pos="17000">
-                  <a:schemeClr val="accent1"/>
-                </a:gs>
-                <a:gs pos="100000">
-                  <a:schemeClr val="accent1"/>
-                </a:gs>
-              </a:gsLst>
-              <a:lin ang="0" scaled="1"/>
-              <a:tileRect/>
-            </a:gradFill>
+          <a:ln w="27305" cap="rnd" cmpd="sng" algn="ctr">
+            <a:solidFill>
+              <a:schemeClr val="bg2">
+                <a:tint val="45000"/>
+                <a:satMod val="325000"/>
+                <a:alpha val="100000"/>
+              </a:schemeClr>
+            </a:solidFill>
             <a:prstDash val="solid"/>
-            <a:round/>
-            <a:headEnd type="none" w="med" len="med"/>
-            <a:tailEnd type="none" w="med" len="med"/>
+          </a:ln>
+          <a:effectLst>
+            <a:outerShdw blurRad="25400" dist="25400" dir="5400000" algn="tl" rotWithShape="0">
+              <a:schemeClr val="bg2">
+                <a:shade val="50000"/>
+                <a:satMod val="150000"/>
+                <a:alpha val="85000"/>
+              </a:schemeClr>
+            </a:outerShdw>
+          </a:effectLst>
+        </p:spPr>
+        <p:style>
+          <a:lnRef idx="3">
+            <a:schemeClr val="lt1"/>
+          </a:lnRef>
+          <a:fillRef idx="1">
+            <a:schemeClr val="accent1"/>
+          </a:fillRef>
+          <a:effectRef idx="1">
+            <a:schemeClr val="accent1"/>
+          </a:effectRef>
+          <a:fontRef idx="minor">
+            <a:schemeClr val="lt1"/>
+          </a:fontRef>
+        </p:style>
+        <p:txBody>
+          <a:bodyPr anchor="ctr"/>
+          <a:lstStyle>
+            <a:extLst/>
+          </a:lstStyle>
+          <a:p>
+            <a:pPr algn="ctr" eaLnBrk="1" latinLnBrk="0" hangingPunct="1"/>
+            <a:endParaRPr kumimoji="0" lang="en-US"/>
+          </a:p>
+        </p:txBody>
+      </p:sp>
+      <p:sp>
+        <p:nvSpPr>
+          <p:cNvPr id="11" name="Rad 10"/>
+          <p:cNvSpPr/>
+          <p:nvPr/>
+        </p:nvSpPr>
+        <p:spPr>
+          <a:xfrm rot="2315675">
+            <a:off x="182881" y="1055077"/>
+            <a:ext cx="1125717" cy="1102624"/>
+          </a:xfrm>
+          <a:prstGeom prst="donut">
+            <a:avLst>
+              <a:gd name="adj" fmla="val 11833"/>
+            </a:avLst>
+          </a:prstGeom>
+          <a:gradFill rotWithShape="1">
+            <a:gsLst>
+              <a:gs pos="0">
+                <a:schemeClr val="bg2">
+                  <a:tint val="10000"/>
+                  <a:shade val="99000"/>
+                  <a:satMod val="355000"/>
+                  <a:alpha val="70000"/>
+                </a:schemeClr>
+              </a:gs>
+              <a:gs pos="70000">
+                <a:schemeClr val="bg2">
+                  <a:tint val="6000"/>
+                  <a:shade val="100000"/>
+                  <a:satMod val="400000"/>
+                  <a:alpha val="55000"/>
+                </a:schemeClr>
+              </a:gs>
+              <a:gs pos="100000">
+                <a:schemeClr val="bg2">
+                  <a:tint val="100000"/>
+                  <a:shade val="75000"/>
+                  <a:satMod val="370000"/>
+                  <a:alpha val="60000"/>
+                </a:schemeClr>
+              </a:gs>
+            </a:gsLst>
+            <a:path path="circle">
+              <a:fillToRect l="-407500" t="-50000" r="507500" b="150000"/>
+            </a:path>
+          </a:gradFill>
+          <a:ln w="7350" cap="rnd" cmpd="sng" algn="ctr">
+            <a:solidFill>
+              <a:schemeClr val="bg2">
+                <a:shade val="60000"/>
+                <a:satMod val="220000"/>
+                <a:alpha val="100000"/>
+              </a:schemeClr>
+            </a:solidFill>
+            <a:prstDash val="solid"/>
+          </a:ln>
+          <a:effectLst>
+            <a:outerShdw blurRad="12700" dist="15000" dir="4500000" algn="tl" rotWithShape="0">
+              <a:schemeClr val="bg2">
+                <a:shade val="10000"/>
+                <a:satMod val="200000"/>
+                <a:alpha val="35000"/>
+              </a:schemeClr>
+            </a:outerShdw>
+          </a:effectLst>
+        </p:spPr>
+        <p:style>
+          <a:lnRef idx="3">
+            <a:schemeClr val="lt1"/>
+          </a:lnRef>
+          <a:fillRef idx="1">
+            <a:schemeClr val="accent1"/>
+          </a:fillRef>
+          <a:effectRef idx="1">
+            <a:schemeClr val="accent1"/>
+          </a:effectRef>
+          <a:fontRef idx="minor">
+            <a:schemeClr val="lt1"/>
+          </a:fontRef>
+        </p:style>
+        <p:txBody>
+          <a:bodyPr anchor="ctr"/>
+          <a:lstStyle>
+            <a:extLst/>
+          </a:lstStyle>
+          <a:p>
+            <a:pPr algn="ctr" eaLnBrk="1" latinLnBrk="0" hangingPunct="1"/>
+            <a:endParaRPr kumimoji="0" lang="en-US"/>
+          </a:p>
+        </p:txBody>
+      </p:sp>
+      <p:sp>
+        <p:nvSpPr>
+          <p:cNvPr id="12" name="Rechteck 11"/>
+          <p:cNvSpPr/>
+          <p:nvPr/>
+        </p:nvSpPr>
+        <p:spPr>
+          <a:xfrm>
+            <a:off x="1012873" y="-54"/>
+            <a:ext cx="8131127" cy="6858054"/>
+          </a:xfrm>
+          <a:prstGeom prst="rect">
+            <a:avLst/>
+          </a:prstGeom>
+          <a:solidFill>
+            <a:schemeClr val="bg1"/>
+          </a:solidFill>
+          <a:ln w="25400" cap="rnd" cmpd="sng" algn="ctr">
+            <a:noFill/>
+            <a:prstDash val="solid"/>
           </a:ln>
           <a:effectLst/>
         </p:spPr>
-        <p:txBody>
-          <a:bodyPr vert="horz" wrap="square" lIns="91440" tIns="45720" rIns="91440" bIns="45720" anchor="t" compatLnSpc="1"/>
-          <a:lstStyle/>
-          <a:p>
+        <p:style>
+          <a:lnRef idx="3">
+            <a:schemeClr val="lt1"/>
+          </a:lnRef>
+          <a:fillRef idx="1">
+            <a:schemeClr val="accent1"/>
+          </a:fillRef>
+          <a:effectRef idx="1">
+            <a:schemeClr val="accent1"/>
+          </a:effectRef>
+          <a:fontRef idx="minor">
+            <a:schemeClr val="lt1"/>
+          </a:fontRef>
+        </p:style>
+        <p:txBody>
+          <a:bodyPr anchor="ctr"/>
+          <a:lstStyle>
+            <a:extLst/>
+          </a:lstStyle>
+          <a:p>
+            <a:pPr algn="ctr" eaLnBrk="1" latinLnBrk="0" hangingPunct="1"/>
             <a:endParaRPr kumimoji="0" lang="en-US"/>
           </a:p>
         </p:txBody>
       </p:sp>
       <p:sp>
         <p:nvSpPr>
-          <p:cNvPr id="8" name="Textplatzhalter 7"/>
-          <p:cNvSpPr>
-            <a:spLocks noGrp="1"/>
-          </p:cNvSpPr>
-          <p:nvPr>
-            <p:ph type="body" idx="1"/>
+          <p:cNvPr id="5" name="Titelplatzhalter 4"/>
+          <p:cNvSpPr>
+            <a:spLocks noGrp="1"/>
+          </p:cNvSpPr>
+          <p:nvPr>
+            <p:ph type="title"/>
           </p:nvPr>
         </p:nvSpPr>
         <p:spPr>
           <a:xfrm>
-            <a:off x="304800" y="1554162"/>
-            <a:ext cx="8686800" cy="4525963"/>
+            <a:off x="1435608" y="274638"/>
+            <a:ext cx="7498080" cy="1143000"/>
           </a:xfrm>
           <a:prstGeom prst="rect">
             <a:avLst/>
           </a:prstGeom>
         </p:spPr>
         <p:txBody>
-          <a:bodyPr vert="horz">
+          <a:bodyPr anchor="ctr">
             <a:normAutofit/>
           </a:bodyPr>
-          <a:lstStyle/>
-          <a:p>
-            <a:pPr lvl="0" eaLnBrk="1" latinLnBrk="0" hangingPunct="1"/>
+          <a:lstStyle>
+            <a:extLst/>
+          </a:lstStyle>
+          <a:p>
             <a:r>
               <a:rPr kumimoji="0" lang="de-DE" smtClean="0"/>
-              <a:t>Textmasterformate durch Klicken bearbeiten</a:t>
-            </a:r>
-          </a:p>
-          <a:p>
-            <a:pPr lvl="1" eaLnBrk="1" latinLnBrk="0" hangingPunct="1"/>
-            <a:r>
-              <a:rPr kumimoji="0" lang="de-DE" smtClean="0"/>
-              <a:t>Zweite Ebene</a:t>
-            </a:r>
-          </a:p>
-          <a:p>
-            <a:pPr lvl="2" eaLnBrk="1" latinLnBrk="0" hangingPunct="1"/>
-            <a:r>
-              <a:rPr kumimoji="0" lang="de-DE" smtClean="0"/>
-              <a:t>Dritte Ebene</a:t>
-            </a:r>
-          </a:p>
-          <a:p>
-            <a:pPr lvl="3" eaLnBrk="1" latinLnBrk="0" hangingPunct="1"/>
-            <a:r>
-              <a:rPr kumimoji="0" lang="de-DE" smtClean="0"/>
-              <a:t>Vierte Ebene</a:t>
-            </a:r>
-          </a:p>
-          <a:p>
-            <a:pPr lvl="4" eaLnBrk="1" latinLnBrk="0" hangingPunct="1"/>
-            <a:r>
-              <a:rPr kumimoji="0" lang="de-DE" smtClean="0"/>
-              <a:t>Fünfte Ebene</a:t>
+              <a:t>Titelmasterformat durch Klicken bearbeiten</a:t>
             </a:r>
             <a:endParaRPr kumimoji="0" lang="en-US"/>
           </a:p>
@@ -2683,35 +3562,101 @@
       </p:sp>
       <p:sp>
         <p:nvSpPr>
-          <p:cNvPr id="11" name="Datumsplatzhalter 10"/>
-          <p:cNvSpPr>
-            <a:spLocks noGrp="1"/>
-          </p:cNvSpPr>
-          <p:nvPr>
-            <p:ph type="dt" sz="half" idx="2"/>
+          <p:cNvPr id="9" name="Textplatzhalter 8"/>
+          <p:cNvSpPr>
+            <a:spLocks noGrp="1"/>
+          </p:cNvSpPr>
+          <p:nvPr>
+            <p:ph type="body" idx="1"/>
           </p:nvPr>
         </p:nvSpPr>
         <p:spPr>
           <a:xfrm>
-            <a:off x="6477000" y="76200"/>
-            <a:ext cx="2514600" cy="288925"/>
+            <a:off x="1435608" y="1447800"/>
+            <a:ext cx="7498080" cy="4800600"/>
           </a:xfrm>
           <a:prstGeom prst="rect">
             <a:avLst/>
           </a:prstGeom>
         </p:spPr>
         <p:txBody>
-          <a:bodyPr vert="horz"/>
-          <a:lstStyle>
-            <a:lvl1pPr algn="l" eaLnBrk="1" latinLnBrk="0" hangingPunct="1">
+          <a:bodyPr>
+            <a:normAutofit/>
+          </a:bodyPr>
+          <a:lstStyle>
+            <a:extLst/>
+          </a:lstStyle>
+          <a:p>
+            <a:pPr lvl="0" eaLnBrk="1" latinLnBrk="0" hangingPunct="1"/>
+            <a:r>
+              <a:rPr kumimoji="0" lang="de-DE" smtClean="0"/>
+              <a:t>Textmasterformate durch Klicken bearbeiten</a:t>
+            </a:r>
+          </a:p>
+          <a:p>
+            <a:pPr lvl="1" eaLnBrk="1" latinLnBrk="0" hangingPunct="1"/>
+            <a:r>
+              <a:rPr kumimoji="0" lang="de-DE" smtClean="0"/>
+              <a:t>Zweite Ebene</a:t>
+            </a:r>
+          </a:p>
+          <a:p>
+            <a:pPr lvl="2" eaLnBrk="1" latinLnBrk="0" hangingPunct="1"/>
+            <a:r>
+              <a:rPr kumimoji="0" lang="de-DE" smtClean="0"/>
+              <a:t>Dritte Ebene</a:t>
+            </a:r>
+          </a:p>
+          <a:p>
+            <a:pPr lvl="3" eaLnBrk="1" latinLnBrk="0" hangingPunct="1"/>
+            <a:r>
+              <a:rPr kumimoji="0" lang="de-DE" smtClean="0"/>
+              <a:t>Vierte Ebene</a:t>
+            </a:r>
+          </a:p>
+          <a:p>
+            <a:pPr lvl="4" eaLnBrk="1" latinLnBrk="0" hangingPunct="1"/>
+            <a:r>
+              <a:rPr kumimoji="0" lang="de-DE" smtClean="0"/>
+              <a:t>Fünfte Ebene</a:t>
+            </a:r>
+            <a:endParaRPr kumimoji="0" lang="en-US"/>
+          </a:p>
+        </p:txBody>
+      </p:sp>
+      <p:sp>
+        <p:nvSpPr>
+          <p:cNvPr id="24" name="Datumsplatzhalter 23"/>
+          <p:cNvSpPr>
+            <a:spLocks noGrp="1"/>
+          </p:cNvSpPr>
+          <p:nvPr>
+            <p:ph type="dt" sz="half" idx="2"/>
+          </p:nvPr>
+        </p:nvSpPr>
+        <p:spPr>
+          <a:xfrm>
+            <a:off x="3581400" y="6305550"/>
+            <a:ext cx="2133600" cy="476250"/>
+          </a:xfrm>
+          <a:prstGeom prst="rect">
+            <a:avLst/>
+          </a:prstGeom>
+        </p:spPr>
+        <p:txBody>
+          <a:bodyPr anchor="b"/>
+          <a:lstStyle>
+            <a:lvl1pPr algn="r" eaLnBrk="1" latinLnBrk="0" hangingPunct="1">
               <a:defRPr kumimoji="0" sz="1200">
                 <a:solidFill>
-                  <a:schemeClr val="accent1">
-                    <a:shade val="75000"/>
+                  <a:schemeClr val="bg2">
+                    <a:shade val="50000"/>
+                    <a:satMod val="200000"/>
                   </a:schemeClr>
                 </a:solidFill>
               </a:defRPr>
             </a:lvl1pPr>
+            <a:extLst/>
           </a:lstStyle>
           <a:p>
             <a:fld id="{5174542B-B21A-4025-B0A9-225DBF527871}" type="datetimeFigureOut">
@@ -2724,7 +3669,7 @@
       </p:sp>
       <p:sp>
         <p:nvSpPr>
-          <p:cNvPr id="28" name="Fußzeilenplatzhalter 27"/>
+          <p:cNvPr id="10" name="Fußzeilenplatzhalter 9"/>
           <p:cNvSpPr>
             <a:spLocks noGrp="1"/>
           </p:cNvSpPr>
@@ -2734,25 +3679,28 @@
         </p:nvSpPr>
         <p:spPr>
           <a:xfrm>
-            <a:off x="3124200" y="76200"/>
-            <a:ext cx="3352800" cy="288925"/>
+            <a:off x="5715000" y="6305550"/>
+            <a:ext cx="2895600" cy="476250"/>
           </a:xfrm>
           <a:prstGeom prst="rect">
             <a:avLst/>
           </a:prstGeom>
         </p:spPr>
         <p:txBody>
-          <a:bodyPr vert="horz"/>
-          <a:lstStyle>
-            <a:lvl1pPr algn="r" eaLnBrk="1" latinLnBrk="0" hangingPunct="1">
+          <a:bodyPr anchor="b"/>
+          <a:lstStyle>
+            <a:lvl1pPr eaLnBrk="1" latinLnBrk="0" hangingPunct="1">
               <a:defRPr kumimoji="0" sz="1200">
                 <a:solidFill>
-                  <a:schemeClr val="accent1">
-                    <a:shade val="75000"/>
+                  <a:schemeClr val="bg2">
+                    <a:shade val="50000"/>
+                    <a:satMod val="200000"/>
                   </a:schemeClr>
                 </a:solidFill>
+                <a:effectLst/>
               </a:defRPr>
             </a:lvl1pPr>
+            <a:extLst/>
           </a:lstStyle>
           <a:p>
             <a:endParaRPr lang="de-DE"/>
@@ -2761,7 +3709,7 @@
       </p:sp>
       <p:sp>
         <p:nvSpPr>
-          <p:cNvPr id="5" name="Foliennummernplatzhalter 4"/>
+          <p:cNvPr id="22" name="Foliennummernplatzhalter 21"/>
           <p:cNvSpPr>
             <a:spLocks noGrp="1"/>
           </p:cNvSpPr>
@@ -2771,25 +3719,28 @@
         </p:nvSpPr>
         <p:spPr>
           <a:xfrm>
-            <a:off x="8229600" y="6477000"/>
-            <a:ext cx="762000" cy="244475"/>
+            <a:off x="8613648" y="6305550"/>
+            <a:ext cx="457200" cy="476250"/>
           </a:xfrm>
           <a:prstGeom prst="rect">
             <a:avLst/>
           </a:prstGeom>
         </p:spPr>
         <p:txBody>
-          <a:bodyPr vert="horz"/>
-          <a:lstStyle>
-            <a:lvl1pPr algn="r" eaLnBrk="1" latinLnBrk="0" hangingPunct="1">
+          <a:bodyPr anchor="b"/>
+          <a:lstStyle>
+            <a:lvl1pPr algn="ctr" eaLnBrk="1" latinLnBrk="0" hangingPunct="1">
               <a:defRPr kumimoji="0" sz="1200">
                 <a:solidFill>
-                  <a:schemeClr val="accent1">
-                    <a:shade val="75000"/>
+                  <a:schemeClr val="bg2">
+                    <a:shade val="50000"/>
+                    <a:satMod val="200000"/>
                   </a:schemeClr>
                 </a:solidFill>
+                <a:effectLst/>
               </a:defRPr>
             </a:lvl1pPr>
+            <a:extLst/>
           </a:lstStyle>
           <a:p>
             <a:fld id="{A1B8449B-F5B3-4CD1-A5D9-FFDDEE314C7D}" type="slidenum">
@@ -2802,133 +3753,56 @@
       </p:sp>
       <p:sp>
         <p:nvSpPr>
-          <p:cNvPr id="10" name="Titelplatzhalter 9"/>
-          <p:cNvSpPr>
-            <a:spLocks noGrp="1"/>
-          </p:cNvSpPr>
-          <p:nvPr>
-            <p:ph type="title"/>
-          </p:nvPr>
-        </p:nvSpPr>
-        <p:spPr>
+          <p:cNvPr id="15" name="Rechteck 14"/>
+          <p:cNvSpPr/>
+          <p:nvPr/>
+        </p:nvSpPr>
+        <p:spPr bwMode="invGray">
           <a:xfrm>
-            <a:off x="304800" y="457200"/>
-            <a:ext cx="8686800" cy="838200"/>
+            <a:off x="1014984" y="-54"/>
+            <a:ext cx="73152" cy="6858054"/>
           </a:xfrm>
           <a:prstGeom prst="rect">
             <a:avLst/>
           </a:prstGeom>
+          <a:solidFill>
+            <a:schemeClr val="bg1"/>
+          </a:solidFill>
+          <a:ln w="25400" cap="rnd" cmpd="sng" algn="ctr">
+            <a:noFill/>
+            <a:prstDash val="solid"/>
+          </a:ln>
+          <a:effectLst>
+            <a:outerShdw blurRad="38550" dist="38000" dir="10800000" algn="tl" rotWithShape="0">
+              <a:schemeClr val="bg2">
+                <a:shade val="20000"/>
+                <a:satMod val="110000"/>
+                <a:alpha val="25000"/>
+              </a:schemeClr>
+            </a:outerShdw>
+          </a:effectLst>
         </p:spPr>
-        <p:txBody>
-          <a:bodyPr vert="horz" anchor="ctr">
-            <a:normAutofit/>
-          </a:bodyPr>
-          <a:lstStyle/>
-          <a:p>
-            <a:r>
-              <a:rPr kumimoji="0" lang="de-DE" smtClean="0"/>
-              <a:t>Titelmasterformat durch Klicken bearbeiten</a:t>
-            </a:r>
-            <a:endParaRPr kumimoji="0" lang="en-US"/>
-          </a:p>
-        </p:txBody>
-      </p:sp>
-      <p:sp>
-        <p:nvSpPr>
-          <p:cNvPr id="9" name="Gerade Verbindung 8"/>
-          <p:cNvSpPr>
-            <a:spLocks noChangeShapeType="1"/>
-          </p:cNvSpPr>
-          <p:nvPr/>
-        </p:nvSpPr>
-        <p:spPr bwMode="auto">
-          <a:xfrm>
-            <a:off x="514350" y="1050898"/>
-            <a:ext cx="8629650" cy="2381"/>
-          </a:xfrm>
-          <a:prstGeom prst="line">
-            <a:avLst/>
-          </a:prstGeom>
-          <a:noFill/>
-          <a:ln w="9525" cap="flat" cmpd="sng" algn="ctr">
-            <a:gradFill flip="none" rotWithShape="1">
-              <a:gsLst>
-                <a:gs pos="0">
-                  <a:schemeClr val="accent1">
-                    <a:alpha val="0"/>
-                  </a:schemeClr>
-                </a:gs>
-                <a:gs pos="17000">
-                  <a:schemeClr val="accent1"/>
-                </a:gs>
-                <a:gs pos="100000">
-                  <a:schemeClr val="accent1"/>
-                </a:gs>
-              </a:gsLst>
-              <a:lin ang="0" scaled="1"/>
-              <a:tileRect/>
-            </a:gradFill>
-            <a:prstDash val="solid"/>
-            <a:round/>
-            <a:headEnd type="none" w="med" len="med"/>
-            <a:tailEnd type="none" w="med" len="med"/>
-          </a:ln>
-          <a:effectLst/>
-        </p:spPr>
-        <p:txBody>
-          <a:bodyPr vert="horz" wrap="square" lIns="91440" tIns="45720" rIns="91440" bIns="45720" anchor="t" compatLnSpc="1"/>
-          <a:lstStyle/>
-          <a:p>
-            <a:endParaRPr kumimoji="0" lang="en-US"/>
-          </a:p>
-        </p:txBody>
-      </p:sp>
-      <p:sp>
-        <p:nvSpPr>
-          <p:cNvPr id="12" name="Gerade Verbindung 11"/>
-          <p:cNvSpPr>
-            <a:spLocks noChangeShapeType="1"/>
-          </p:cNvSpPr>
-          <p:nvPr/>
-        </p:nvSpPr>
-        <p:spPr bwMode="auto">
-          <a:xfrm>
-            <a:off x="514350" y="1057986"/>
-            <a:ext cx="8629650" cy="2381"/>
-          </a:xfrm>
-          <a:prstGeom prst="line">
-            <a:avLst/>
-          </a:prstGeom>
-          <a:noFill/>
-          <a:ln w="9525" cap="flat" cmpd="sng" algn="ctr">
-            <a:gradFill flip="none" rotWithShape="1">
-              <a:gsLst>
-                <a:gs pos="0">
-                  <a:schemeClr val="accent1">
-                    <a:alpha val="0"/>
-                  </a:schemeClr>
-                </a:gs>
-                <a:gs pos="17000">
-                  <a:schemeClr val="accent1"/>
-                </a:gs>
-                <a:gs pos="100000">
-                  <a:schemeClr val="accent1"/>
-                </a:gs>
-              </a:gsLst>
-              <a:lin ang="0" scaled="1"/>
-              <a:tileRect/>
-            </a:gradFill>
-            <a:prstDash val="solid"/>
-            <a:round/>
-            <a:headEnd type="none" w="med" len="med"/>
-            <a:tailEnd type="none" w="med" len="med"/>
-          </a:ln>
-          <a:effectLst/>
-        </p:spPr>
-        <p:txBody>
-          <a:bodyPr vert="horz" wrap="square" lIns="91440" tIns="45720" rIns="91440" bIns="45720" anchor="t" compatLnSpc="1"/>
-          <a:lstStyle/>
-          <a:p>
+        <p:style>
+          <a:lnRef idx="3">
+            <a:schemeClr val="lt1"/>
+          </a:lnRef>
+          <a:fillRef idx="1">
+            <a:schemeClr val="accent1"/>
+          </a:fillRef>
+          <a:effectRef idx="1">
+            <a:schemeClr val="accent1"/>
+          </a:effectRef>
+          <a:fontRef idx="minor">
+            <a:schemeClr val="lt1"/>
+          </a:fontRef>
+        </p:style>
+        <p:txBody>
+          <a:bodyPr anchor="ctr"/>
+          <a:lstStyle>
+            <a:extLst/>
+          </a:lstStyle>
+          <a:p>
+            <a:pPr algn="ctr" eaLnBrk="1" latinLnBrk="0" hangingPunct="1"/>
             <a:endParaRPr kumimoji="0" lang="en-US"/>
           </a:p>
         </p:txBody>
@@ -2937,17 +3811,17 @@
   </p:cSld>
   <p:clrMap bg1="lt1" tx1="dk1" bg2="lt2" tx2="dk2" accent1="accent1" accent2="accent2" accent3="accent3" accent4="accent4" accent5="accent5" accent6="accent6" hlink="hlink" folHlink="folHlink"/>
   <p:sldLayoutIdLst>
-    <p:sldLayoutId id="2147483661" r:id="rId1"/>
-    <p:sldLayoutId id="2147483662" r:id="rId2"/>
-    <p:sldLayoutId id="2147483663" r:id="rId3"/>
-    <p:sldLayoutId id="2147483664" r:id="rId4"/>
-    <p:sldLayoutId id="2147483665" r:id="rId5"/>
-    <p:sldLayoutId id="2147483666" r:id="rId6"/>
-    <p:sldLayoutId id="2147483667" r:id="rId7"/>
-    <p:sldLayoutId id="2147483668" r:id="rId8"/>
-    <p:sldLayoutId id="2147483669" r:id="rId9"/>
-    <p:sldLayoutId id="2147483670" r:id="rId10"/>
-    <p:sldLayoutId id="2147483671" r:id="rId11"/>
+    <p:sldLayoutId id="2147483673" r:id="rId1"/>
+    <p:sldLayoutId id="2147483674" r:id="rId2"/>
+    <p:sldLayoutId id="2147483675" r:id="rId3"/>
+    <p:sldLayoutId id="2147483676" r:id="rId4"/>
+    <p:sldLayoutId id="2147483677" r:id="rId5"/>
+    <p:sldLayoutId id="2147483678" r:id="rId6"/>
+    <p:sldLayoutId id="2147483679" r:id="rId7"/>
+    <p:sldLayoutId id="2147483680" r:id="rId8"/>
+    <p:sldLayoutId id="2147483681" r:id="rId9"/>
+    <p:sldLayoutId id="2147483682" r:id="rId10"/>
+    <p:sldLayoutId id="2147483683" r:id="rId11"/>
   </p:sldLayoutIdLst>
   <p:txStyles>
     <p:titleStyle>
@@ -2956,191 +3830,218 @@
           <a:spcPct val="0"/>
         </a:spcBef>
         <a:buNone/>
-        <a:defRPr kumimoji="0" sz="3600" kern="1200" cap="all" baseline="0">
+        <a:defRPr kumimoji="0" sz="4300" kern="1200">
           <a:solidFill>
-            <a:schemeClr val="tx2"/>
+            <a:schemeClr val="tx2">
+              <a:satMod val="130000"/>
+            </a:schemeClr>
           </a:solidFill>
           <a:effectLst>
-            <a:reflection blurRad="12700" stA="48000" endA="300" endPos="55000" dir="5400000" sy="-90000" algn="bl" rotWithShape="0"/>
+            <a:outerShdw blurRad="50000" dist="30000" dir="5400000" algn="tl" rotWithShape="0">
+              <a:srgbClr val="000000">
+                <a:alpha val="30000"/>
+              </a:srgbClr>
+            </a:outerShdw>
           </a:effectLst>
           <a:latin typeface="+mj-lt"/>
           <a:ea typeface="+mj-ea"/>
           <a:cs typeface="+mj-cs"/>
         </a:defRPr>
       </a:lvl1pPr>
+      <a:extLst/>
     </p:titleStyle>
     <p:bodyStyle>
-      <a:lvl1pPr marL="342900" indent="-342900" algn="l" rtl="0" eaLnBrk="1" latinLnBrk="0" hangingPunct="1">
+      <a:lvl1pPr marL="365760" indent="-283464" algn="l" rtl="0" eaLnBrk="1" latinLnBrk="0" hangingPunct="1">
+        <a:lnSpc>
+          <a:spcPct val="100000"/>
+        </a:lnSpc>
         <a:spcBef>
-          <a:spcPct val="20000"/>
+          <a:spcPts val="600"/>
         </a:spcBef>
         <a:buClr>
           <a:schemeClr val="accent1"/>
         </a:buClr>
-        <a:buSzPct val="70000"/>
+        <a:buSzPct val="80000"/>
         <a:buFont typeface="Wingdings 2"/>
-        <a:buChar char=""/>
+        <a:buChar char=""/>
         <a:defRPr kumimoji="0" sz="3200" kern="1200">
           <a:solidFill>
-            <a:schemeClr val="tx2"/>
+            <a:schemeClr val="tx1"/>
           </a:solidFill>
           <a:latin typeface="+mn-lt"/>
           <a:ea typeface="+mn-ea"/>
           <a:cs typeface="+mn-cs"/>
         </a:defRPr>
       </a:lvl1pPr>
-      <a:lvl2pPr marL="742950" indent="-285750" algn="l" rtl="0" eaLnBrk="1" latinLnBrk="0" hangingPunct="1">
+      <a:lvl2pPr marL="640080" indent="-237744" algn="l" rtl="0" eaLnBrk="1" latinLnBrk="0" hangingPunct="1">
+        <a:lnSpc>
+          <a:spcPct val="100000"/>
+        </a:lnSpc>
         <a:spcBef>
-          <a:spcPct val="20000"/>
+          <a:spcPts val="550"/>
         </a:spcBef>
         <a:buClr>
           <a:schemeClr val="accent1"/>
         </a:buClr>
-        <a:buSzPct val="70000"/>
-        <a:buFont typeface="Wingdings 2"/>
-        <a:buChar char=""/>
+        <a:buFont typeface="Verdana"/>
+        <a:buChar char="◦"/>
         <a:defRPr kumimoji="0" sz="2800" kern="1200">
           <a:solidFill>
-            <a:schemeClr val="tx2"/>
+            <a:schemeClr val="tx1"/>
           </a:solidFill>
           <a:latin typeface="+mn-lt"/>
           <a:ea typeface="+mn-ea"/>
           <a:cs typeface="+mn-cs"/>
         </a:defRPr>
       </a:lvl2pPr>
-      <a:lvl3pPr marL="1143000" indent="-228600" algn="l" rtl="0" eaLnBrk="1" latinLnBrk="0" hangingPunct="1">
+      <a:lvl3pPr marL="886968" indent="-228600" algn="l" rtl="0" eaLnBrk="1" latinLnBrk="0" hangingPunct="1">
+        <a:lnSpc>
+          <a:spcPct val="100000"/>
+        </a:lnSpc>
         <a:spcBef>
           <a:spcPct val="20000"/>
         </a:spcBef>
         <a:buClr>
-          <a:schemeClr val="accent1"/>
+          <a:schemeClr val="accent2"/>
         </a:buClr>
-        <a:buSzPct val="70000"/>
         <a:buFont typeface="Wingdings 2"/>
-        <a:buChar char=""/>
+        <a:buChar char=""/>
         <a:defRPr kumimoji="0" sz="2400" kern="1200">
           <a:solidFill>
-            <a:schemeClr val="tx2"/>
+            <a:schemeClr val="tx1"/>
           </a:solidFill>
           <a:latin typeface="+mn-lt"/>
           <a:ea typeface="+mn-ea"/>
           <a:cs typeface="+mn-cs"/>
         </a:defRPr>
       </a:lvl3pPr>
-      <a:lvl4pPr marL="1600200" indent="-228600" algn="l" rtl="0" eaLnBrk="1" latinLnBrk="0" hangingPunct="1">
+      <a:lvl4pPr marL="1097280" indent="-173736" algn="l" rtl="0" eaLnBrk="1" latinLnBrk="0" hangingPunct="1">
+        <a:lnSpc>
+          <a:spcPct val="100000"/>
+        </a:lnSpc>
         <a:spcBef>
           <a:spcPct val="20000"/>
         </a:spcBef>
         <a:buClr>
-          <a:schemeClr val="accent1"/>
+          <a:schemeClr val="accent3"/>
         </a:buClr>
-        <a:buSzPct val="70000"/>
         <a:buFont typeface="Wingdings 2"/>
-        <a:buChar char=""/>
+        <a:buChar char=""/>
         <a:defRPr kumimoji="0" sz="2000" kern="1200">
           <a:solidFill>
-            <a:schemeClr val="tx2"/>
+            <a:schemeClr val="tx1"/>
           </a:solidFill>
           <a:latin typeface="+mn-lt"/>
           <a:ea typeface="+mn-ea"/>
           <a:cs typeface="+mn-cs"/>
         </a:defRPr>
       </a:lvl4pPr>
-      <a:lvl5pPr marL="2057400" indent="-228600" algn="l" rtl="0" eaLnBrk="1" latinLnBrk="0" hangingPunct="1">
+      <a:lvl5pPr marL="1298448" indent="-182880" algn="l" rtl="0" eaLnBrk="1" latinLnBrk="0" hangingPunct="1">
+        <a:lnSpc>
+          <a:spcPct val="100000"/>
+        </a:lnSpc>
         <a:spcBef>
           <a:spcPct val="20000"/>
         </a:spcBef>
         <a:buClr>
-          <a:schemeClr val="accent1"/>
+          <a:schemeClr val="accent4"/>
         </a:buClr>
-        <a:buSzPct val="60000"/>
         <a:buFont typeface="Wingdings 2"/>
-        <a:buChar char=""/>
-        <a:defRPr kumimoji="0" sz="1800" kern="1200">
+        <a:buChar char=""/>
+        <a:defRPr kumimoji="0" sz="2000" kern="1200">
           <a:solidFill>
-            <a:schemeClr val="tx2"/>
+            <a:schemeClr val="tx1"/>
           </a:solidFill>
           <a:latin typeface="+mn-lt"/>
           <a:ea typeface="+mn-ea"/>
           <a:cs typeface="+mn-cs"/>
         </a:defRPr>
       </a:lvl5pPr>
-      <a:lvl6pPr marL="2514600" indent="-228600" algn="l" rtl="0" eaLnBrk="1" latinLnBrk="0" hangingPunct="1">
+      <a:lvl6pPr marL="1508760" indent="-182880" algn="l" rtl="0" eaLnBrk="1" latinLnBrk="0" hangingPunct="1">
+        <a:lnSpc>
+          <a:spcPct val="100000"/>
+        </a:lnSpc>
         <a:spcBef>
           <a:spcPct val="20000"/>
         </a:spcBef>
         <a:buClr>
-          <a:schemeClr val="accent1"/>
+          <a:schemeClr val="accent5"/>
         </a:buClr>
-        <a:buSzPct val="60000"/>
         <a:buFont typeface="Wingdings 2"/>
-        <a:buChar char=""/>
-        <a:defRPr kumimoji="0" sz="1800" kern="1200">
+        <a:buChar char=""/>
+        <a:defRPr kumimoji="0" sz="2000" kern="1200">
           <a:solidFill>
-            <a:schemeClr val="tx2"/>
+            <a:schemeClr val="tx1"/>
           </a:solidFill>
           <a:latin typeface="+mn-lt"/>
           <a:ea typeface="+mn-ea"/>
           <a:cs typeface="+mn-cs"/>
         </a:defRPr>
       </a:lvl6pPr>
-      <a:lvl7pPr marL="2971800" indent="-228600" algn="l" rtl="0" eaLnBrk="1" latinLnBrk="0" hangingPunct="1">
+      <a:lvl7pPr marL="1719072" indent="-182880" algn="l" rtl="0" eaLnBrk="1" latinLnBrk="0" hangingPunct="1">
+        <a:lnSpc>
+          <a:spcPct val="100000"/>
+        </a:lnSpc>
         <a:spcBef>
           <a:spcPct val="20000"/>
         </a:spcBef>
         <a:buClr>
-          <a:schemeClr val="accent1"/>
+          <a:schemeClr val="accent6"/>
         </a:buClr>
-        <a:buSzPct val="60000"/>
         <a:buFont typeface="Wingdings 2"/>
-        <a:buChar char=""/>
-        <a:defRPr kumimoji="0" sz="1600" kern="1200">
+        <a:buChar char=""/>
+        <a:defRPr kumimoji="0" sz="2000" kern="1200">
           <a:solidFill>
-            <a:schemeClr val="tx2"/>
+            <a:schemeClr val="tx1"/>
           </a:solidFill>
           <a:latin typeface="+mn-lt"/>
           <a:ea typeface="+mn-ea"/>
           <a:cs typeface="+mn-cs"/>
         </a:defRPr>
       </a:lvl7pPr>
-      <a:lvl8pPr marL="3429000" indent="-228600" algn="l" rtl="0" eaLnBrk="1" latinLnBrk="0" hangingPunct="1">
+      <a:lvl8pPr marL="1920240" indent="-182880" algn="l" rtl="0" eaLnBrk="1" latinLnBrk="0" hangingPunct="1">
+        <a:lnSpc>
+          <a:spcPct val="100000"/>
+        </a:lnSpc>
         <a:spcBef>
           <a:spcPct val="20000"/>
         </a:spcBef>
         <a:buClr>
-          <a:schemeClr val="accent1"/>
+          <a:schemeClr val="accent6"/>
         </a:buClr>
-        <a:buSzPct val="60000"/>
         <a:buFont typeface="Wingdings 2"/>
-        <a:buChar char=""/>
-        <a:defRPr kumimoji="0" sz="1600" kern="1200" baseline="0">
+        <a:buChar char=""/>
+        <a:defRPr kumimoji="0" sz="2000" kern="1200">
           <a:solidFill>
-            <a:schemeClr val="tx2"/>
+            <a:schemeClr val="tx1"/>
           </a:solidFill>
           <a:latin typeface="+mn-lt"/>
           <a:ea typeface="+mn-ea"/>
           <a:cs typeface="+mn-cs"/>
         </a:defRPr>
       </a:lvl8pPr>
-      <a:lvl9pPr marL="3886200" indent="-228600" algn="l" rtl="0" eaLnBrk="1" latinLnBrk="0" hangingPunct="1">
+      <a:lvl9pPr marL="2130552" indent="-182880" algn="l" rtl="0" eaLnBrk="1" latinLnBrk="0" hangingPunct="1">
+        <a:lnSpc>
+          <a:spcPct val="100000"/>
+        </a:lnSpc>
         <a:spcBef>
           <a:spcPct val="20000"/>
         </a:spcBef>
         <a:buClr>
-          <a:schemeClr val="accent1"/>
+          <a:schemeClr val="accent6"/>
         </a:buClr>
-        <a:buSzPct val="60000"/>
         <a:buFont typeface="Wingdings 2"/>
-        <a:buChar char=""/>
-        <a:defRPr kumimoji="0" sz="1400" kern="1200" baseline="0">
+        <a:buChar char=""/>
+        <a:defRPr kumimoji="0" sz="2000" kern="1200">
           <a:solidFill>
-            <a:schemeClr val="tx2"/>
+            <a:schemeClr val="tx1"/>
           </a:solidFill>
           <a:latin typeface="+mn-lt"/>
           <a:ea typeface="+mn-ea"/>
           <a:cs typeface="+mn-cs"/>
         </a:defRPr>
       </a:lvl9pPr>
+      <a:extLst/>
     </p:bodyStyle>
     <p:otherStyle>
       <a:lvl1pPr marL="0" algn="l" rtl="0" eaLnBrk="1" latinLnBrk="0" hangingPunct="1">
@@ -3233,6 +4134,7 @@
           <a:cs typeface="+mn-cs"/>
         </a:defRPr>
       </a:lvl9pPr>
+      <a:extLst/>
     </p:otherStyle>
   </p:txStyles>
 </p:sldMaster>
@@ -3297,11 +4199,53 @@
             <p:ph type="subTitle" idx="1"/>
           </p:nvPr>
         </p:nvSpPr>
-        <p:spPr/>
-        <p:txBody>
-          <a:bodyPr/>
+        <p:spPr>
+          <a:xfrm>
+            <a:off x="1403648" y="2996952"/>
+            <a:ext cx="7406640" cy="1752600"/>
+          </a:xfrm>
+        </p:spPr>
+        <p:txBody>
+          <a:bodyPr>
+            <a:normAutofit lnSpcReduction="10000"/>
+          </a:bodyPr>
           <a:lstStyle/>
           <a:p>
+            <a:pPr algn="ctr"/>
+            <a:r>
+              <a:rPr lang="de-DE" dirty="0" smtClean="0"/>
+              <a:t>Von:</a:t>
+            </a:r>
+          </a:p>
+          <a:p>
+            <a:pPr algn="ctr"/>
+            <a:r>
+              <a:rPr lang="de-DE" dirty="0" smtClean="0"/>
+              <a:t>Christof </a:t>
+            </a:r>
+            <a:r>
+              <a:rPr lang="de-DE" dirty="0" err="1" smtClean="0"/>
+              <a:t>Ochman</a:t>
+            </a:r>
+            <a:endParaRPr lang="de-DE" dirty="0" smtClean="0"/>
+          </a:p>
+          <a:p>
+            <a:pPr algn="ctr"/>
+            <a:r>
+              <a:rPr lang="de-DE" dirty="0" smtClean="0"/>
+              <a:t>Ingo Körner</a:t>
+            </a:r>
+          </a:p>
+          <a:p>
+            <a:pPr algn="ctr"/>
+            <a:r>
+              <a:rPr lang="de-DE" dirty="0" smtClean="0"/>
+              <a:t>Stefan </a:t>
+            </a:r>
+            <a:r>
+              <a:rPr lang="de-DE" dirty="0" err="1" smtClean="0"/>
+              <a:t>Lüttke</a:t>
+            </a:r>
             <a:endParaRPr lang="de-DE" dirty="0"/>
           </a:p>
         </p:txBody>
@@ -3311,6 +4255,13 @@
   <p:clrMapOvr>
     <a:masterClrMapping/>
   </p:clrMapOvr>
+  <p:timing>
+    <p:tnLst>
+      <p:par>
+        <p:cTn id="1" dur="indefinite" restart="never" nodeType="tmRoot"/>
+      </p:par>
+    </p:tnLst>
+  </p:timing>
 </p:sld>
 </file>
 
@@ -3348,36 +4299,47 @@
           <a:p>
             <a:r>
               <a:rPr lang="de-DE" dirty="0" smtClean="0"/>
-              <a:t>Abstract</a:t>
+              <a:t>Planung</a:t>
             </a:r>
             <a:endParaRPr lang="de-DE" dirty="0"/>
           </a:p>
         </p:txBody>
       </p:sp>
-      <p:sp>
-        <p:nvSpPr>
-          <p:cNvPr id="3" name="Inhaltsplatzhalter 2"/>
-          <p:cNvSpPr>
-            <a:spLocks noGrp="1"/>
-          </p:cNvSpPr>
+      <p:pic>
+        <p:nvPicPr>
+          <p:cNvPr id="4" name="Inhaltsplatzhalter 3" descr="used_ADBC_ERD.png"/>
+          <p:cNvPicPr>
+            <a:picLocks noGrp="1" noChangeAspect="1"/>
+          </p:cNvPicPr>
           <p:nvPr>
             <p:ph idx="1"/>
           </p:nvPr>
-        </p:nvSpPr>
-        <p:spPr/>
-        <p:txBody>
-          <a:bodyPr/>
-          <a:lstStyle/>
-          <a:p>
-            <a:endParaRPr lang="de-DE"/>
-          </a:p>
-        </p:txBody>
-      </p:sp>
+        </p:nvPicPr>
+        <p:blipFill>
+          <a:blip r:embed="rId2" cstate="print"/>
+          <a:stretch>
+            <a:fillRect/>
+          </a:stretch>
+        </p:blipFill>
+        <p:spPr>
+          <a:xfrm>
+            <a:off x="1435100" y="3163784"/>
+            <a:ext cx="7499350" cy="1368631"/>
+          </a:xfrm>
+        </p:spPr>
+      </p:pic>
     </p:spTree>
   </p:cSld>
   <p:clrMapOvr>
     <a:masterClrMapping/>
   </p:clrMapOvr>
+  <p:timing>
+    <p:tnLst>
+      <p:par>
+        <p:cTn id="1" dur="indefinite" restart="never" nodeType="tmRoot"/>
+      </p:par>
+    </p:tnLst>
+  </p:timing>
 </p:sld>
 </file>
 
@@ -3415,40 +4377,85 @@
           <a:p>
             <a:r>
               <a:rPr lang="de-DE" dirty="0" smtClean="0"/>
-              <a:t>Planung</a:t>
+              <a:t>Abfragen</a:t>
             </a:r>
             <a:endParaRPr lang="de-DE" dirty="0"/>
           </a:p>
         </p:txBody>
       </p:sp>
-      <p:pic>
-        <p:nvPicPr>
-          <p:cNvPr id="4" name="Inhaltsplatzhalter 3" descr="used_ADBC_ERD.png"/>
-          <p:cNvPicPr>
-            <a:picLocks noGrp="1" noChangeAspect="1"/>
-          </p:cNvPicPr>
+      <p:sp>
+        <p:nvSpPr>
+          <p:cNvPr id="3" name="Inhaltsplatzhalter 2"/>
+          <p:cNvSpPr>
+            <a:spLocks noGrp="1"/>
+          </p:cNvSpPr>
           <p:nvPr>
             <p:ph idx="1"/>
           </p:nvPr>
-        </p:nvPicPr>
-        <p:blipFill>
-          <a:blip r:embed="rId2" cstate="print"/>
-          <a:stretch>
-            <a:fillRect/>
-          </a:stretch>
-        </p:blipFill>
-        <p:spPr>
-          <a:xfrm>
-            <a:off x="304800" y="3024473"/>
-            <a:ext cx="8686800" cy="1585341"/>
-          </a:xfrm>
-        </p:spPr>
-      </p:pic>
+        </p:nvSpPr>
+        <p:spPr/>
+        <p:txBody>
+          <a:bodyPr/>
+          <a:lstStyle/>
+          <a:p>
+            <a:r>
+              <a:rPr lang="de-DE" dirty="0" smtClean="0"/>
+              <a:t>Welches Produkt wurde wie oft gekauft?</a:t>
+            </a:r>
+          </a:p>
+          <a:p>
+            <a:r>
+              <a:rPr lang="de-DE" dirty="0" smtClean="0"/>
+              <a:t>Wie viel </a:t>
+            </a:r>
+            <a:r>
+              <a:rPr lang="de-DE" dirty="0" smtClean="0"/>
+              <a:t>Umsatz wurde von wem in einem bestimmtem Zeitraum generiert?</a:t>
+            </a:r>
+          </a:p>
+          <a:p>
+            <a:r>
+              <a:rPr lang="de-DE" dirty="0" smtClean="0"/>
+              <a:t>Wie </a:t>
+            </a:r>
+            <a:r>
+              <a:rPr lang="de-DE" dirty="0" smtClean="0"/>
+              <a:t>viele Kunden haben an einem bestimmten Zeitpunkt bestellt?</a:t>
+            </a:r>
+          </a:p>
+          <a:p>
+            <a:r>
+              <a:rPr lang="de-DE" dirty="0" smtClean="0"/>
+              <a:t>Wer </a:t>
+            </a:r>
+            <a:r>
+              <a:rPr lang="de-DE" dirty="0" smtClean="0"/>
+              <a:t>hat </a:t>
+            </a:r>
+            <a:r>
+              <a:rPr lang="de-DE" dirty="0" smtClean="0"/>
+              <a:t>wie viel </a:t>
+            </a:r>
+            <a:r>
+              <a:rPr lang="de-DE" dirty="0" smtClean="0"/>
+              <a:t>an den gegebenen neun Tagen umgesetzt?</a:t>
+            </a:r>
+            <a:endParaRPr lang="de-DE" dirty="0"/>
+          </a:p>
+        </p:txBody>
+      </p:sp>
     </p:spTree>
   </p:cSld>
   <p:clrMapOvr>
     <a:masterClrMapping/>
   </p:clrMapOvr>
+  <p:timing>
+    <p:tnLst>
+      <p:par>
+        <p:cTn id="1" dur="indefinite" restart="never" nodeType="tmRoot"/>
+      </p:par>
+    </p:tnLst>
+  </p:timing>
 </p:sld>
 </file>
 
@@ -3486,7 +4493,7 @@
           <a:p>
             <a:r>
               <a:rPr lang="de-DE" dirty="0" smtClean="0"/>
-              <a:t>Abfragen</a:t>
+              <a:t>Konfigurationen</a:t>
             </a:r>
             <a:endParaRPr lang="de-DE" dirty="0"/>
           </a:p>
@@ -3504,50 +4511,470 @@
         </p:nvSpPr>
         <p:spPr/>
         <p:txBody>
-          <a:bodyPr/>
+          <a:bodyPr>
+            <a:normAutofit fontScale="55000" lnSpcReduction="20000"/>
+          </a:bodyPr>
           <a:lstStyle/>
           <a:p>
             <a:r>
               <a:rPr lang="de-DE" dirty="0" smtClean="0"/>
-              <a:t>Welches Produkt wurde wie oft gekauft?</a:t>
-            </a:r>
-          </a:p>
-          <a:p>
-            <a:r>
-              <a:rPr lang="de-DE" dirty="0" smtClean="0"/>
-              <a:t>Wie viel </a:t>
-            </a:r>
-            <a:r>
-              <a:rPr lang="de-DE" dirty="0" smtClean="0"/>
-              <a:t>Umsatz wurde von wem in einem bestimmtem Zeitraum generiert?</a:t>
-            </a:r>
-          </a:p>
-          <a:p>
-            <a:r>
-              <a:rPr lang="de-DE" dirty="0" smtClean="0"/>
-              <a:t>Wie </a:t>
-            </a:r>
-            <a:r>
-              <a:rPr lang="de-DE" dirty="0" smtClean="0"/>
-              <a:t>viele Kunden haben an einem bestimmten Zeitpunkt bestellt?</a:t>
-            </a:r>
-          </a:p>
-          <a:p>
-            <a:r>
-              <a:rPr lang="de-DE" dirty="0" smtClean="0"/>
-              <a:t>Wer </a:t>
-            </a:r>
-            <a:r>
-              <a:rPr lang="de-DE" dirty="0" smtClean="0"/>
-              <a:t>hat </a:t>
-            </a:r>
-            <a:r>
-              <a:rPr lang="de-DE" dirty="0" smtClean="0"/>
-              <a:t>wie viel </a:t>
-            </a:r>
-            <a:r>
-              <a:rPr lang="de-DE" dirty="0" smtClean="0"/>
-              <a:t>an den gegebenen neun Tagen umgesetzt?</a:t>
+              <a:t>K3: </a:t>
+            </a:r>
+            <a:r>
+              <a:rPr lang="en-US" dirty="0" smtClean="0"/>
+              <a:t>Hash-</a:t>
+            </a:r>
+            <a:r>
+              <a:rPr lang="en-US" dirty="0" err="1" smtClean="0"/>
+              <a:t>Indizes</a:t>
+            </a:r>
+            <a:r>
+              <a:rPr lang="en-US" dirty="0" smtClean="0"/>
+              <a:t> auf Primary Keys und Foreign Keys / </a:t>
+            </a:r>
+            <a:r>
+              <a:rPr lang="en-US" dirty="0" err="1" smtClean="0"/>
+              <a:t>ohne</a:t>
+            </a:r>
+            <a:r>
+              <a:rPr lang="en-US" dirty="0" smtClean="0"/>
+              <a:t> </a:t>
+            </a:r>
+            <a:r>
+              <a:rPr lang="en-US" dirty="0" smtClean="0"/>
+              <a:t>Partitioning</a:t>
+            </a:r>
+          </a:p>
+          <a:p>
+            <a:r>
+              <a:rPr lang="de-DE" dirty="0" smtClean="0"/>
+              <a:t> K4 : B-</a:t>
+            </a:r>
+            <a:r>
+              <a:rPr lang="de-DE" dirty="0" err="1" smtClean="0"/>
+              <a:t>Tree</a:t>
+            </a:r>
+            <a:r>
+              <a:rPr lang="de-DE" dirty="0" smtClean="0"/>
+              <a:t>-Indizes auf Primary </a:t>
+            </a:r>
+            <a:r>
+              <a:rPr lang="de-DE" dirty="0" err="1" smtClean="0"/>
+              <a:t>Keys</a:t>
+            </a:r>
+            <a:r>
+              <a:rPr lang="de-DE" dirty="0" smtClean="0"/>
+              <a:t> und </a:t>
+            </a:r>
+            <a:r>
+              <a:rPr lang="de-DE" dirty="0" err="1" smtClean="0"/>
+              <a:t>Foreign</a:t>
+            </a:r>
+            <a:r>
+              <a:rPr lang="de-DE" dirty="0" smtClean="0"/>
+              <a:t> </a:t>
+            </a:r>
+            <a:r>
+              <a:rPr lang="de-DE" dirty="0" err="1" smtClean="0"/>
+              <a:t>Keys</a:t>
+            </a:r>
+            <a:r>
+              <a:rPr lang="de-DE" dirty="0" smtClean="0"/>
+              <a:t> / ohne </a:t>
+            </a:r>
+            <a:r>
+              <a:rPr lang="de-DE" dirty="0" err="1" smtClean="0"/>
+              <a:t>Partitioning</a:t>
+            </a:r>
+            <a:endParaRPr lang="de-DE" dirty="0" smtClean="0"/>
+          </a:p>
+          <a:p>
+            <a:r>
+              <a:rPr lang="de-DE" dirty="0" smtClean="0"/>
+              <a:t> K5 : Hash-Indizes auf Primary </a:t>
+            </a:r>
+            <a:r>
+              <a:rPr lang="de-DE" dirty="0" err="1" smtClean="0"/>
+              <a:t>Keys</a:t>
+            </a:r>
+            <a:r>
+              <a:rPr lang="de-DE" dirty="0" smtClean="0"/>
+              <a:t> und </a:t>
+            </a:r>
+            <a:r>
+              <a:rPr lang="de-DE" dirty="0" err="1" smtClean="0"/>
+              <a:t>Foreign</a:t>
+            </a:r>
+            <a:r>
+              <a:rPr lang="de-DE" dirty="0" smtClean="0"/>
+              <a:t> </a:t>
+            </a:r>
+            <a:r>
+              <a:rPr lang="de-DE" dirty="0" err="1" smtClean="0"/>
+              <a:t>Keys</a:t>
+            </a:r>
+            <a:r>
+              <a:rPr lang="de-DE" dirty="0" smtClean="0"/>
+              <a:t> sowie </a:t>
+            </a:r>
+            <a:r>
+              <a:rPr lang="de-DE" dirty="0" smtClean="0"/>
+              <a:t>B-</a:t>
+            </a:r>
+            <a:r>
+              <a:rPr lang="de-DE" dirty="0" err="1" smtClean="0"/>
+              <a:t>Tree</a:t>
+            </a:r>
+            <a:r>
+              <a:rPr lang="de-DE" dirty="0" smtClean="0"/>
+              <a:t>-Index auf </a:t>
+            </a:r>
+            <a:r>
+              <a:rPr lang="de-DE" dirty="0" smtClean="0"/>
+              <a:t>Datum / ohne </a:t>
+            </a:r>
+            <a:r>
+              <a:rPr lang="de-DE" dirty="0" err="1" smtClean="0"/>
+              <a:t>Partitioning</a:t>
+            </a:r>
+            <a:endParaRPr lang="de-DE" dirty="0" smtClean="0"/>
+          </a:p>
+          <a:p>
+            <a:r>
+              <a:rPr lang="de-DE" dirty="0" smtClean="0"/>
+              <a:t>K6 </a:t>
+            </a:r>
+            <a:r>
+              <a:rPr lang="de-DE" dirty="0" smtClean="0"/>
+              <a:t>: Hash-Indizes auf Primary </a:t>
+            </a:r>
+            <a:r>
+              <a:rPr lang="de-DE" dirty="0" err="1" smtClean="0"/>
+              <a:t>Keys</a:t>
+            </a:r>
+            <a:r>
+              <a:rPr lang="de-DE" dirty="0" smtClean="0"/>
+              <a:t> und </a:t>
+            </a:r>
+            <a:r>
+              <a:rPr lang="de-DE" dirty="0" err="1" smtClean="0"/>
+              <a:t>Foreign</a:t>
+            </a:r>
+            <a:r>
+              <a:rPr lang="de-DE" dirty="0" smtClean="0"/>
+              <a:t> </a:t>
+            </a:r>
+            <a:r>
+              <a:rPr lang="de-DE" dirty="0" err="1" smtClean="0"/>
+              <a:t>Keys</a:t>
+            </a:r>
+            <a:r>
+              <a:rPr lang="de-DE" dirty="0" smtClean="0"/>
+              <a:t> sowie </a:t>
+            </a:r>
+            <a:r>
+              <a:rPr lang="de-DE" dirty="0" smtClean="0"/>
+              <a:t>B-</a:t>
+            </a:r>
+            <a:r>
+              <a:rPr lang="de-DE" dirty="0" err="1" smtClean="0"/>
+              <a:t>Tree</a:t>
+            </a:r>
+            <a:r>
+              <a:rPr lang="de-DE" dirty="0" smtClean="0"/>
+              <a:t>-Index auf </a:t>
+            </a:r>
+            <a:r>
+              <a:rPr lang="de-DE" dirty="0" smtClean="0"/>
+              <a:t>Datum / mit List-</a:t>
+            </a:r>
+            <a:r>
+              <a:rPr lang="de-DE" dirty="0" err="1" smtClean="0"/>
+              <a:t>Partitioning</a:t>
+            </a:r>
+            <a:r>
+              <a:rPr lang="de-DE" dirty="0" smtClean="0"/>
+              <a:t> auf MONTH(Datum) für jedes Quartal</a:t>
+            </a:r>
+          </a:p>
+          <a:p>
+            <a:r>
+              <a:rPr lang="de-DE" dirty="0" smtClean="0"/>
+              <a:t>K7 </a:t>
+            </a:r>
+            <a:r>
+              <a:rPr lang="de-DE" dirty="0" smtClean="0"/>
+              <a:t>: Hash-Indizes auf Primary </a:t>
+            </a:r>
+            <a:r>
+              <a:rPr lang="de-DE" dirty="0" err="1" smtClean="0"/>
+              <a:t>Keys</a:t>
+            </a:r>
+            <a:r>
+              <a:rPr lang="de-DE" dirty="0" smtClean="0"/>
+              <a:t> und </a:t>
+            </a:r>
+            <a:r>
+              <a:rPr lang="de-DE" dirty="0" err="1" smtClean="0"/>
+              <a:t>Foreign</a:t>
+            </a:r>
+            <a:r>
+              <a:rPr lang="de-DE" dirty="0" smtClean="0"/>
+              <a:t> </a:t>
+            </a:r>
+            <a:r>
+              <a:rPr lang="de-DE" dirty="0" err="1" smtClean="0"/>
+              <a:t>Keys</a:t>
+            </a:r>
+            <a:r>
+              <a:rPr lang="de-DE" dirty="0" smtClean="0"/>
+              <a:t> sowie </a:t>
+            </a:r>
+            <a:r>
+              <a:rPr lang="de-DE" dirty="0" smtClean="0"/>
+              <a:t>B-</a:t>
+            </a:r>
+            <a:r>
+              <a:rPr lang="de-DE" dirty="0" err="1" smtClean="0"/>
+              <a:t>Tree</a:t>
+            </a:r>
+            <a:r>
+              <a:rPr lang="de-DE" dirty="0" smtClean="0"/>
+              <a:t>-Index auf </a:t>
+            </a:r>
+            <a:r>
+              <a:rPr lang="de-DE" dirty="0" smtClean="0"/>
+              <a:t>Datum / mit Hash-</a:t>
+            </a:r>
+            <a:r>
+              <a:rPr lang="de-DE" dirty="0" err="1" smtClean="0"/>
+              <a:t>Partitioning</a:t>
+            </a:r>
+            <a:r>
+              <a:rPr lang="de-DE" dirty="0" smtClean="0"/>
+              <a:t> auf MONTH(Datum) für jeden Monat</a:t>
+            </a:r>
+          </a:p>
+          <a:p>
+            <a:r>
+              <a:rPr lang="de-DE" dirty="0" smtClean="0"/>
+              <a:t>K8 </a:t>
+            </a:r>
+            <a:r>
+              <a:rPr lang="de-DE" dirty="0" smtClean="0"/>
+              <a:t>: Hash-Indizes auf Primary </a:t>
+            </a:r>
+            <a:r>
+              <a:rPr lang="de-DE" dirty="0" err="1" smtClean="0"/>
+              <a:t>Keys</a:t>
+            </a:r>
+            <a:r>
+              <a:rPr lang="de-DE" dirty="0" smtClean="0"/>
+              <a:t> und </a:t>
+            </a:r>
+            <a:r>
+              <a:rPr lang="de-DE" dirty="0" err="1" smtClean="0"/>
+              <a:t>Foreign</a:t>
+            </a:r>
+            <a:r>
+              <a:rPr lang="de-DE" dirty="0" smtClean="0"/>
+              <a:t> </a:t>
+            </a:r>
+            <a:r>
+              <a:rPr lang="de-DE" dirty="0" err="1" smtClean="0"/>
+              <a:t>Keys</a:t>
+            </a:r>
+            <a:r>
+              <a:rPr lang="de-DE" dirty="0" smtClean="0"/>
+              <a:t> sowie B-</a:t>
+            </a:r>
+            <a:r>
+              <a:rPr lang="de-DE" dirty="0" err="1" smtClean="0"/>
+              <a:t>Tree</a:t>
+            </a:r>
+            <a:r>
+              <a:rPr lang="de-DE" dirty="0" smtClean="0"/>
+              <a:t> </a:t>
+            </a:r>
+            <a:r>
+              <a:rPr lang="de-DE" dirty="0" smtClean="0"/>
+              <a:t>Index </a:t>
+            </a:r>
+            <a:r>
+              <a:rPr lang="de-DE" dirty="0" smtClean="0"/>
+              <a:t>auf Datum / mit Range-</a:t>
+            </a:r>
+            <a:r>
+              <a:rPr lang="de-DE" dirty="0" err="1" smtClean="0"/>
+              <a:t>Partitioning</a:t>
+            </a:r>
+            <a:r>
+              <a:rPr lang="de-DE" dirty="0" smtClean="0"/>
+              <a:t> auf COLUMNS(Datum) für </a:t>
+            </a:r>
+            <a:r>
+              <a:rPr lang="de-DE" dirty="0" smtClean="0"/>
+              <a:t>jedes Quartal</a:t>
+            </a:r>
+          </a:p>
+          <a:p>
+            <a:r>
+              <a:rPr lang="de-DE" dirty="0" smtClean="0"/>
+              <a:t>K9 : Hash Indizes auf Primary </a:t>
+            </a:r>
+            <a:r>
+              <a:rPr lang="de-DE" dirty="0" err="1" smtClean="0"/>
+              <a:t>Keys</a:t>
+            </a:r>
+            <a:r>
+              <a:rPr lang="de-DE" dirty="0" smtClean="0"/>
+              <a:t> und </a:t>
+            </a:r>
+            <a:r>
+              <a:rPr lang="de-DE" dirty="0" err="1" smtClean="0"/>
+              <a:t>Foreign</a:t>
+            </a:r>
+            <a:r>
+              <a:rPr lang="de-DE" dirty="0" smtClean="0"/>
+              <a:t> </a:t>
+            </a:r>
+            <a:r>
+              <a:rPr lang="de-DE" dirty="0" err="1" smtClean="0"/>
+              <a:t>Keys</a:t>
+            </a:r>
+            <a:r>
+              <a:rPr lang="de-DE" dirty="0" smtClean="0"/>
+              <a:t> sowie B-</a:t>
+            </a:r>
+            <a:r>
+              <a:rPr lang="de-DE" dirty="0" err="1" smtClean="0"/>
+              <a:t>Tree</a:t>
+            </a:r>
+            <a:r>
+              <a:rPr lang="de-DE" dirty="0" smtClean="0"/>
+              <a:t>-</a:t>
+            </a:r>
+            <a:r>
+              <a:rPr lang="de-DE" dirty="0" err="1" smtClean="0"/>
+              <a:t>Indexauf</a:t>
+            </a:r>
+            <a:r>
+              <a:rPr lang="de-DE" dirty="0" smtClean="0"/>
+              <a:t> Datum </a:t>
+            </a:r>
+            <a:r>
+              <a:rPr lang="de-DE" dirty="0" smtClean="0"/>
+              <a:t>/ mit </a:t>
+            </a:r>
+            <a:r>
+              <a:rPr lang="de-DE" dirty="0" smtClean="0"/>
+              <a:t>Sub-</a:t>
+            </a:r>
+            <a:r>
+              <a:rPr lang="de-DE" dirty="0" err="1" smtClean="0"/>
+              <a:t>Partitioning</a:t>
+            </a:r>
+            <a:r>
+              <a:rPr lang="de-DE" dirty="0" smtClean="0"/>
+              <a:t> (Range-</a:t>
+            </a:r>
+            <a:r>
+              <a:rPr lang="de-DE" dirty="0" err="1" smtClean="0"/>
+              <a:t>Partitioning</a:t>
+            </a:r>
+            <a:r>
+              <a:rPr lang="de-DE" dirty="0" smtClean="0"/>
+              <a:t> quartalsweise auf </a:t>
+            </a:r>
+            <a:r>
+              <a:rPr lang="de-DE" dirty="0" smtClean="0"/>
+              <a:t>Datum </a:t>
+            </a:r>
+            <a:r>
+              <a:rPr lang="de-DE" dirty="0" smtClean="0"/>
+              <a:t>und für jedes Quartal jeweils vier Hash-</a:t>
+            </a:r>
+            <a:r>
+              <a:rPr lang="de-DE" dirty="0" err="1" smtClean="0"/>
+              <a:t>Partitions</a:t>
+            </a:r>
+            <a:r>
+              <a:rPr lang="de-DE" dirty="0" smtClean="0"/>
+              <a:t> auf TO DAYS(Datum))</a:t>
+            </a:r>
+          </a:p>
+          <a:p>
+            <a:r>
+              <a:rPr lang="de-DE" dirty="0" smtClean="0"/>
+              <a:t>K10</a:t>
+            </a:r>
+            <a:r>
+              <a:rPr lang="de-DE" dirty="0" smtClean="0"/>
+              <a:t>: Hash-Indizes auf Primary </a:t>
+            </a:r>
+            <a:r>
+              <a:rPr lang="de-DE" dirty="0" err="1" smtClean="0"/>
+              <a:t>Keys</a:t>
+            </a:r>
+            <a:r>
+              <a:rPr lang="de-DE" dirty="0" smtClean="0"/>
+              <a:t> und </a:t>
+            </a:r>
+            <a:r>
+              <a:rPr lang="de-DE" dirty="0" err="1" smtClean="0"/>
+              <a:t>Foreign</a:t>
+            </a:r>
+            <a:r>
+              <a:rPr lang="de-DE" dirty="0" smtClean="0"/>
+              <a:t> </a:t>
+            </a:r>
+            <a:r>
+              <a:rPr lang="de-DE" dirty="0" err="1" smtClean="0"/>
+              <a:t>Keys</a:t>
+            </a:r>
+            <a:r>
+              <a:rPr lang="de-DE" dirty="0" smtClean="0"/>
+              <a:t> / mit </a:t>
+            </a:r>
+            <a:r>
+              <a:rPr lang="de-DE" dirty="0" smtClean="0"/>
+              <a:t>Sub-</a:t>
+            </a:r>
+            <a:r>
+              <a:rPr lang="de-DE" dirty="0" err="1" smtClean="0"/>
+              <a:t>Partitioning</a:t>
+            </a:r>
+            <a:r>
+              <a:rPr lang="de-DE" dirty="0" smtClean="0"/>
+              <a:t> (Range-</a:t>
+            </a:r>
+            <a:r>
+              <a:rPr lang="de-DE" dirty="0" err="1" smtClean="0"/>
+              <a:t>Partitioning</a:t>
+            </a:r>
+            <a:r>
+              <a:rPr lang="de-DE" dirty="0" smtClean="0"/>
+              <a:t> </a:t>
+            </a:r>
+            <a:r>
+              <a:rPr lang="de-DE" dirty="0" smtClean="0"/>
+              <a:t>quartalsweise auf Datum und für jedes Quartal </a:t>
+            </a:r>
+            <a:r>
+              <a:rPr lang="de-DE" dirty="0" smtClean="0"/>
+              <a:t>jeweils vier </a:t>
+            </a:r>
+            <a:r>
+              <a:rPr lang="de-DE" dirty="0" smtClean="0"/>
+              <a:t>Hash-</a:t>
+            </a:r>
+            <a:r>
+              <a:rPr lang="de-DE" dirty="0" err="1" smtClean="0"/>
+              <a:t>Partitions</a:t>
+            </a:r>
+            <a:r>
+              <a:rPr lang="de-DE" dirty="0" smtClean="0"/>
+              <a:t> auf TO DAYS(Datum)</a:t>
             </a:r>
             <a:endParaRPr lang="de-DE" dirty="0"/>
           </a:p>
@@ -3558,6 +4985,13 @@
   <p:clrMapOvr>
     <a:masterClrMapping/>
   </p:clrMapOvr>
+  <p:timing>
+    <p:tnLst>
+      <p:par>
+        <p:cTn id="1" dur="indefinite" restart="never" nodeType="tmRoot"/>
+      </p:par>
+    </p:tnLst>
+  </p:timing>
 </p:sld>
 </file>
 
@@ -3595,535 +5029,6 @@
           <a:p>
             <a:r>
               <a:rPr lang="de-DE" dirty="0" smtClean="0"/>
-              <a:t>Konfigurationen</a:t>
-            </a:r>
-            <a:endParaRPr lang="de-DE" dirty="0"/>
-          </a:p>
-        </p:txBody>
-      </p:sp>
-      <p:sp>
-        <p:nvSpPr>
-          <p:cNvPr id="3" name="Inhaltsplatzhalter 2"/>
-          <p:cNvSpPr>
-            <a:spLocks noGrp="1"/>
-          </p:cNvSpPr>
-          <p:nvPr>
-            <p:ph idx="1"/>
-          </p:nvPr>
-        </p:nvSpPr>
-        <p:spPr/>
-        <p:txBody>
-          <a:bodyPr>
-            <a:normAutofit fontScale="62500" lnSpcReduction="20000"/>
-          </a:bodyPr>
-          <a:lstStyle/>
-          <a:p>
-            <a:r>
-              <a:rPr lang="de-DE" dirty="0" smtClean="0"/>
-              <a:t>K3: </a:t>
-            </a:r>
-            <a:r>
-              <a:rPr lang="en-US" dirty="0" smtClean="0"/>
-              <a:t>Hash-</a:t>
-            </a:r>
-            <a:r>
-              <a:rPr lang="en-US" dirty="0" err="1" smtClean="0"/>
-              <a:t>Indizes</a:t>
-            </a:r>
-            <a:r>
-              <a:rPr lang="en-US" dirty="0" smtClean="0"/>
-              <a:t> auf Primary Keys und Foreign Keys / </a:t>
-            </a:r>
-            <a:r>
-              <a:rPr lang="en-US" dirty="0" err="1" smtClean="0"/>
-              <a:t>ohne</a:t>
-            </a:r>
-            <a:r>
-              <a:rPr lang="en-US" dirty="0" smtClean="0"/>
-              <a:t> </a:t>
-            </a:r>
-            <a:r>
-              <a:rPr lang="en-US" dirty="0" smtClean="0"/>
-              <a:t>Partitioning</a:t>
-            </a:r>
-          </a:p>
-          <a:p>
-            <a:r>
-              <a:rPr lang="de-DE" dirty="0" smtClean="0"/>
-              <a:t> K4 : B-</a:t>
-            </a:r>
-            <a:r>
-              <a:rPr lang="de-DE" dirty="0" err="1" smtClean="0"/>
-              <a:t>Tree</a:t>
-            </a:r>
-            <a:r>
-              <a:rPr lang="de-DE" dirty="0" smtClean="0"/>
-              <a:t>-Indizes auf Primary </a:t>
-            </a:r>
-            <a:r>
-              <a:rPr lang="de-DE" dirty="0" err="1" smtClean="0"/>
-              <a:t>Keys</a:t>
-            </a:r>
-            <a:r>
-              <a:rPr lang="de-DE" dirty="0" smtClean="0"/>
-              <a:t> und </a:t>
-            </a:r>
-            <a:r>
-              <a:rPr lang="de-DE" dirty="0" err="1" smtClean="0"/>
-              <a:t>Foreign</a:t>
-            </a:r>
-            <a:r>
-              <a:rPr lang="de-DE" dirty="0" smtClean="0"/>
-              <a:t> </a:t>
-            </a:r>
-            <a:r>
-              <a:rPr lang="de-DE" dirty="0" err="1" smtClean="0"/>
-              <a:t>Keys</a:t>
-            </a:r>
-            <a:r>
-              <a:rPr lang="de-DE" dirty="0" smtClean="0"/>
-              <a:t> / ohne </a:t>
-            </a:r>
-            <a:r>
-              <a:rPr lang="de-DE" dirty="0" err="1" smtClean="0"/>
-              <a:t>Partitioning</a:t>
-            </a:r>
-            <a:endParaRPr lang="de-DE" dirty="0" smtClean="0"/>
-          </a:p>
-          <a:p>
-            <a:r>
-              <a:rPr lang="de-DE" dirty="0" smtClean="0"/>
-              <a:t> K5 : Hash-Indizes auf Primary </a:t>
-            </a:r>
-            <a:r>
-              <a:rPr lang="de-DE" dirty="0" err="1" smtClean="0"/>
-              <a:t>Keys</a:t>
-            </a:r>
-            <a:r>
-              <a:rPr lang="de-DE" dirty="0" smtClean="0"/>
-              <a:t> und </a:t>
-            </a:r>
-            <a:r>
-              <a:rPr lang="de-DE" dirty="0" err="1" smtClean="0"/>
-              <a:t>Foreign</a:t>
-            </a:r>
-            <a:r>
-              <a:rPr lang="de-DE" dirty="0" smtClean="0"/>
-              <a:t> </a:t>
-            </a:r>
-            <a:r>
-              <a:rPr lang="de-DE" dirty="0" err="1" smtClean="0"/>
-              <a:t>Keys</a:t>
-            </a:r>
-            <a:r>
-              <a:rPr lang="de-DE" dirty="0" smtClean="0"/>
-              <a:t> sowie </a:t>
-            </a:r>
-            <a:r>
-              <a:rPr lang="de-DE" dirty="0" smtClean="0"/>
-              <a:t>B-</a:t>
-            </a:r>
-            <a:r>
-              <a:rPr lang="de-DE" dirty="0" err="1" smtClean="0"/>
-              <a:t>Tree</a:t>
-            </a:r>
-            <a:r>
-              <a:rPr lang="de-DE" dirty="0" smtClean="0"/>
-              <a:t>-Index auf </a:t>
-            </a:r>
-            <a:r>
-              <a:rPr lang="de-DE" dirty="0" smtClean="0"/>
-              <a:t>Datum / ohne </a:t>
-            </a:r>
-            <a:r>
-              <a:rPr lang="de-DE" dirty="0" err="1" smtClean="0"/>
-              <a:t>Partitioning</a:t>
-            </a:r>
-            <a:endParaRPr lang="de-DE" dirty="0" smtClean="0"/>
-          </a:p>
-          <a:p>
-            <a:r>
-              <a:rPr lang="de-DE" dirty="0" smtClean="0"/>
-              <a:t>K6 </a:t>
-            </a:r>
-            <a:r>
-              <a:rPr lang="de-DE" dirty="0" smtClean="0"/>
-              <a:t>: Hash-Indizes auf Primary </a:t>
-            </a:r>
-            <a:r>
-              <a:rPr lang="de-DE" dirty="0" err="1" smtClean="0"/>
-              <a:t>Keys</a:t>
-            </a:r>
-            <a:r>
-              <a:rPr lang="de-DE" dirty="0" smtClean="0"/>
-              <a:t> und </a:t>
-            </a:r>
-            <a:r>
-              <a:rPr lang="de-DE" dirty="0" err="1" smtClean="0"/>
-              <a:t>Foreign</a:t>
-            </a:r>
-            <a:r>
-              <a:rPr lang="de-DE" dirty="0" smtClean="0"/>
-              <a:t> </a:t>
-            </a:r>
-            <a:r>
-              <a:rPr lang="de-DE" dirty="0" err="1" smtClean="0"/>
-              <a:t>Keys</a:t>
-            </a:r>
-            <a:r>
-              <a:rPr lang="de-DE" dirty="0" smtClean="0"/>
-              <a:t> sowie </a:t>
-            </a:r>
-            <a:r>
-              <a:rPr lang="de-DE" dirty="0" smtClean="0"/>
-              <a:t>B-</a:t>
-            </a:r>
-            <a:r>
-              <a:rPr lang="de-DE" dirty="0" err="1" smtClean="0"/>
-              <a:t>Tree</a:t>
-            </a:r>
-            <a:r>
-              <a:rPr lang="de-DE" dirty="0" smtClean="0"/>
-              <a:t>-Index auf </a:t>
-            </a:r>
-            <a:r>
-              <a:rPr lang="de-DE" dirty="0" smtClean="0"/>
-              <a:t>Datum / mit List-</a:t>
-            </a:r>
-            <a:r>
-              <a:rPr lang="de-DE" dirty="0" err="1" smtClean="0"/>
-              <a:t>Partitioning</a:t>
-            </a:r>
-            <a:r>
-              <a:rPr lang="de-DE" dirty="0" smtClean="0"/>
-              <a:t> auf MONTH(Datum) für jedes Quartal</a:t>
-            </a:r>
-          </a:p>
-          <a:p>
-            <a:r>
-              <a:rPr lang="de-DE" dirty="0" smtClean="0"/>
-              <a:t>K7 </a:t>
-            </a:r>
-            <a:r>
-              <a:rPr lang="de-DE" dirty="0" smtClean="0"/>
-              <a:t>: Hash-Indizes auf Primary </a:t>
-            </a:r>
-            <a:r>
-              <a:rPr lang="de-DE" dirty="0" err="1" smtClean="0"/>
-              <a:t>Keys</a:t>
-            </a:r>
-            <a:r>
-              <a:rPr lang="de-DE" dirty="0" smtClean="0"/>
-              <a:t> und </a:t>
-            </a:r>
-            <a:r>
-              <a:rPr lang="de-DE" dirty="0" err="1" smtClean="0"/>
-              <a:t>Foreign</a:t>
-            </a:r>
-            <a:r>
-              <a:rPr lang="de-DE" dirty="0" smtClean="0"/>
-              <a:t> </a:t>
-            </a:r>
-            <a:r>
-              <a:rPr lang="de-DE" dirty="0" err="1" smtClean="0"/>
-              <a:t>Keys</a:t>
-            </a:r>
-            <a:r>
-              <a:rPr lang="de-DE" dirty="0" smtClean="0"/>
-              <a:t> sowie </a:t>
-            </a:r>
-            <a:r>
-              <a:rPr lang="de-DE" dirty="0" smtClean="0"/>
-              <a:t>B-</a:t>
-            </a:r>
-            <a:r>
-              <a:rPr lang="de-DE" dirty="0" err="1" smtClean="0"/>
-              <a:t>Tree</a:t>
-            </a:r>
-            <a:r>
-              <a:rPr lang="de-DE" dirty="0" smtClean="0"/>
-              <a:t>-Index auf </a:t>
-            </a:r>
-            <a:r>
-              <a:rPr lang="de-DE" dirty="0" smtClean="0"/>
-              <a:t>Datum / mit Hash-</a:t>
-            </a:r>
-            <a:r>
-              <a:rPr lang="de-DE" dirty="0" err="1" smtClean="0"/>
-              <a:t>Partitioning</a:t>
-            </a:r>
-            <a:r>
-              <a:rPr lang="de-DE" dirty="0" smtClean="0"/>
-              <a:t> auf MONTH(Datum) für jeden Monat</a:t>
-            </a:r>
-          </a:p>
-          <a:p>
-            <a:r>
-              <a:rPr lang="de-DE" dirty="0" smtClean="0"/>
-              <a:t>K8 </a:t>
-            </a:r>
-            <a:r>
-              <a:rPr lang="de-DE" dirty="0" smtClean="0"/>
-              <a:t>: Hash-Indizes auf Primary </a:t>
-            </a:r>
-            <a:r>
-              <a:rPr lang="de-DE" dirty="0" err="1" smtClean="0"/>
-              <a:t>Keys</a:t>
-            </a:r>
-            <a:r>
-              <a:rPr lang="de-DE" dirty="0" smtClean="0"/>
-              <a:t> und </a:t>
-            </a:r>
-            <a:r>
-              <a:rPr lang="de-DE" dirty="0" err="1" smtClean="0"/>
-              <a:t>Foreign</a:t>
-            </a:r>
-            <a:r>
-              <a:rPr lang="de-DE" dirty="0" smtClean="0"/>
-              <a:t> </a:t>
-            </a:r>
-            <a:r>
-              <a:rPr lang="de-DE" dirty="0" err="1" smtClean="0"/>
-              <a:t>Keys</a:t>
-            </a:r>
-            <a:r>
-              <a:rPr lang="de-DE" dirty="0" smtClean="0"/>
-              <a:t> sowie B-</a:t>
-            </a:r>
-            <a:r>
-              <a:rPr lang="de-DE" dirty="0" err="1" smtClean="0"/>
-              <a:t>Tree</a:t>
-            </a:r>
-            <a:r>
-              <a:rPr lang="de-DE" dirty="0" smtClean="0"/>
-              <a:t> </a:t>
-            </a:r>
-            <a:r>
-              <a:rPr lang="de-DE" dirty="0" smtClean="0"/>
-              <a:t>Index </a:t>
-            </a:r>
-            <a:r>
-              <a:rPr lang="de-DE" dirty="0" smtClean="0"/>
-              <a:t>auf Datum / mit Range-</a:t>
-            </a:r>
-            <a:r>
-              <a:rPr lang="de-DE" dirty="0" err="1" smtClean="0"/>
-              <a:t>Partitioning</a:t>
-            </a:r>
-            <a:r>
-              <a:rPr lang="de-DE" dirty="0" smtClean="0"/>
-              <a:t> auf COLUMNS(Datum) für </a:t>
-            </a:r>
-            <a:r>
-              <a:rPr lang="de-DE" dirty="0" smtClean="0"/>
-              <a:t>jedes Quartal</a:t>
-            </a:r>
-          </a:p>
-          <a:p>
-            <a:r>
-              <a:rPr lang="de-DE" dirty="0" smtClean="0"/>
-              <a:t>K9 : Hash Indizes auf Primary </a:t>
-            </a:r>
-            <a:r>
-              <a:rPr lang="de-DE" dirty="0" err="1" smtClean="0"/>
-              <a:t>Keys</a:t>
-            </a:r>
-            <a:r>
-              <a:rPr lang="de-DE" dirty="0" smtClean="0"/>
-              <a:t> und </a:t>
-            </a:r>
-            <a:r>
-              <a:rPr lang="de-DE" dirty="0" err="1" smtClean="0"/>
-              <a:t>Foreign</a:t>
-            </a:r>
-            <a:r>
-              <a:rPr lang="de-DE" dirty="0" smtClean="0"/>
-              <a:t> </a:t>
-            </a:r>
-            <a:r>
-              <a:rPr lang="de-DE" dirty="0" err="1" smtClean="0"/>
-              <a:t>Keys</a:t>
-            </a:r>
-            <a:r>
-              <a:rPr lang="de-DE" dirty="0" smtClean="0"/>
-              <a:t> sowie B-</a:t>
-            </a:r>
-            <a:r>
-              <a:rPr lang="de-DE" dirty="0" err="1" smtClean="0"/>
-              <a:t>Tree</a:t>
-            </a:r>
-            <a:r>
-              <a:rPr lang="de-DE" dirty="0" smtClean="0"/>
-              <a:t>-</a:t>
-            </a:r>
-            <a:r>
-              <a:rPr lang="de-DE" dirty="0" err="1" smtClean="0"/>
-              <a:t>Indexauf</a:t>
-            </a:r>
-            <a:r>
-              <a:rPr lang="de-DE" dirty="0" smtClean="0"/>
-              <a:t> Datum </a:t>
-            </a:r>
-            <a:r>
-              <a:rPr lang="de-DE" dirty="0" smtClean="0"/>
-              <a:t>/ mit </a:t>
-            </a:r>
-            <a:r>
-              <a:rPr lang="de-DE" dirty="0" smtClean="0"/>
-              <a:t>Sub-</a:t>
-            </a:r>
-            <a:r>
-              <a:rPr lang="de-DE" dirty="0" err="1" smtClean="0"/>
-              <a:t>Partitioning</a:t>
-            </a:r>
-            <a:r>
-              <a:rPr lang="de-DE" dirty="0" smtClean="0"/>
-              <a:t> (Range-</a:t>
-            </a:r>
-            <a:r>
-              <a:rPr lang="de-DE" dirty="0" err="1" smtClean="0"/>
-              <a:t>Partitioning</a:t>
-            </a:r>
-            <a:r>
-              <a:rPr lang="de-DE" dirty="0" smtClean="0"/>
-              <a:t> quartalsweise auf </a:t>
-            </a:r>
-            <a:r>
-              <a:rPr lang="de-DE" dirty="0" smtClean="0"/>
-              <a:t>Datum </a:t>
-            </a:r>
-            <a:r>
-              <a:rPr lang="de-DE" dirty="0" smtClean="0"/>
-              <a:t>und für jedes Quartal jeweils vier Hash-</a:t>
-            </a:r>
-            <a:r>
-              <a:rPr lang="de-DE" dirty="0" err="1" smtClean="0"/>
-              <a:t>Partitions</a:t>
-            </a:r>
-            <a:r>
-              <a:rPr lang="de-DE" dirty="0" smtClean="0"/>
-              <a:t> auf TO DAYS(Datum))</a:t>
-            </a:r>
-          </a:p>
-          <a:p>
-            <a:r>
-              <a:rPr lang="de-DE" dirty="0" smtClean="0"/>
-              <a:t>K10</a:t>
-            </a:r>
-            <a:r>
-              <a:rPr lang="de-DE" dirty="0" smtClean="0"/>
-              <a:t>: Hash-Indizes auf Primary </a:t>
-            </a:r>
-            <a:r>
-              <a:rPr lang="de-DE" dirty="0" err="1" smtClean="0"/>
-              <a:t>Keys</a:t>
-            </a:r>
-            <a:r>
-              <a:rPr lang="de-DE" dirty="0" smtClean="0"/>
-              <a:t> und </a:t>
-            </a:r>
-            <a:r>
-              <a:rPr lang="de-DE" dirty="0" err="1" smtClean="0"/>
-              <a:t>Foreign</a:t>
-            </a:r>
-            <a:r>
-              <a:rPr lang="de-DE" dirty="0" smtClean="0"/>
-              <a:t> </a:t>
-            </a:r>
-            <a:r>
-              <a:rPr lang="de-DE" dirty="0" err="1" smtClean="0"/>
-              <a:t>Keys</a:t>
-            </a:r>
-            <a:r>
-              <a:rPr lang="de-DE" dirty="0" smtClean="0"/>
-              <a:t> / mit </a:t>
-            </a:r>
-            <a:r>
-              <a:rPr lang="de-DE" dirty="0" smtClean="0"/>
-              <a:t>Sub-</a:t>
-            </a:r>
-            <a:r>
-              <a:rPr lang="de-DE" dirty="0" err="1" smtClean="0"/>
-              <a:t>Partitioning</a:t>
-            </a:r>
-            <a:r>
-              <a:rPr lang="de-DE" dirty="0" smtClean="0"/>
-              <a:t> (Range-</a:t>
-            </a:r>
-            <a:r>
-              <a:rPr lang="de-DE" dirty="0" err="1" smtClean="0"/>
-              <a:t>Partitioning</a:t>
-            </a:r>
-            <a:r>
-              <a:rPr lang="de-DE" dirty="0" smtClean="0"/>
-              <a:t> </a:t>
-            </a:r>
-            <a:r>
-              <a:rPr lang="de-DE" dirty="0" smtClean="0"/>
-              <a:t>quartalsweise auf Datum und für jedes Quartal </a:t>
-            </a:r>
-            <a:r>
-              <a:rPr lang="de-DE" dirty="0" smtClean="0"/>
-              <a:t>jeweils vier </a:t>
-            </a:r>
-            <a:r>
-              <a:rPr lang="de-DE" dirty="0" smtClean="0"/>
-              <a:t>Hash-</a:t>
-            </a:r>
-            <a:r>
-              <a:rPr lang="de-DE" dirty="0" err="1" smtClean="0"/>
-              <a:t>Partitions</a:t>
-            </a:r>
-            <a:r>
-              <a:rPr lang="de-DE" dirty="0" smtClean="0"/>
-              <a:t> auf TO DAYS(Datum)</a:t>
-            </a:r>
-            <a:endParaRPr lang="de-DE" dirty="0"/>
-          </a:p>
-        </p:txBody>
-      </p:sp>
-    </p:spTree>
-  </p:cSld>
-  <p:clrMapOvr>
-    <a:masterClrMapping/>
-  </p:clrMapOvr>
-</p:sld>
-</file>
-
-<file path=ppt/slides/slide14.xml><?xml version="1.0" encoding="utf-8"?>
-<p:sld xmlns:a="http://schemas.openxmlformats.org/drawingml/2006/main" xmlns:r="http://schemas.openxmlformats.org/officeDocument/2006/relationships" xmlns:p="http://schemas.openxmlformats.org/presentationml/2006/main">
-  <p:cSld>
-    <p:spTree>
-      <p:nvGrpSpPr>
-        <p:cNvPr id="1" name=""/>
-        <p:cNvGrpSpPr/>
-        <p:nvPr/>
-      </p:nvGrpSpPr>
-      <p:grpSpPr>
-        <a:xfrm>
-          <a:off x="0" y="0"/>
-          <a:ext cx="0" cy="0"/>
-          <a:chOff x="0" y="0"/>
-          <a:chExt cx="0" cy="0"/>
-        </a:xfrm>
-      </p:grpSpPr>
-      <p:sp>
-        <p:nvSpPr>
-          <p:cNvPr id="2" name="Titel 1"/>
-          <p:cNvSpPr>
-            <a:spLocks noGrp="1"/>
-          </p:cNvSpPr>
-          <p:nvPr>
-            <p:ph type="title"/>
-          </p:nvPr>
-        </p:nvSpPr>
-        <p:spPr/>
-        <p:txBody>
-          <a:bodyPr/>
-          <a:lstStyle/>
-          <a:p>
-            <a:r>
-              <a:rPr lang="de-DE" dirty="0" smtClean="0"/>
               <a:t>Resultate</a:t>
             </a:r>
             <a:endParaRPr lang="de-DE" dirty="0"/>
@@ -4148,8 +5053,8 @@
         </p:blipFill>
         <p:spPr>
           <a:xfrm>
-            <a:off x="1207706" y="1973039"/>
-            <a:ext cx="6880988" cy="3688210"/>
+            <a:off x="3398837" y="2890837"/>
+            <a:ext cx="3571875" cy="1914525"/>
           </a:xfrm>
         </p:spPr>
       </p:pic>
@@ -4158,10 +5063,17 @@
   <p:clrMapOvr>
     <a:masterClrMapping/>
   </p:clrMapOvr>
+  <p:timing>
+    <p:tnLst>
+      <p:par>
+        <p:cTn id="1" dur="indefinite" restart="never" nodeType="tmRoot"/>
+      </p:par>
+    </p:tnLst>
+  </p:timing>
 </p:sld>
 </file>
 
-<file path=ppt/slides/slide15.xml><?xml version="1.0" encoding="utf-8"?>
+<file path=ppt/slides/slide14.xml><?xml version="1.0" encoding="utf-8"?>
 <p:sld xmlns:a="http://schemas.openxmlformats.org/drawingml/2006/main" xmlns:r="http://schemas.openxmlformats.org/officeDocument/2006/relationships" xmlns:p="http://schemas.openxmlformats.org/presentationml/2006/main">
   <p:cSld>
     <p:spTree>
@@ -4473,6 +5385,112 @@
   <p:clrMapOvr>
     <a:masterClrMapping/>
   </p:clrMapOvr>
+  <p:timing>
+    <p:tnLst>
+      <p:par>
+        <p:cTn id="1" dur="indefinite" restart="never" nodeType="tmRoot"/>
+      </p:par>
+    </p:tnLst>
+  </p:timing>
+</p:sld>
+</file>
+
+<file path=ppt/slides/slide15.xml><?xml version="1.0" encoding="utf-8"?>
+<p:sld xmlns:a="http://schemas.openxmlformats.org/drawingml/2006/main" xmlns:r="http://schemas.openxmlformats.org/officeDocument/2006/relationships" xmlns:p="http://schemas.openxmlformats.org/presentationml/2006/main">
+  <p:cSld>
+    <p:spTree>
+      <p:nvGrpSpPr>
+        <p:cNvPr id="1" name=""/>
+        <p:cNvGrpSpPr/>
+        <p:nvPr/>
+      </p:nvGrpSpPr>
+      <p:grpSpPr>
+        <a:xfrm>
+          <a:off x="0" y="0"/>
+          <a:ext cx="0" cy="0"/>
+          <a:chOff x="0" y="0"/>
+          <a:chExt cx="0" cy="0"/>
+        </a:xfrm>
+      </p:grpSpPr>
+      <p:sp>
+        <p:nvSpPr>
+          <p:cNvPr id="2" name="Titel 1"/>
+          <p:cNvSpPr>
+            <a:spLocks noGrp="1"/>
+          </p:cNvSpPr>
+          <p:nvPr>
+            <p:ph type="title"/>
+          </p:nvPr>
+        </p:nvSpPr>
+        <p:spPr/>
+        <p:txBody>
+          <a:bodyPr/>
+          <a:lstStyle/>
+          <a:p>
+            <a:r>
+              <a:rPr lang="de-DE" dirty="0" smtClean="0"/>
+              <a:t>Fazit</a:t>
+            </a:r>
+            <a:endParaRPr lang="de-DE" dirty="0"/>
+          </a:p>
+        </p:txBody>
+      </p:sp>
+      <p:sp>
+        <p:nvSpPr>
+          <p:cNvPr id="3" name="Inhaltsplatzhalter 2"/>
+          <p:cNvSpPr>
+            <a:spLocks noGrp="1"/>
+          </p:cNvSpPr>
+          <p:nvPr>
+            <p:ph idx="1"/>
+          </p:nvPr>
+        </p:nvSpPr>
+        <p:spPr/>
+        <p:txBody>
+          <a:bodyPr/>
+          <a:lstStyle/>
+          <a:p>
+            <a:r>
+              <a:rPr lang="de-DE" dirty="0" smtClean="0"/>
+              <a:t>Für das getestete Szenario eines Online-Shops…</a:t>
+            </a:r>
+          </a:p>
+          <a:p>
+            <a:pPr lvl="1"/>
+            <a:r>
+              <a:rPr lang="de-DE" dirty="0" smtClean="0"/>
+              <a:t>…ist Konfiguration 8 die schnellste mit einer 13%igen Steigerung…</a:t>
+            </a:r>
+          </a:p>
+          <a:p>
+            <a:pPr lvl="1"/>
+            <a:r>
+              <a:rPr lang="de-DE" dirty="0" smtClean="0"/>
+              <a:t>…ist Konfiguration 7 die langsamste mit 47%iger Verringerung…</a:t>
+            </a:r>
+          </a:p>
+          <a:p>
+            <a:pPr lvl="1"/>
+            <a:r>
+              <a:rPr lang="de-DE" dirty="0" smtClean="0"/>
+              <a:t>Bei K3 als Referenz</a:t>
+            </a:r>
+            <a:endParaRPr lang="de-DE" dirty="0"/>
+          </a:p>
+        </p:txBody>
+      </p:sp>
+    </p:spTree>
+  </p:cSld>
+  <p:clrMapOvr>
+    <a:masterClrMapping/>
+  </p:clrMapOvr>
+  <p:timing>
+    <p:tnLst>
+      <p:par>
+        <p:cTn id="1" dur="indefinite" restart="never" nodeType="tmRoot"/>
+      </p:par>
+    </p:tnLst>
+  </p:timing>
 </p:sld>
 </file>
 
@@ -4508,11 +5526,7 @@
           <a:bodyPr/>
           <a:lstStyle/>
           <a:p>
-            <a:r>
-              <a:rPr lang="de-DE" dirty="0" smtClean="0"/>
-              <a:t>Fazit</a:t>
-            </a:r>
-            <a:endParaRPr lang="de-DE" dirty="0"/>
+            <a:endParaRPr lang="de-DE"/>
           </a:p>
         </p:txBody>
       </p:sp>
@@ -4531,36 +5545,26 @@
           <a:bodyPr/>
           <a:lstStyle/>
           <a:p>
-            <a:r>
-              <a:rPr lang="de-DE" dirty="0" smtClean="0"/>
-              <a:t>Für das getestete Szenario eines Online-Shops…</a:t>
-            </a:r>
-          </a:p>
-          <a:p>
-            <a:pPr lvl="1"/>
-            <a:r>
-              <a:rPr lang="de-DE" dirty="0" smtClean="0"/>
-              <a:t>…ist Konfiguration 8 die schnellste mit einer 13%igen Steigerung…</a:t>
-            </a:r>
-          </a:p>
-          <a:p>
-            <a:pPr lvl="1"/>
-            <a:r>
-              <a:rPr lang="de-DE" dirty="0" smtClean="0"/>
-              <a:t>…ist Konfiguration 7 die langsamste mit 47%iger Verringerung…</a:t>
-            </a:r>
-          </a:p>
-          <a:p>
-            <a:pPr lvl="1"/>
-            <a:r>
-              <a:rPr lang="de-DE" dirty="0" smtClean="0"/>
-              <a:t>Bei K3 </a:t>
-            </a:r>
-            <a:r>
-              <a:rPr lang="de-DE" smtClean="0"/>
-              <a:t>als Referenz</a:t>
-            </a:r>
-            <a:endParaRPr lang="de-DE" dirty="0"/>
+            <a:pPr>
+              <a:buNone/>
+            </a:pPr>
+            <a:endParaRPr lang="de-DE" dirty="0" smtClean="0"/>
+          </a:p>
+          <a:p>
+            <a:pPr>
+              <a:buNone/>
+            </a:pPr>
+            <a:endParaRPr lang="de-DE" dirty="0" smtClean="0"/>
+          </a:p>
+          <a:p>
+            <a:pPr algn="ctr">
+              <a:buNone/>
+            </a:pPr>
+            <a:r>
+              <a:rPr lang="de-DE" sz="4400" dirty="0" smtClean="0"/>
+              <a:t>Danke für die Aufmerksamkeit</a:t>
+            </a:r>
+            <a:endParaRPr lang="de-DE" sz="4400" dirty="0"/>
           </a:p>
         </p:txBody>
       </p:sp>
@@ -4606,8 +5610,11 @@
           <a:p>
             <a:r>
               <a:rPr lang="de-DE" dirty="0" smtClean="0"/>
-              <a:t>WohnheimDatenbank</a:t>
-            </a:r>
+              <a:t>Teil 1:</a:t>
+            </a:r>
+            <a:br>
+              <a:rPr lang="de-DE" dirty="0" smtClean="0"/>
+            </a:br>
             <a:endParaRPr lang="de-DE" dirty="0"/>
           </a:p>
         </p:txBody>
@@ -4624,14 +5631,16 @@
         </p:nvSpPr>
         <p:spPr/>
         <p:txBody>
-          <a:bodyPr/>
+          <a:bodyPr>
+            <a:normAutofit/>
+          </a:bodyPr>
           <a:lstStyle/>
           <a:p>
             <a:r>
-              <a:rPr lang="de-DE" dirty="0" smtClean="0"/>
-              <a:t>Teil 1:</a:t>
-            </a:r>
-            <a:endParaRPr lang="de-DE" dirty="0"/>
+              <a:rPr lang="de-DE" sz="3600" dirty="0" smtClean="0"/>
+              <a:t>Wohnheimdatenbank</a:t>
+            </a:r>
+            <a:endParaRPr lang="de-DE" sz="3600" dirty="0"/>
           </a:p>
         </p:txBody>
       </p:sp>
@@ -4640,6 +5649,13 @@
   <p:clrMapOvr>
     <a:masterClrMapping/>
   </p:clrMapOvr>
+  <p:timing>
+    <p:tnLst>
+      <p:par>
+        <p:cTn id="1" dur="indefinite" restart="never" nodeType="tmRoot"/>
+      </p:par>
+    </p:tnLst>
+  </p:timing>
 </p:sld>
 </file>
 
@@ -4723,6 +5739,13 @@
   <p:clrMapOvr>
     <a:masterClrMapping/>
   </p:clrMapOvr>
+  <p:timing>
+    <p:tnLst>
+      <p:par>
+        <p:cTn id="1" dur="indefinite" restart="never" nodeType="tmRoot"/>
+      </p:par>
+    </p:tnLst>
+  </p:timing>
 </p:sld>
 </file>
 
@@ -4836,6 +5859,13 @@
   <p:clrMapOvr>
     <a:masterClrMapping/>
   </p:clrMapOvr>
+  <p:timing>
+    <p:tnLst>
+      <p:par>
+        <p:cTn id="1" dur="indefinite" restart="never" nodeType="tmRoot"/>
+      </p:par>
+    </p:tnLst>
+  </p:timing>
 </p:sld>
 </file>
 
@@ -4897,8 +5927,8 @@
         </p:blipFill>
         <p:spPr>
           <a:xfrm>
-            <a:off x="1242660" y="1554163"/>
-            <a:ext cx="6811079" cy="4525962"/>
+            <a:off x="1572585" y="1447800"/>
+            <a:ext cx="7224379" cy="4800600"/>
           </a:xfrm>
         </p:spPr>
       </p:pic>
@@ -4907,6 +5937,13 @@
   <p:clrMapOvr>
     <a:masterClrMapping/>
   </p:clrMapOvr>
+  <p:timing>
+    <p:tnLst>
+      <p:par>
+        <p:cTn id="1" dur="indefinite" restart="never" nodeType="tmRoot"/>
+      </p:par>
+    </p:tnLst>
+  </p:timing>
 </p:sld>
 </file>
 
@@ -4995,6 +6032,13 @@
   <p:clrMapOvr>
     <a:masterClrMapping/>
   </p:clrMapOvr>
+  <p:timing>
+    <p:tnLst>
+      <p:par>
+        <p:cTn id="1" dur="indefinite" restart="never" nodeType="tmRoot"/>
+      </p:par>
+    </p:tnLst>
+  </p:timing>
 </p:sld>
 </file>
 
@@ -5076,6 +6120,13 @@
   <p:clrMapOvr>
     <a:masterClrMapping/>
   </p:clrMapOvr>
+  <p:timing>
+    <p:tnLst>
+      <p:par>
+        <p:cTn id="1" dur="indefinite" restart="never" nodeType="tmRoot"/>
+      </p:par>
+    </p:tnLst>
+  </p:timing>
 </p:sld>
 </file>
 
@@ -5112,13 +6163,20 @@
           <a:lstStyle/>
           <a:p>
             <a:r>
-              <a:rPr lang="de-DE" dirty="0" err="1" smtClean="0"/>
-              <a:t>OLAp</a:t>
-            </a:r>
-            <a:r>
-              <a:rPr lang="de-DE" dirty="0" smtClean="0"/>
-              <a:t>-Datenauswertung</a:t>
-            </a:r>
+              <a:rPr lang="de-DE" dirty="0" smtClean="0"/>
+              <a:t>Teil </a:t>
+            </a:r>
+            <a:r>
+              <a:rPr lang="de-DE" dirty="0" smtClean="0"/>
+              <a:t>2:</a:t>
+            </a:r>
+            <a:r>
+              <a:rPr lang="de-DE" dirty="0" smtClean="0"/>
+              <a:t/>
+            </a:r>
+            <a:br>
+              <a:rPr lang="de-DE" dirty="0" smtClean="0"/>
+            </a:br>
             <a:endParaRPr lang="de-DE" dirty="0"/>
           </a:p>
         </p:txBody>
@@ -5135,14 +6193,16 @@
         </p:nvSpPr>
         <p:spPr/>
         <p:txBody>
-          <a:bodyPr/>
+          <a:bodyPr>
+            <a:normAutofit/>
+          </a:bodyPr>
           <a:lstStyle/>
           <a:p>
             <a:r>
-              <a:rPr lang="de-DE" dirty="0" smtClean="0"/>
-              <a:t>Teil 2</a:t>
-            </a:r>
-            <a:endParaRPr lang="de-DE" dirty="0"/>
+              <a:rPr lang="de-DE" sz="3600" dirty="0" smtClean="0"/>
+              <a:t>OLAP-Datenauswertung</a:t>
+            </a:r>
+            <a:endParaRPr lang="de-DE" sz="3600" dirty="0"/>
           </a:p>
         </p:txBody>
       </p:sp>
@@ -5151,6 +6211,13 @@
   <p:clrMapOvr>
     <a:masterClrMapping/>
   </p:clrMapOvr>
+  <p:timing>
+    <p:tnLst>
+      <p:par>
+        <p:cTn id="1" dur="indefinite" restart="never" nodeType="tmRoot"/>
+      </p:par>
+    </p:tnLst>
+  </p:timing>
 </p:sld>
 </file>
 
@@ -5209,7 +6276,35 @@
           <a:bodyPr/>
           <a:lstStyle/>
           <a:p>
-            <a:endParaRPr lang="de-DE"/>
+            <a:r>
+              <a:rPr lang="de-DE" dirty="0" smtClean="0"/>
+              <a:t>Planung</a:t>
+            </a:r>
+          </a:p>
+          <a:p>
+            <a:r>
+              <a:rPr lang="de-DE" dirty="0" smtClean="0"/>
+              <a:t>Abfragen</a:t>
+            </a:r>
+          </a:p>
+          <a:p>
+            <a:r>
+              <a:rPr lang="de-DE" dirty="0" smtClean="0"/>
+              <a:t>Konfiguration</a:t>
+            </a:r>
+          </a:p>
+          <a:p>
+            <a:r>
+              <a:rPr lang="de-DE" dirty="0" smtClean="0"/>
+              <a:t>Resultate</a:t>
+            </a:r>
+          </a:p>
+          <a:p>
+            <a:r>
+              <a:rPr lang="de-DE" dirty="0" smtClean="0"/>
+              <a:t>Fazit</a:t>
+            </a:r>
+            <a:endParaRPr lang="de-DE" dirty="0"/>
           </a:p>
         </p:txBody>
       </p:sp>
@@ -5218,13 +6313,20 @@
   <p:clrMapOvr>
     <a:masterClrMapping/>
   </p:clrMapOvr>
+  <p:timing>
+    <p:tnLst>
+      <p:par>
+        <p:cTn id="1" dur="indefinite" restart="never" nodeType="tmRoot"/>
+      </p:par>
+    </p:tnLst>
+  </p:timing>
 </p:sld>
 </file>
 
 <file path=ppt/theme/theme1.xml><?xml version="1.0" encoding="utf-8"?>
-<a:theme xmlns:a="http://schemas.openxmlformats.org/drawingml/2006/main" name="Metis">
+<a:theme xmlns:a="http://schemas.openxmlformats.org/drawingml/2006/main" name="Nyad">
   <a:themeElements>
-    <a:clrScheme name="Metis">
+    <a:clrScheme name="Nyad">
       <a:dk1>
         <a:sysClr val="windowText" lastClr="000000"/>
       </a:dk1>
@@ -5232,48 +6334,50 @@
         <a:sysClr val="window" lastClr="FFFFFF"/>
       </a:lt1>
       <a:dk2>
-        <a:srgbClr val="4E3B30"/>
+        <a:srgbClr val="4F271C"/>
       </a:dk2>
       <a:lt2>
-        <a:srgbClr val="FBEEC9"/>
+        <a:srgbClr val="E7DEC9"/>
       </a:lt2>
       <a:accent1>
-        <a:srgbClr val="F0A22E"/>
+        <a:srgbClr val="3891A7"/>
       </a:accent1>
       <a:accent2>
-        <a:srgbClr val="A5644E"/>
+        <a:srgbClr val="FEB80A"/>
       </a:accent2>
       <a:accent3>
-        <a:srgbClr val="B58B80"/>
+        <a:srgbClr val="C32D2E"/>
       </a:accent3>
       <a:accent4>
-        <a:srgbClr val="C3986D"/>
+        <a:srgbClr val="84AA33"/>
       </a:accent4>
       <a:accent5>
-        <a:srgbClr val="A19574"/>
+        <a:srgbClr val="964305"/>
       </a:accent5>
       <a:accent6>
-        <a:srgbClr val="C17529"/>
+        <a:srgbClr val="475A8D"/>
       </a:accent6>
       <a:hlink>
-        <a:srgbClr val="AD1F1F"/>
+        <a:srgbClr val="8DC765"/>
       </a:hlink>
       <a:folHlink>
-        <a:srgbClr val="FFC42F"/>
+        <a:srgbClr val="AA8A14"/>
       </a:folHlink>
     </a:clrScheme>
-    <a:fontScheme name="Metis">
+    <a:fontScheme name="Nyad">
       <a:majorFont>
-        <a:latin typeface="Franklin Gothic Medium"/>
+        <a:latin typeface="Gill Sans MT"/>
         <a:ea typeface=""/>
         <a:cs typeface=""/>
-        <a:font script="Jpan" typeface="HG創英角ｺﾞｼｯｸUB"/>
-        <a:font script="Hang" typeface="돋움"/>
-        <a:font script="Hans" typeface="隶书"/>
+        <a:font script="Grek" typeface="Corbel"/>
+        <a:font script="Cyrl" typeface="Corbel"/>
+        <a:font script="Jpan" typeface="HGｺﾞｼｯｸE"/>
+        <a:font script="Hang" typeface="휴먼매직체"/>
+        <a:font script="Hans" typeface="华文中宋"/>
         <a:font script="Hant" typeface="微軟正黑體"/>
-        <a:font script="Arab" typeface="Tahoma"/>
-        <a:font script="Hebr" typeface="Aharoni"/>
-        <a:font script="Thai" typeface="LilyUPC"/>
+        <a:font script="Arab" typeface="Majalla UI"/>
+        <a:font script="Hebr" typeface="Arial"/>
+        <a:font script="Thai" typeface="Cordia New"/>
         <a:font script="Ethi" typeface="Nyala"/>
         <a:font script="Beng" typeface="Vrinda"/>
         <a:font script="Gujr" typeface="Shruti"/>
@@ -5294,20 +6398,22 @@
         <a:font script="Laoo" typeface="DokChampa"/>
         <a:font script="Sinh" typeface="Iskoola Pota"/>
         <a:font script="Mong" typeface="Mongolian Baiti"/>
-        <a:font script="Viet" typeface="Arial"/>
+        <a:font script="Viet" typeface="Tahoma"/>
         <a:font script="Uigh" typeface="Microsoft Uighur"/>
       </a:majorFont>
       <a:minorFont>
-        <a:latin typeface="Franklin Gothic Book"/>
+        <a:latin typeface="Gill Sans MT"/>
         <a:ea typeface=""/>
         <a:cs typeface=""/>
+        <a:font script="Grek" typeface="Corbel"/>
+        <a:font script="Cyrl" typeface="Corbel"/>
         <a:font script="Jpan" typeface="HGｺﾞｼｯｸE"/>
-        <a:font script="Hang" typeface="돋움"/>
-        <a:font script="Hans" typeface="华文楷体"/>
+        <a:font script="Hang" typeface="HY엽서L"/>
+        <a:font script="Hans" typeface="华文中宋"/>
         <a:font script="Hant" typeface="微軟正黑體"/>
-        <a:font script="Arab" typeface="Tahoma"/>
-        <a:font script="Hebr" typeface="Aharoni"/>
-        <a:font script="Thai" typeface="LilyUPC"/>
+        <a:font script="Arab" typeface="Majalla UI"/>
+        <a:font script="Hebr" typeface="Arial"/>
+        <a:font script="Thai" typeface="Cordia New"/>
         <a:font script="Ethi" typeface="Nyala"/>
         <a:font script="Beng" typeface="Vrinda"/>
         <a:font script="Gujr" typeface="Shruti"/>
@@ -5332,7 +6438,7 @@
         <a:font script="Uigh" typeface="Microsoft Uighur"/>
       </a:minorFont>
     </a:fontScheme>
-    <a:fmtScheme name="Metis">
+    <a:fmtScheme name="Nyad">
       <a:fillStyleLst>
         <a:solidFill>
           <a:schemeClr val="phClr"/>
@@ -5341,75 +6447,76 @@
           <a:gsLst>
             <a:gs pos="0">
               <a:schemeClr val="phClr">
-                <a:tint val="30000"/>
-                <a:satMod val="250000"/>
+                <a:tint val="35000"/>
+                <a:satMod val="253000"/>
               </a:schemeClr>
             </a:gs>
-            <a:gs pos="72000">
+            <a:gs pos="50000">
               <a:schemeClr val="phClr">
-                <a:tint val="75000"/>
-                <a:satMod val="210000"/>
+                <a:tint val="42000"/>
+                <a:satMod val="255000"/>
+              </a:schemeClr>
+            </a:gs>
+            <a:gs pos="97000">
+              <a:schemeClr val="phClr">
+                <a:tint val="53000"/>
+                <a:satMod val="260000"/>
               </a:schemeClr>
             </a:gs>
             <a:gs pos="100000">
               <a:schemeClr val="phClr">
-                <a:tint val="85000"/>
-                <a:satMod val="210000"/>
+                <a:tint val="56000"/>
+                <a:satMod val="275000"/>
               </a:schemeClr>
             </a:gs>
           </a:gsLst>
-          <a:lin ang="5400000" scaled="1"/>
+          <a:path path="circle">
+            <a:fillToRect l="50000" t="50000" r="50000" b="50000"/>
+          </a:path>
         </a:gradFill>
         <a:gradFill rotWithShape="1">
           <a:gsLst>
             <a:gs pos="0">
               <a:schemeClr val="phClr">
-                <a:tint val="75000"/>
-                <a:shade val="85000"/>
-                <a:satMod val="230000"/>
+                <a:tint val="92000"/>
+                <a:satMod val="170000"/>
               </a:schemeClr>
             </a:gs>
-            <a:gs pos="25000">
+            <a:gs pos="15000">
               <a:schemeClr val="phClr">
-                <a:tint val="90000"/>
-                <a:shade val="70000"/>
-                <a:satMod val="220000"/>
+                <a:tint val="92000"/>
+                <a:shade val="99000"/>
+                <a:satMod val="170000"/>
               </a:schemeClr>
             </a:gs>
-            <a:gs pos="50000">
+            <a:gs pos="62000">
               <a:schemeClr val="phClr">
-                <a:tint val="90000"/>
-                <a:shade val="58000"/>
-                <a:satMod val="225000"/>
+                <a:tint val="96000"/>
+                <a:shade val="80000"/>
+                <a:satMod val="170000"/>
               </a:schemeClr>
             </a:gs>
-            <a:gs pos="65000">
+            <a:gs pos="97000">
               <a:schemeClr val="phClr">
-                <a:tint val="90000"/>
-                <a:shade val="58000"/>
-                <a:satMod val="225000"/>
-              </a:schemeClr>
-            </a:gs>
-            <a:gs pos="80000">
-              <a:schemeClr val="phClr">
-                <a:tint val="90000"/>
-                <a:shade val="69000"/>
-                <a:satMod val="220000"/>
+                <a:tint val="98000"/>
+                <a:shade val="63000"/>
+                <a:satMod val="170000"/>
               </a:schemeClr>
             </a:gs>
             <a:gs pos="100000">
               <a:schemeClr val="phClr">
-                <a:tint val="77000"/>
-                <a:shade val="80000"/>
-                <a:satMod val="230000"/>
+                <a:shade val="62000"/>
+                <a:satMod val="170000"/>
               </a:schemeClr>
             </a:gs>
           </a:gsLst>
-          <a:lin ang="5400000" scaled="1"/>
+          <a:path path="circle">
+            <a:fillToRect l="50000" t="50000" r="50000" b="50000"/>
+          </a:path>
         </a:gradFill>
       </a:fillStyleLst>
       <a:lnStyleLst>
-        <a:ln w="10000" cap="flat" cmpd="sng" algn="ctr">
+        <a:ln w="9525" cap="flat" cmpd="sng" algn="ctr">
           <a:solidFill>
             <a:schemeClr val="phClr"/>
           </a:solidFill>
@@ -5421,7 +6528,7 @@
           </a:solidFill>
           <a:prstDash val="solid"/>
         </a:ln>
-        <a:ln w="38100" cap="flat" cmpd="sng" algn="ctr">
+        <a:ln w="25400" cap="flat" cmpd="sng" algn="ctr">
           <a:solidFill>
             <a:schemeClr val="phClr"/>
           </a:solidFill>
@@ -5431,56 +6538,58 @@
       <a:effectStyleLst>
         <a:effectStyle>
           <a:effectLst>
-            <a:outerShdw blurRad="76200" dist="50800" dir="5400000" rotWithShape="0">
-              <a:srgbClr val="4E3B30">
-                <a:alpha val="60000"/>
+            <a:outerShdw blurRad="63500" dist="25400" dir="5400000" rotWithShape="0">
+              <a:srgbClr val="000000">
+                <a:alpha val="43137"/>
               </a:srgbClr>
             </a:outerShdw>
           </a:effectLst>
         </a:effectStyle>
         <a:effectStyle>
           <a:effectLst>
-            <a:outerShdw blurRad="76200" dist="50800" dir="5400000" rotWithShape="0">
-              <a:srgbClr val="4E3B30">
-                <a:alpha val="60000"/>
+            <a:outerShdw blurRad="63500" dist="25400" dir="5400000" rotWithShape="0">
+              <a:srgbClr val="000000">
+                <a:alpha val="43137"/>
               </a:srgbClr>
             </a:outerShdw>
           </a:effectLst>
           <a:scene3d>
-            <a:camera prst="orthographicFront">
+            <a:camera prst="orthographicFront" fov="0">
               <a:rot lat="0" lon="0" rev="0"/>
             </a:camera>
-            <a:lightRig rig="threePt" dir="tl">
-              <a:rot lat="0" lon="0" rev="0"/>
+            <a:lightRig rig="brightRoom" dir="tl">
+              <a:rot lat="0" lon="0" rev="8700000"/>
             </a:lightRig>
           </a:scene3d>
-          <a:sp3d prstMaterial="metal">
-            <a:bevelT w="10000" h="10000"/>
+          <a:sp3d contourW="12700">
+            <a:bevelT w="0" h="0"/>
+            <a:contourClr>
+              <a:schemeClr val="phClr">
+                <a:shade val="80000"/>
+              </a:schemeClr>
+            </a:contourClr>
           </a:sp3d>
         </a:effectStyle>
         <a:effectStyle>
           <a:effectLst>
-            <a:outerShdw blurRad="76200" dist="50800" dir="5400000" rotWithShape="0">
-              <a:srgbClr val="4E3B30">
-                <a:alpha val="60000"/>
+            <a:outerShdw blurRad="63500" dist="25400" dir="5400000" rotWithShape="0">
+              <a:srgbClr val="000000">
+                <a:alpha val="43137"/>
               </a:srgbClr>
             </a:outerShdw>
           </a:effectLst>
           <a:scene3d>
-            <a:camera prst="obliqueTopLeft" fov="600000">
+            <a:camera prst="orthographicFront" fov="0">
               <a:rot lat="0" lon="0" rev="0"/>
             </a:camera>
-            <a:lightRig rig="balanced" dir="t">
-              <a:rot lat="0" lon="0" rev="19200000"/>
+            <a:lightRig rig="brightRoom" dir="tl">
+              <a:rot lat="0" lon="0" rev="5400000"/>
             </a:lightRig>
           </a:scene3d>
-          <a:sp3d contourW="12700" prstMaterial="matte">
-            <a:bevelT w="60000" h="50800"/>
+          <a:sp3d contourW="12700">
+            <a:bevelT w="25400" h="50800" prst="angle"/>
             <a:contourClr>
-              <a:schemeClr val="phClr">
-                <a:shade val="60000"/>
-                <a:satMod val="110000"/>
-              </a:schemeClr>
+              <a:schemeClr val="phClr"/>
             </a:contourClr>
           </a:sp3d>
         </a:effectStyle>
@@ -5489,37 +6598,45 @@
         <a:solidFill>
           <a:schemeClr val="phClr"/>
         </a:solidFill>
+        <a:gradFill rotWithShape="1">
+          <a:gsLst>
+            <a:gs pos="0">
+              <a:schemeClr val="phClr">
+                <a:tint val="60000"/>
+                <a:satMod val="355000"/>
+              </a:schemeClr>
+            </a:gs>
+            <a:gs pos="40000">
+              <a:schemeClr val="phClr">
+                <a:tint val="85000"/>
+                <a:satMod val="320000"/>
+              </a:schemeClr>
+            </a:gs>
+            <a:gs pos="100000">
+              <a:schemeClr val="phClr">
+                <a:shade val="55000"/>
+                <a:satMod val="300000"/>
+              </a:schemeClr>
+            </a:gs>
+          </a:gsLst>
+          <a:path path="circle">
+            <a:fillToRect l="-24500" t="-20000" r="124500" b="120000"/>
+          </a:path>
+        </a:gradFill>
         <a:blipFill>
           <a:blip xmlns:r="http://schemas.openxmlformats.org/officeDocument/2006/relationships" r:embed="rId1">
             <a:duotone>
               <a:schemeClr val="phClr">
-                <a:shade val="90000"/>
-                <a:satMod val="150000"/>
+                <a:shade val="9000"/>
+                <a:satMod val="300000"/>
               </a:schemeClr>
               <a:schemeClr val="phClr">
-                <a:tint val="88000"/>
-                <a:satMod val="105000"/>
+                <a:tint val="90000"/>
+                <a:satMod val="225000"/>
               </a:schemeClr>
             </a:duotone>
           </a:blip>
-          <a:tile tx="0" ty="0" sx="95000" sy="95000" flip="none" algn="t"/>
-        </a:blipFill>
-        <a:blipFill>
-          <a:blip xmlns:r="http://schemas.openxmlformats.org/officeDocument/2006/relationships" r:embed="rId2">
-            <a:duotone>
-              <a:schemeClr val="phClr">
-                <a:shade val="30000"/>
-                <a:satMod val="455000"/>
-              </a:schemeClr>
-              <a:schemeClr val="phClr">
-                <a:tint val="95000"/>
-                <a:satMod val="120000"/>
-              </a:schemeClr>
-            </a:duotone>
-          </a:blip>
-          <a:stretch>
-            <a:fillRect/>
-          </a:stretch>
+          <a:tile tx="0" ty="0" sx="90000" sy="90000" flip="xy" algn="tl"/>
         </a:blipFill>
       </a:bgFillStyleLst>
     </a:fmtScheme>

--- a/Beleg/Praese.pptx
+++ b/Beleg/Praese.pptx
@@ -4517,8 +4517,12 @@
           <a:lstStyle/>
           <a:p>
             <a:r>
-              <a:rPr lang="de-DE" dirty="0" smtClean="0"/>
-              <a:t>K3: </a:t>
+              <a:rPr lang="de-DE" b="1" dirty="0" smtClean="0"/>
+              <a:t>K3</a:t>
+            </a:r>
+            <a:r>
+              <a:rPr lang="de-DE" dirty="0" smtClean="0"/>
+              <a:t>: </a:t>
             </a:r>
             <a:r>
               <a:rPr lang="en-US" dirty="0" smtClean="0"/>
@@ -4547,8 +4551,16 @@
           </a:p>
           <a:p>
             <a:r>
-              <a:rPr lang="de-DE" dirty="0" smtClean="0"/>
-              <a:t> K4 : B-</a:t>
+              <a:rPr lang="de-DE" b="1" dirty="0" smtClean="0"/>
+              <a:t>K4</a:t>
+            </a:r>
+            <a:r>
+              <a:rPr lang="de-DE" dirty="0" smtClean="0"/>
+              <a:t> </a:t>
+            </a:r>
+            <a:r>
+              <a:rPr lang="de-DE" dirty="0" smtClean="0"/>
+              <a:t>: B-</a:t>
             </a:r>
             <a:r>
               <a:rPr lang="de-DE" dirty="0" err="1" smtClean="0"/>
@@ -4590,8 +4602,16 @@
           </a:p>
           <a:p>
             <a:r>
-              <a:rPr lang="de-DE" dirty="0" smtClean="0"/>
-              <a:t> K5 : Hash-Indizes auf Primary </a:t>
+              <a:rPr lang="de-DE" b="1" smtClean="0"/>
+              <a:t>K5</a:t>
+            </a:r>
+            <a:r>
+              <a:rPr lang="de-DE" smtClean="0"/>
+              <a:t> </a:t>
+            </a:r>
+            <a:r>
+              <a:rPr lang="de-DE" dirty="0" smtClean="0"/>
+              <a:t>: Hash-Indizes auf Primary </a:t>
             </a:r>
             <a:r>
               <a:rPr lang="de-DE" dirty="0" err="1" smtClean="0"/>
@@ -4641,8 +4661,12 @@
           </a:p>
           <a:p>
             <a:r>
-              <a:rPr lang="de-DE" dirty="0" smtClean="0"/>
-              <a:t>K6 </a:t>
+              <a:rPr lang="de-DE" b="1" dirty="0" smtClean="0"/>
+              <a:t>K6</a:t>
+            </a:r>
+            <a:r>
+              <a:rPr lang="de-DE" dirty="0" smtClean="0"/>
+              <a:t> </a:t>
             </a:r>
             <a:r>
               <a:rPr lang="de-DE" dirty="0" smtClean="0"/>
@@ -4699,8 +4723,12 @@
           </a:p>
           <a:p>
             <a:r>
-              <a:rPr lang="de-DE" dirty="0" smtClean="0"/>
-              <a:t>K7 </a:t>
+              <a:rPr lang="de-DE" b="1" dirty="0" smtClean="0"/>
+              <a:t>K7</a:t>
+            </a:r>
+            <a:r>
+              <a:rPr lang="de-DE" dirty="0" smtClean="0"/>
+              <a:t> </a:t>
             </a:r>
             <a:r>
               <a:rPr lang="de-DE" dirty="0" smtClean="0"/>
@@ -4757,8 +4785,12 @@
           </a:p>
           <a:p>
             <a:r>
-              <a:rPr lang="de-DE" dirty="0" smtClean="0"/>
-              <a:t>K8 </a:t>
+              <a:rPr lang="de-DE" b="1" dirty="0" smtClean="0"/>
+              <a:t>K8</a:t>
+            </a:r>
+            <a:r>
+              <a:rPr lang="de-DE" dirty="0" smtClean="0"/>
+              <a:t> </a:t>
             </a:r>
             <a:r>
               <a:rPr lang="de-DE" dirty="0" smtClean="0"/>
@@ -4819,8 +4851,12 @@
           </a:p>
           <a:p>
             <a:r>
-              <a:rPr lang="de-DE" dirty="0" smtClean="0"/>
-              <a:t>K9 : Hash Indizes auf Primary </a:t>
+              <a:rPr lang="de-DE" b="1" dirty="0" smtClean="0"/>
+              <a:t>K9</a:t>
+            </a:r>
+            <a:r>
+              <a:rPr lang="de-DE" dirty="0" smtClean="0"/>
+              <a:t> : Hash Indizes auf Primary </a:t>
             </a:r>
             <a:r>
               <a:rPr lang="de-DE" dirty="0" err="1" smtClean="0"/>
@@ -4905,7 +4941,7 @@
           </a:p>
           <a:p>
             <a:r>
-              <a:rPr lang="de-DE" dirty="0" smtClean="0"/>
+              <a:rPr lang="de-DE" b="1" dirty="0" smtClean="0"/>
               <a:t>K10</a:t>
             </a:r>
             <a:r>

--- a/Beleg/Praese.pptx
+++ b/Beleg/Praese.pptx
@@ -256,6 +256,7 @@
           <a:p>
             <a:fld id="{5174542B-B21A-4025-B0A9-225DBF527871}" type="datetimeFigureOut">
               <a:rPr lang="de-DE" smtClean="0"/>
+              <a:pPr/>
               <a:t>02.02.2012</a:t>
             </a:fld>
             <a:endParaRPr lang="de-DE"/>
@@ -302,6 +303,7 @@
           <a:p>
             <a:fld id="{A1B8449B-F5B3-4CD1-A5D9-FFDDEE314C7D}" type="slidenum">
               <a:rPr lang="de-DE" smtClean="0"/>
+              <a:pPr/>
               <a:t>‹Nr.›</a:t>
             </a:fld>
             <a:endParaRPr lang="de-DE"/>
@@ -569,6 +571,7 @@
           <a:p>
             <a:fld id="{5174542B-B21A-4025-B0A9-225DBF527871}" type="datetimeFigureOut">
               <a:rPr lang="de-DE" smtClean="0"/>
+              <a:pPr/>
               <a:t>02.02.2012</a:t>
             </a:fld>
             <a:endParaRPr lang="de-DE"/>
@@ -615,6 +618,7 @@
           <a:p>
             <a:fld id="{A1B8449B-F5B3-4CD1-A5D9-FFDDEE314C7D}" type="slidenum">
               <a:rPr lang="de-DE" smtClean="0"/>
+              <a:pPr/>
               <a:t>‹Nr.›</a:t>
             </a:fld>
             <a:endParaRPr lang="de-DE"/>
@@ -754,6 +758,7 @@
           <a:p>
             <a:fld id="{5174542B-B21A-4025-B0A9-225DBF527871}" type="datetimeFigureOut">
               <a:rPr lang="de-DE" smtClean="0"/>
+              <a:pPr/>
               <a:t>02.02.2012</a:t>
             </a:fld>
             <a:endParaRPr lang="de-DE"/>
@@ -800,6 +805,7 @@
           <a:p>
             <a:fld id="{A1B8449B-F5B3-4CD1-A5D9-FFDDEE314C7D}" type="slidenum">
               <a:rPr lang="de-DE" smtClean="0"/>
+              <a:pPr/>
               <a:t>‹Nr.›</a:t>
             </a:fld>
             <a:endParaRPr lang="de-DE"/>
@@ -929,6 +935,7 @@
           <a:p>
             <a:fld id="{5174542B-B21A-4025-B0A9-225DBF527871}" type="datetimeFigureOut">
               <a:rPr lang="de-DE" smtClean="0"/>
+              <a:pPr/>
               <a:t>02.02.2012</a:t>
             </a:fld>
             <a:endParaRPr lang="de-DE"/>
@@ -975,6 +982,7 @@
           <a:p>
             <a:fld id="{A1B8449B-F5B3-4CD1-A5D9-FFDDEE314C7D}" type="slidenum">
               <a:rPr lang="de-DE" smtClean="0"/>
+              <a:pPr/>
               <a:t>‹Nr.›</a:t>
             </a:fld>
             <a:endParaRPr lang="de-DE"/>
@@ -1197,6 +1205,7 @@
           <a:p>
             <a:fld id="{5174542B-B21A-4025-B0A9-225DBF527871}" type="datetimeFigureOut">
               <a:rPr lang="de-DE" smtClean="0"/>
+              <a:pPr/>
               <a:t>02.02.2012</a:t>
             </a:fld>
             <a:endParaRPr lang="de-DE"/>
@@ -1243,6 +1252,7 @@
           <a:p>
             <a:fld id="{A1B8449B-F5B3-4CD1-A5D9-FFDDEE314C7D}" type="slidenum">
               <a:rPr lang="de-DE" smtClean="0"/>
+              <a:pPr/>
               <a:t>‹Nr.›</a:t>
             </a:fld>
             <a:endParaRPr lang="de-DE"/>
@@ -1665,6 +1675,7 @@
           <a:p>
             <a:fld id="{5174542B-B21A-4025-B0A9-225DBF527871}" type="datetimeFigureOut">
               <a:rPr lang="de-DE" smtClean="0"/>
+              <a:pPr/>
               <a:t>02.02.2012</a:t>
             </a:fld>
             <a:endParaRPr lang="de-DE"/>
@@ -1711,6 +1722,7 @@
           <a:p>
             <a:fld id="{A1B8449B-F5B3-4CD1-A5D9-FFDDEE314C7D}" type="slidenum">
               <a:rPr lang="de-DE" smtClean="0"/>
+              <a:pPr/>
               <a:t>‹Nr.›</a:t>
             </a:fld>
             <a:endParaRPr lang="de-DE"/>
@@ -2154,6 +2166,7 @@
           <a:p>
             <a:fld id="{5174542B-B21A-4025-B0A9-225DBF527871}" type="datetimeFigureOut">
               <a:rPr lang="de-DE" smtClean="0"/>
+              <a:pPr/>
               <a:t>02.02.2012</a:t>
             </a:fld>
             <a:endParaRPr lang="de-DE"/>
@@ -2200,6 +2213,7 @@
           <a:p>
             <a:fld id="{A1B8449B-F5B3-4CD1-A5D9-FFDDEE314C7D}" type="slidenum">
               <a:rPr lang="de-DE" smtClean="0"/>
+              <a:pPr/>
               <a:t>‹Nr.›</a:t>
             </a:fld>
             <a:endParaRPr lang="de-DE"/>
@@ -2280,6 +2294,7 @@
           <a:p>
             <a:fld id="{5174542B-B21A-4025-B0A9-225DBF527871}" type="datetimeFigureOut">
               <a:rPr lang="de-DE" smtClean="0"/>
+              <a:pPr/>
               <a:t>02.02.2012</a:t>
             </a:fld>
             <a:endParaRPr lang="de-DE"/>
@@ -2326,6 +2341,7 @@
           <a:p>
             <a:fld id="{A1B8449B-F5B3-4CD1-A5D9-FFDDEE314C7D}" type="slidenum">
               <a:rPr lang="de-DE" smtClean="0"/>
+              <a:pPr/>
               <a:t>‹Nr.›</a:t>
             </a:fld>
             <a:endParaRPr lang="de-DE"/>
@@ -2424,6 +2440,7 @@
           <a:p>
             <a:fld id="{5174542B-B21A-4025-B0A9-225DBF527871}" type="datetimeFigureOut">
               <a:rPr lang="de-DE" smtClean="0"/>
+              <a:pPr/>
               <a:t>02.02.2012</a:t>
             </a:fld>
             <a:endParaRPr lang="de-DE"/>
@@ -2470,6 +2487,7 @@
           <a:p>
             <a:fld id="{A1B8449B-F5B3-4CD1-A5D9-FFDDEE314C7D}" type="slidenum">
               <a:rPr lang="de-DE" smtClean="0"/>
+              <a:pPr/>
               <a:t>‹Nr.›</a:t>
             </a:fld>
             <a:endParaRPr lang="de-DE"/>
@@ -2746,6 +2764,7 @@
           <a:p>
             <a:fld id="{5174542B-B21A-4025-B0A9-225DBF527871}" type="datetimeFigureOut">
               <a:rPr lang="de-DE" smtClean="0"/>
+              <a:pPr/>
               <a:t>02.02.2012</a:t>
             </a:fld>
             <a:endParaRPr lang="de-DE"/>
@@ -2792,6 +2811,7 @@
           <a:p>
             <a:fld id="{A1B8449B-F5B3-4CD1-A5D9-FFDDEE314C7D}" type="slidenum">
               <a:rPr lang="de-DE" smtClean="0"/>
+              <a:pPr/>
               <a:t>‹Nr.›</a:t>
             </a:fld>
             <a:endParaRPr lang="de-DE"/>
@@ -2880,6 +2900,7 @@
           <a:p>
             <a:fld id="{5174542B-B21A-4025-B0A9-225DBF527871}" type="datetimeFigureOut">
               <a:rPr lang="de-DE" smtClean="0"/>
+              <a:pPr/>
               <a:t>02.02.2012</a:t>
             </a:fld>
             <a:endParaRPr lang="de-DE"/>
@@ -2926,6 +2947,7 @@
           <a:p>
             <a:fld id="{A1B8449B-F5B3-4CD1-A5D9-FFDDEE314C7D}" type="slidenum">
               <a:rPr lang="de-DE" smtClean="0"/>
+              <a:pPr/>
               <a:t>‹Nr.›</a:t>
             </a:fld>
             <a:endParaRPr lang="de-DE"/>
@@ -3661,6 +3683,7 @@
           <a:p>
             <a:fld id="{5174542B-B21A-4025-B0A9-225DBF527871}" type="datetimeFigureOut">
               <a:rPr lang="de-DE" smtClean="0"/>
+              <a:pPr/>
               <a:t>02.02.2012</a:t>
             </a:fld>
             <a:endParaRPr lang="de-DE"/>
@@ -3745,6 +3768,7 @@
           <a:p>
             <a:fld id="{A1B8449B-F5B3-4CD1-A5D9-FFDDEE314C7D}" type="slidenum">
               <a:rPr lang="de-DE" smtClean="0"/>
+              <a:pPr/>
               <a:t>‹Nr.›</a:t>
             </a:fld>
             <a:endParaRPr lang="de-DE"/>
@@ -4225,7 +4249,7 @@
             </a:r>
             <a:r>
               <a:rPr lang="de-DE" dirty="0" err="1" smtClean="0"/>
-              <a:t>Ochman</a:t>
+              <a:t>Ochmann</a:t>
             </a:r>
             <a:endParaRPr lang="de-DE" dirty="0" smtClean="0"/>
           </a:p>
@@ -4406,39 +4430,19 @@
           <a:p>
             <a:r>
               <a:rPr lang="de-DE" dirty="0" smtClean="0"/>
-              <a:t>Wie viel </a:t>
-            </a:r>
-            <a:r>
-              <a:rPr lang="de-DE" dirty="0" smtClean="0"/>
-              <a:t>Umsatz wurde von wem in einem bestimmtem Zeitraum generiert?</a:t>
-            </a:r>
-          </a:p>
-          <a:p>
-            <a:r>
-              <a:rPr lang="de-DE" dirty="0" smtClean="0"/>
-              <a:t>Wie </a:t>
-            </a:r>
-            <a:r>
-              <a:rPr lang="de-DE" dirty="0" smtClean="0"/>
-              <a:t>viele Kunden haben an einem bestimmten Zeitpunkt bestellt?</a:t>
-            </a:r>
-          </a:p>
-          <a:p>
-            <a:r>
-              <a:rPr lang="de-DE" dirty="0" smtClean="0"/>
-              <a:t>Wer </a:t>
-            </a:r>
-            <a:r>
-              <a:rPr lang="de-DE" dirty="0" smtClean="0"/>
-              <a:t>hat </a:t>
-            </a:r>
-            <a:r>
-              <a:rPr lang="de-DE" dirty="0" smtClean="0"/>
-              <a:t>wie viel </a:t>
-            </a:r>
-            <a:r>
-              <a:rPr lang="de-DE" dirty="0" smtClean="0"/>
-              <a:t>an den gegebenen neun Tagen umgesetzt?</a:t>
+              <a:t>Wie viel Umsatz wurde von wem in einem bestimmtem Zeitraum generiert?</a:t>
+            </a:r>
+          </a:p>
+          <a:p>
+            <a:r>
+              <a:rPr lang="de-DE" dirty="0" smtClean="0"/>
+              <a:t>Wie viele Kunden haben an einem bestimmten Zeitpunkt bestellt?</a:t>
+            </a:r>
+          </a:p>
+          <a:p>
+            <a:r>
+              <a:rPr lang="de-DE" dirty="0" smtClean="0"/>
+              <a:t>Wer hat wie viel an den gegebenen neun Tagen umgesetzt?</a:t>
             </a:r>
             <a:endParaRPr lang="de-DE" dirty="0"/>
           </a:p>
@@ -4542,11 +4546,7 @@
             </a:r>
             <a:r>
               <a:rPr lang="en-US" dirty="0" smtClean="0"/>
-              <a:t> </a:t>
-            </a:r>
-            <a:r>
-              <a:rPr lang="en-US" dirty="0" smtClean="0"/>
-              <a:t>Partitioning</a:t>
+              <a:t> Partitioning</a:t>
             </a:r>
           </a:p>
           <a:p>
@@ -4556,11 +4556,7 @@
             </a:r>
             <a:r>
               <a:rPr lang="de-DE" dirty="0" smtClean="0"/>
-              <a:t> </a:t>
-            </a:r>
-            <a:r>
-              <a:rPr lang="de-DE" dirty="0" smtClean="0"/>
-              <a:t>: B-</a:t>
+              <a:t> : B-</a:t>
             </a:r>
             <a:r>
               <a:rPr lang="de-DE" dirty="0" err="1" smtClean="0"/>
@@ -4602,16 +4598,12 @@
           </a:p>
           <a:p>
             <a:r>
-              <a:rPr lang="de-DE" b="1" smtClean="0"/>
+              <a:rPr lang="de-DE" b="1" dirty="0" smtClean="0"/>
               <a:t>K5</a:t>
             </a:r>
             <a:r>
-              <a:rPr lang="de-DE" smtClean="0"/>
-              <a:t> </a:t>
-            </a:r>
-            <a:r>
-              <a:rPr lang="de-DE" dirty="0" smtClean="0"/>
-              <a:t>: Hash-Indizes auf Primary </a:t>
+              <a:rPr lang="de-DE" dirty="0" smtClean="0"/>
+              <a:t> : Hash-Indizes auf Primary </a:t>
             </a:r>
             <a:r>
               <a:rPr lang="de-DE" dirty="0" err="1" smtClean="0"/>
@@ -4635,11 +4627,7 @@
             </a:r>
             <a:r>
               <a:rPr lang="de-DE" dirty="0" smtClean="0"/>
-              <a:t> sowie </a:t>
-            </a:r>
-            <a:r>
-              <a:rPr lang="de-DE" dirty="0" smtClean="0"/>
-              <a:t>B-</a:t>
+              <a:t> sowie B-</a:t>
             </a:r>
             <a:r>
               <a:rPr lang="de-DE" dirty="0" err="1" smtClean="0"/>
@@ -4647,11 +4635,7 @@
             </a:r>
             <a:r>
               <a:rPr lang="de-DE" dirty="0" smtClean="0"/>
-              <a:t>-Index auf </a:t>
-            </a:r>
-            <a:r>
-              <a:rPr lang="de-DE" dirty="0" smtClean="0"/>
-              <a:t>Datum / ohne </a:t>
+              <a:t>-Index auf Datum / ohne </a:t>
             </a:r>
             <a:r>
               <a:rPr lang="de-DE" dirty="0" err="1" smtClean="0"/>
@@ -4666,11 +4650,7 @@
             </a:r>
             <a:r>
               <a:rPr lang="de-DE" dirty="0" smtClean="0"/>
-              <a:t> </a:t>
-            </a:r>
-            <a:r>
-              <a:rPr lang="de-DE" dirty="0" smtClean="0"/>
-              <a:t>: Hash-Indizes auf Primary </a:t>
+              <a:t> : Hash-Indizes auf Primary </a:t>
             </a:r>
             <a:r>
               <a:rPr lang="de-DE" dirty="0" err="1" smtClean="0"/>
@@ -4694,11 +4674,7 @@
             </a:r>
             <a:r>
               <a:rPr lang="de-DE" dirty="0" smtClean="0"/>
-              <a:t> sowie </a:t>
-            </a:r>
-            <a:r>
-              <a:rPr lang="de-DE" dirty="0" smtClean="0"/>
-              <a:t>B-</a:t>
+              <a:t> sowie B-</a:t>
             </a:r>
             <a:r>
               <a:rPr lang="de-DE" dirty="0" err="1" smtClean="0"/>
@@ -4706,11 +4682,7 @@
             </a:r>
             <a:r>
               <a:rPr lang="de-DE" dirty="0" smtClean="0"/>
-              <a:t>-Index auf </a:t>
-            </a:r>
-            <a:r>
-              <a:rPr lang="de-DE" dirty="0" smtClean="0"/>
-              <a:t>Datum / mit List-</a:t>
+              <a:t>-Index auf Datum / mit List-</a:t>
             </a:r>
             <a:r>
               <a:rPr lang="de-DE" dirty="0" err="1" smtClean="0"/>
@@ -4728,11 +4700,7 @@
             </a:r>
             <a:r>
               <a:rPr lang="de-DE" dirty="0" smtClean="0"/>
-              <a:t> </a:t>
-            </a:r>
-            <a:r>
-              <a:rPr lang="de-DE" dirty="0" smtClean="0"/>
-              <a:t>: Hash-Indizes auf Primary </a:t>
+              <a:t> : Hash-Indizes auf Primary </a:t>
             </a:r>
             <a:r>
               <a:rPr lang="de-DE" dirty="0" err="1" smtClean="0"/>
@@ -4756,11 +4724,7 @@
             </a:r>
             <a:r>
               <a:rPr lang="de-DE" dirty="0" smtClean="0"/>
-              <a:t> sowie </a:t>
-            </a:r>
-            <a:r>
-              <a:rPr lang="de-DE" dirty="0" smtClean="0"/>
-              <a:t>B-</a:t>
+              <a:t> sowie B-</a:t>
             </a:r>
             <a:r>
               <a:rPr lang="de-DE" dirty="0" err="1" smtClean="0"/>
@@ -4768,11 +4732,7 @@
             </a:r>
             <a:r>
               <a:rPr lang="de-DE" dirty="0" smtClean="0"/>
-              <a:t>-Index auf </a:t>
-            </a:r>
-            <a:r>
-              <a:rPr lang="de-DE" dirty="0" smtClean="0"/>
-              <a:t>Datum / mit Hash-</a:t>
+              <a:t>-Index auf Datum / mit Hash-</a:t>
             </a:r>
             <a:r>
               <a:rPr lang="de-DE" dirty="0" err="1" smtClean="0"/>
@@ -4790,11 +4750,7 @@
             </a:r>
             <a:r>
               <a:rPr lang="de-DE" dirty="0" smtClean="0"/>
-              <a:t> </a:t>
-            </a:r>
-            <a:r>
-              <a:rPr lang="de-DE" dirty="0" smtClean="0"/>
-              <a:t>: Hash-Indizes auf Primary </a:t>
+              <a:t> : Hash-Indizes auf Primary </a:t>
             </a:r>
             <a:r>
               <a:rPr lang="de-DE" dirty="0" err="1" smtClean="0"/>
@@ -4826,15 +4782,7 @@
             </a:r>
             <a:r>
               <a:rPr lang="de-DE" dirty="0" smtClean="0"/>
-              <a:t> </a:t>
-            </a:r>
-            <a:r>
-              <a:rPr lang="de-DE" dirty="0" smtClean="0"/>
-              <a:t>Index </a:t>
-            </a:r>
-            <a:r>
-              <a:rPr lang="de-DE" dirty="0" smtClean="0"/>
-              <a:t>auf Datum / mit Range-</a:t>
+              <a:t> Index auf Datum / mit Range-</a:t>
             </a:r>
             <a:r>
               <a:rPr lang="de-DE" dirty="0" err="1" smtClean="0"/>
@@ -4842,11 +4790,7 @@
             </a:r>
             <a:r>
               <a:rPr lang="de-DE" dirty="0" smtClean="0"/>
-              <a:t> auf COLUMNS(Datum) für </a:t>
-            </a:r>
-            <a:r>
-              <a:rPr lang="de-DE" dirty="0" smtClean="0"/>
-              <a:t>jedes Quartal</a:t>
+              <a:t> auf COLUMNS(Datum) für jedes Quartal</a:t>
             </a:r>
           </a:p>
           <a:p>
@@ -4896,15 +4840,7 @@
             </a:r>
             <a:r>
               <a:rPr lang="de-DE" dirty="0" smtClean="0"/>
-              <a:t> Datum </a:t>
-            </a:r>
-            <a:r>
-              <a:rPr lang="de-DE" dirty="0" smtClean="0"/>
-              <a:t>/ mit </a:t>
-            </a:r>
-            <a:r>
-              <a:rPr lang="de-DE" dirty="0" smtClean="0"/>
-              <a:t>Sub-</a:t>
+              <a:t> Datum / mit Sub-</a:t>
             </a:r>
             <a:r>
               <a:rPr lang="de-DE" dirty="0" err="1" smtClean="0"/>
@@ -4920,15 +4856,7 @@
             </a:r>
             <a:r>
               <a:rPr lang="de-DE" dirty="0" smtClean="0"/>
-              <a:t> quartalsweise auf </a:t>
-            </a:r>
-            <a:r>
-              <a:rPr lang="de-DE" dirty="0" smtClean="0"/>
-              <a:t>Datum </a:t>
-            </a:r>
-            <a:r>
-              <a:rPr lang="de-DE" dirty="0" smtClean="0"/>
-              <a:t>und für jedes Quartal jeweils vier Hash-</a:t>
+              <a:t> quartalsweise auf Datum und für jedes Quartal jeweils vier Hash-</a:t>
             </a:r>
             <a:r>
               <a:rPr lang="de-DE" dirty="0" err="1" smtClean="0"/>
@@ -4970,11 +4898,7 @@
             </a:r>
             <a:r>
               <a:rPr lang="de-DE" dirty="0" smtClean="0"/>
-              <a:t> / mit </a:t>
-            </a:r>
-            <a:r>
-              <a:rPr lang="de-DE" dirty="0" smtClean="0"/>
-              <a:t>Sub-</a:t>
+              <a:t> / mit Sub-</a:t>
             </a:r>
             <a:r>
               <a:rPr lang="de-DE" dirty="0" err="1" smtClean="0"/>
@@ -4990,19 +4914,7 @@
             </a:r>
             <a:r>
               <a:rPr lang="de-DE" dirty="0" smtClean="0"/>
-              <a:t> </a:t>
-            </a:r>
-            <a:r>
-              <a:rPr lang="de-DE" dirty="0" smtClean="0"/>
-              <a:t>quartalsweise auf Datum und für jedes Quartal </a:t>
-            </a:r>
-            <a:r>
-              <a:rPr lang="de-DE" dirty="0" smtClean="0"/>
-              <a:t>jeweils vier </a:t>
-            </a:r>
-            <a:r>
-              <a:rPr lang="de-DE" dirty="0" smtClean="0"/>
-              <a:t>Hash-</a:t>
+              <a:t> quartalsweise auf Datum und für jedes Quartal jeweils vier Hash-</a:t>
             </a:r>
             <a:r>
               <a:rPr lang="de-DE" dirty="0" err="1" smtClean="0"/>
@@ -5089,8 +5001,8 @@
         </p:blipFill>
         <p:spPr>
           <a:xfrm>
-            <a:off x="3398837" y="2890837"/>
-            <a:ext cx="3571875" cy="1914525"/>
+            <a:off x="2021046" y="2103165"/>
+            <a:ext cx="6369528" cy="3414068"/>
           </a:xfrm>
         </p:spPr>
       </p:pic>
@@ -5161,7 +5073,7 @@
         </p:nvGraphicFramePr>
         <p:xfrm>
           <a:off x="2699792" y="2420888"/>
-          <a:ext cx="3816424" cy="2926080"/>
+          <a:ext cx="3816424" cy="3291840"/>
         </p:xfrm>
         <a:graphic>
           <a:graphicData uri="http://schemas.openxmlformats.org/drawingml/2006/table">
@@ -5196,6 +5108,36 @@
                       <a:r>
                         <a:rPr lang="de-DE" dirty="0" smtClean="0"/>
                         <a:t>Faktor</a:t>
+                      </a:r>
+                      <a:endParaRPr lang="de-DE" dirty="0"/>
+                    </a:p>
+                  </a:txBody>
+                  <a:tcPr/>
+                </a:tc>
+              </a:tr>
+              <a:tr h="336329">
+                <a:tc>
+                  <a:txBody>
+                    <a:bodyPr/>
+                    <a:lstStyle/>
+                    <a:p>
+                      <a:r>
+                        <a:rPr lang="de-DE" dirty="0" smtClean="0"/>
+                        <a:t>K3</a:t>
+                      </a:r>
+                      <a:endParaRPr lang="de-DE" dirty="0" smtClean="0"/>
+                    </a:p>
+                  </a:txBody>
+                  <a:tcPr/>
+                </a:tc>
+                <a:tc>
+                  <a:txBody>
+                    <a:bodyPr/>
+                    <a:lstStyle/>
+                    <a:p>
+                      <a:r>
+                        <a:rPr lang="de-DE" dirty="0" smtClean="0"/>
+                        <a:t>1</a:t>
                       </a:r>
                       <a:endParaRPr lang="de-DE" dirty="0"/>
                     </a:p>
@@ -5495,21 +5437,51 @@
             <a:pPr lvl="1"/>
             <a:r>
               <a:rPr lang="de-DE" dirty="0" smtClean="0"/>
-              <a:t>…ist Konfiguration 8 die schnellste mit einer 13%igen Steigerung…</a:t>
+              <a:t>…ist Konfiguration 8 die </a:t>
+            </a:r>
+            <a:r>
+              <a:rPr lang="de-DE" dirty="0" smtClean="0"/>
+              <a:t>Schnellste </a:t>
+            </a:r>
+            <a:r>
+              <a:rPr lang="de-DE" dirty="0" smtClean="0"/>
+              <a:t>mit einer 13%igen Steigerung…</a:t>
             </a:r>
           </a:p>
           <a:p>
             <a:pPr lvl="1"/>
             <a:r>
               <a:rPr lang="de-DE" dirty="0" smtClean="0"/>
-              <a:t>…ist Konfiguration 7 die langsamste mit 47%iger Verringerung…</a:t>
+              <a:t>…ist Konfiguration 7 die </a:t>
+            </a:r>
+            <a:r>
+              <a:rPr lang="de-DE" dirty="0" smtClean="0"/>
+              <a:t>Langsamste </a:t>
+            </a:r>
+            <a:r>
+              <a:rPr lang="de-DE" dirty="0" smtClean="0"/>
+              <a:t>mit 47%iger Verringerung…</a:t>
             </a:r>
           </a:p>
           <a:p>
             <a:pPr lvl="1"/>
-            <a:r>
-              <a:rPr lang="de-DE" dirty="0" smtClean="0"/>
-              <a:t>Bei K3 als Referenz</a:t>
+            <a:endParaRPr lang="de-DE" dirty="0" smtClean="0"/>
+          </a:p>
+          <a:p>
+            <a:pPr lvl="1">
+              <a:buNone/>
+            </a:pPr>
+            <a:r>
+              <a:rPr lang="de-DE" dirty="0" smtClean="0"/>
+              <a:t>… bei </a:t>
+            </a:r>
+            <a:r>
+              <a:rPr lang="de-DE" dirty="0" smtClean="0"/>
+              <a:t>K3 als </a:t>
+            </a:r>
+            <a:r>
+              <a:rPr lang="de-DE" dirty="0" smtClean="0"/>
+              <a:t>Referenz.</a:t>
             </a:r>
             <a:endParaRPr lang="de-DE" dirty="0"/>
           </a:p>
@@ -5764,7 +5736,15 @@
           <a:p>
             <a:r>
               <a:rPr lang="de-DE" dirty="0" smtClean="0"/>
-              <a:t>Juristische und Ethische Überlegungen</a:t>
+              <a:t>Juristische und </a:t>
+            </a:r>
+            <a:r>
+              <a:rPr lang="de-DE" dirty="0" smtClean="0"/>
+              <a:t>ethische </a:t>
+            </a:r>
+            <a:r>
+              <a:rPr lang="de-DE" dirty="0" smtClean="0"/>
+              <a:t>Überlegungen</a:t>
             </a:r>
             <a:endParaRPr lang="de-DE" dirty="0"/>
           </a:p>
@@ -5864,8 +5844,13 @@
             <a:pPr lvl="1"/>
             <a:r>
               <a:rPr lang="de-DE" dirty="0" smtClean="0"/>
-              <a:t>„Wer hatte wann welche IP“</a:t>
-            </a:r>
+              <a:t>„Wer hatte wann welche </a:t>
+            </a:r>
+            <a:r>
+              <a:rPr lang="de-DE" dirty="0" smtClean="0"/>
+              <a:t>IP?“</a:t>
+            </a:r>
+            <a:endParaRPr lang="de-DE" dirty="0" smtClean="0"/>
           </a:p>
           <a:p>
             <a:r>
@@ -5884,7 +5869,15 @@
             <a:pPr lvl="1"/>
             <a:r>
               <a:rPr lang="de-DE" dirty="0" smtClean="0"/>
-              <a:t>Ausgabe eine Liste aller Personen mit dieser IP</a:t>
+              <a:t>Ausgabe </a:t>
+            </a:r>
+            <a:r>
+              <a:rPr lang="de-DE" dirty="0" smtClean="0"/>
+              <a:t>einer </a:t>
+            </a:r>
+            <a:r>
+              <a:rPr lang="de-DE" dirty="0" smtClean="0"/>
+              <a:t>Liste aller Personen mit dieser IP</a:t>
             </a:r>
             <a:endParaRPr lang="de-DE" dirty="0"/>
           </a:p>
@@ -6019,7 +6012,15 @@
           <a:p>
             <a:r>
               <a:rPr lang="de-DE" dirty="0" smtClean="0"/>
-              <a:t>Juristische und Ethische Überlegungen</a:t>
+              <a:t>Juristische und </a:t>
+            </a:r>
+            <a:r>
+              <a:rPr lang="de-DE" dirty="0" smtClean="0"/>
+              <a:t>ethische </a:t>
+            </a:r>
+            <a:r>
+              <a:rPr lang="de-DE" dirty="0" smtClean="0"/>
+              <a:t>Überlegungen</a:t>
             </a:r>
             <a:br>
               <a:rPr lang="de-DE" dirty="0" smtClean="0"/>
@@ -6110,7 +6111,11 @@
           <a:bodyPr/>
           <a:lstStyle/>
           <a:p>
-            <a:endParaRPr lang="de-DE"/>
+            <a:r>
+              <a:rPr lang="de-DE" dirty="0" smtClean="0"/>
+              <a:t>Resultat</a:t>
+            </a:r>
+            <a:endParaRPr lang="de-DE" dirty="0"/>
           </a:p>
         </p:txBody>
       </p:sp>
@@ -6200,15 +6205,7 @@
           <a:p>
             <a:r>
               <a:rPr lang="de-DE" dirty="0" smtClean="0"/>
-              <a:t>Teil </a:t>
-            </a:r>
-            <a:r>
-              <a:rPr lang="de-DE" dirty="0" smtClean="0"/>
-              <a:t>2:</a:t>
-            </a:r>
-            <a:r>
-              <a:rPr lang="de-DE" dirty="0" smtClean="0"/>
-              <a:t/>
+              <a:t>Teil 2:</a:t>
             </a:r>
             <a:br>
               <a:rPr lang="de-DE" dirty="0" smtClean="0"/>
